--- a/documentation/Yoctopuce.pptx
+++ b/documentation/Yoctopuce.pptx
@@ -8,13 +8,14 @@
     <p:sldId id="259" r:id="rId2"/>
     <p:sldId id="256" r:id="rId3"/>
     <p:sldId id="258" r:id="rId4"/>
-    <p:sldId id="263" r:id="rId5"/>
-    <p:sldId id="260" r:id="rId6"/>
-    <p:sldId id="266" r:id="rId7"/>
-    <p:sldId id="261" r:id="rId8"/>
-    <p:sldId id="265" r:id="rId9"/>
-    <p:sldId id="262" r:id="rId10"/>
-    <p:sldId id="264" r:id="rId11"/>
+    <p:sldId id="267" r:id="rId5"/>
+    <p:sldId id="263" r:id="rId6"/>
+    <p:sldId id="260" r:id="rId7"/>
+    <p:sldId id="266" r:id="rId8"/>
+    <p:sldId id="261" r:id="rId9"/>
+    <p:sldId id="265" r:id="rId10"/>
+    <p:sldId id="262" r:id="rId11"/>
+    <p:sldId id="264" r:id="rId12"/>
   </p:sldIdLst>
   <p:sldSz cx="12192000" cy="6858000"/>
   <p:notesSz cx="6858000" cy="9144000"/>
@@ -307,7 +308,7 @@
           <a:p>
             <a:fld id="{4AAD347D-5ACD-4C99-B74B-A9C85AD731AF}" type="datetimeFigureOut">
               <a:rPr lang="en-US" dirty="0"/>
-              <a:t>3/3/2021</a:t>
+              <a:t>3/10/2021</a:t>
             </a:fld>
             <a:endParaRPr lang="en-US" dirty="0"/>
           </a:p>
@@ -577,7 +578,7 @@
           <a:p>
             <a:fld id="{4509A250-FF31-4206-8172-F9D3106AACB1}" type="datetimeFigureOut">
               <a:rPr lang="en-US" dirty="0"/>
-              <a:t>3/3/2021</a:t>
+              <a:t>3/10/2021</a:t>
             </a:fld>
             <a:endParaRPr lang="en-US" dirty="0"/>
           </a:p>
@@ -766,7 +767,7 @@
           <a:p>
             <a:fld id="{4509A250-FF31-4206-8172-F9D3106AACB1}" type="datetimeFigureOut">
               <a:rPr lang="en-US" dirty="0"/>
-              <a:t>3/3/2021</a:t>
+              <a:t>3/10/2021</a:t>
             </a:fld>
             <a:endParaRPr lang="en-US" dirty="0"/>
           </a:p>
@@ -1032,7 +1033,7 @@
           <a:p>
             <a:fld id="{4509A250-FF31-4206-8172-F9D3106AACB1}" type="datetimeFigureOut">
               <a:rPr lang="en-US" dirty="0"/>
-              <a:t>3/3/2021</a:t>
+              <a:t>3/10/2021</a:t>
             </a:fld>
             <a:endParaRPr lang="en-US" dirty="0"/>
           </a:p>
@@ -1354,7 +1355,7 @@
           <a:p>
             <a:fld id="{4509A250-FF31-4206-8172-F9D3106AACB1}" type="datetimeFigureOut">
               <a:rPr lang="en-US" dirty="0"/>
-              <a:t>3/3/2021</a:t>
+              <a:t>3/10/2021</a:t>
             </a:fld>
             <a:endParaRPr lang="en-US" dirty="0"/>
           </a:p>
@@ -1968,7 +1969,7 @@
           <a:p>
             <a:fld id="{4509A250-FF31-4206-8172-F9D3106AACB1}" type="datetimeFigureOut">
               <a:rPr lang="en-US" dirty="0"/>
-              <a:t>3/3/2021</a:t>
+              <a:t>3/10/2021</a:t>
             </a:fld>
             <a:endParaRPr lang="en-US" dirty="0"/>
           </a:p>
@@ -2810,7 +2811,7 @@
           <a:p>
             <a:fld id="{4509A250-FF31-4206-8172-F9D3106AACB1}" type="datetimeFigureOut">
               <a:rPr lang="en-US" dirty="0"/>
-              <a:t>3/3/2021</a:t>
+              <a:t>3/10/2021</a:t>
             </a:fld>
             <a:endParaRPr lang="en-US" dirty="0"/>
           </a:p>
@@ -2975,7 +2976,7 @@
           <a:p>
             <a:fld id="{4509A250-FF31-4206-8172-F9D3106AACB1}" type="datetimeFigureOut">
               <a:rPr lang="en-US" dirty="0"/>
-              <a:t>3/3/2021</a:t>
+              <a:t>3/10/2021</a:t>
             </a:fld>
             <a:endParaRPr lang="en-US" dirty="0"/>
           </a:p>
@@ -3150,7 +3151,7 @@
           <a:p>
             <a:fld id="{4509A250-FF31-4206-8172-F9D3106AACB1}" type="datetimeFigureOut">
               <a:rPr lang="en-US" dirty="0"/>
-              <a:t>3/3/2021</a:t>
+              <a:t>3/10/2021</a:t>
             </a:fld>
             <a:endParaRPr lang="en-US" dirty="0"/>
           </a:p>
@@ -3315,7 +3316,7 @@
           <a:p>
             <a:fld id="{9796027F-7875-4030-9381-8BD8C4F21935}" type="datetimeFigureOut">
               <a:rPr lang="en-US" dirty="0"/>
-              <a:t>3/3/2021</a:t>
+              <a:t>3/10/2021</a:t>
             </a:fld>
             <a:endParaRPr lang="en-US" dirty="0"/>
           </a:p>
@@ -3557,7 +3558,7 @@
           <a:p>
             <a:fld id="{9796027F-7875-4030-9381-8BD8C4F21935}" type="datetimeFigureOut">
               <a:rPr lang="en-US" dirty="0"/>
-              <a:t>3/3/2021</a:t>
+              <a:t>3/10/2021</a:t>
             </a:fld>
             <a:endParaRPr lang="en-US" dirty="0"/>
           </a:p>
@@ -3844,7 +3845,7 @@
           <a:p>
             <a:fld id="{9796027F-7875-4030-9381-8BD8C4F21935}" type="datetimeFigureOut">
               <a:rPr lang="en-US" dirty="0"/>
-              <a:t>3/3/2021</a:t>
+              <a:t>3/10/2021</a:t>
             </a:fld>
             <a:endParaRPr lang="en-US" dirty="0"/>
           </a:p>
@@ -4283,7 +4284,7 @@
           <a:p>
             <a:fld id="{9796027F-7875-4030-9381-8BD8C4F21935}" type="datetimeFigureOut">
               <a:rPr lang="en-US" dirty="0"/>
-              <a:t>3/3/2021</a:t>
+              <a:t>3/10/2021</a:t>
             </a:fld>
             <a:endParaRPr lang="en-US" dirty="0"/>
           </a:p>
@@ -4396,7 +4397,7 @@
           <a:p>
             <a:fld id="{4509A250-FF31-4206-8172-F9D3106AACB1}" type="datetimeFigureOut">
               <a:rPr lang="en-US" dirty="0"/>
-              <a:t>3/3/2021</a:t>
+              <a:t>3/10/2021</a:t>
             </a:fld>
             <a:endParaRPr lang="en-US" dirty="0"/>
           </a:p>
@@ -4486,7 +4487,7 @@
           <a:p>
             <a:fld id="{4509A250-FF31-4206-8172-F9D3106AACB1}" type="datetimeFigureOut">
               <a:rPr lang="en-US" dirty="0"/>
-              <a:t>3/3/2021</a:t>
+              <a:t>3/10/2021</a:t>
             </a:fld>
             <a:endParaRPr lang="en-US" dirty="0"/>
           </a:p>
@@ -4760,7 +4761,7 @@
           <a:p>
             <a:fld id="{4509A250-FF31-4206-8172-F9D3106AACB1}" type="datetimeFigureOut">
               <a:rPr lang="en-US" dirty="0"/>
-              <a:t>3/3/2021</a:t>
+              <a:t>3/10/2021</a:t>
             </a:fld>
             <a:endParaRPr lang="en-US" dirty="0"/>
           </a:p>
@@ -5030,7 +5031,7 @@
           <a:p>
             <a:fld id="{4509A250-FF31-4206-8172-F9D3106AACB1}" type="datetimeFigureOut">
               <a:rPr lang="en-US" dirty="0"/>
-              <a:t>3/3/2021</a:t>
+              <a:t>3/10/2021</a:t>
             </a:fld>
             <a:endParaRPr lang="en-US" dirty="0"/>
           </a:p>
@@ -5448,7 +5449,7 @@
           <a:p>
             <a:fld id="{4AAD347D-5ACD-4C99-B74B-A9C85AD731AF}" type="datetimeFigureOut">
               <a:rPr lang="en-US" dirty="0"/>
-              <a:t>3/3/2021</a:t>
+              <a:t>3/10/2021</a:t>
             </a:fld>
             <a:endParaRPr lang="en-US" dirty="0"/>
           </a:p>
@@ -6009,6 +6010,72 @@
           <a:chExt cx="0" cy="0"/>
         </a:xfrm>
       </p:grpSpPr>
+      <p:sp>
+        <p:nvSpPr>
+          <p:cNvPr id="2" name="Titre 1"/>
+          <p:cNvSpPr>
+            <a:spLocks noGrp="1"/>
+          </p:cNvSpPr>
+          <p:nvPr>
+            <p:ph type="ctrTitle"/>
+          </p:nvPr>
+        </p:nvSpPr>
+        <p:spPr>
+          <a:xfrm>
+            <a:off x="0" y="2596896"/>
+            <a:ext cx="12192001" cy="1531261"/>
+          </a:xfrm>
+        </p:spPr>
+        <p:txBody>
+          <a:bodyPr anchor="ctr"/>
+          <a:lstStyle/>
+          <a:p>
+            <a:pPr algn="ctr"/>
+            <a:r>
+              <a:rPr lang="fr-CH" dirty="0" smtClean="0"/>
+              <a:t>Questions</a:t>
+            </a:r>
+            <a:endParaRPr lang="fr-CH" dirty="0"/>
+          </a:p>
+        </p:txBody>
+      </p:sp>
+    </p:spTree>
+    <p:extLst>
+      <p:ext uri="{BB962C8B-B14F-4D97-AF65-F5344CB8AC3E}">
+        <p14:creationId xmlns:p14="http://schemas.microsoft.com/office/powerpoint/2010/main" val="2421965393"/>
+      </p:ext>
+    </p:extLst>
+  </p:cSld>
+  <p:clrMapOvr>
+    <a:masterClrMapping/>
+  </p:clrMapOvr>
+  <p:timing>
+    <p:tnLst>
+      <p:par>
+        <p:cTn id="1" dur="indefinite" restart="never" nodeType="tmRoot"/>
+      </p:par>
+    </p:tnLst>
+  </p:timing>
+</p:sld>
+</file>
+
+<file path=ppt/slides/slide11.xml><?xml version="1.0" encoding="utf-8"?>
+<p:sld xmlns:a="http://schemas.openxmlformats.org/drawingml/2006/main" xmlns:r="http://schemas.openxmlformats.org/officeDocument/2006/relationships" xmlns:p="http://schemas.openxmlformats.org/presentationml/2006/main">
+  <p:cSld>
+    <p:spTree>
+      <p:nvGrpSpPr>
+        <p:cNvPr id="1" name=""/>
+        <p:cNvGrpSpPr/>
+        <p:nvPr/>
+      </p:nvGrpSpPr>
+      <p:grpSpPr>
+        <a:xfrm>
+          <a:off x="0" y="0"/>
+          <a:ext cx="0" cy="0"/>
+          <a:chOff x="0" y="0"/>
+          <a:chExt cx="0" cy="0"/>
+        </a:xfrm>
+      </p:grpSpPr>
     </p:spTree>
     <p:extLst>
       <p:ext uri="{BB962C8B-B14F-4D97-AF65-F5344CB8AC3E}">
@@ -6284,32 +6351,868 @@
             <a:spLocks noGrp="1"/>
           </p:cNvSpPr>
           <p:nvPr>
-            <p:ph type="ctrTitle"/>
+            <p:ph type="title"/>
           </p:nvPr>
         </p:nvSpPr>
         <p:spPr>
           <a:xfrm>
-            <a:off x="0" y="2596896"/>
-            <a:ext cx="12192001" cy="1531261"/>
+            <a:off x="1103312" y="452718"/>
+            <a:ext cx="8947522" cy="1400530"/>
           </a:xfrm>
         </p:spPr>
         <p:txBody>
           <a:bodyPr anchor="ctr"/>
           <a:lstStyle/>
           <a:p>
-            <a:pPr algn="ctr"/>
             <a:r>
               <a:rPr lang="fr-CH" dirty="0" smtClean="0"/>
-              <a:t>Démonstration</a:t>
+              <a:t>Répartition des tâches</a:t>
             </a:r>
             <a:endParaRPr lang="fr-CH" dirty="0"/>
           </a:p>
         </p:txBody>
       </p:sp>
+      <p:sp>
+        <p:nvSpPr>
+          <p:cNvPr id="3" name="Espace réservé du contenu 2"/>
+          <p:cNvSpPr>
+            <a:spLocks noGrp="1"/>
+          </p:cNvSpPr>
+          <p:nvPr>
+            <p:ph idx="1"/>
+          </p:nvPr>
+        </p:nvSpPr>
+        <p:spPr/>
+        <p:txBody>
+          <a:bodyPr/>
+          <a:lstStyle/>
+          <a:p>
+            <a:pPr marL="0" indent="0">
+              <a:buNone/>
+            </a:pPr>
+            <a:endParaRPr lang="fr-CH" dirty="0"/>
+          </a:p>
+          <a:p>
+            <a:endParaRPr lang="fr-CH" dirty="0" smtClean="0"/>
+          </a:p>
+          <a:p>
+            <a:endParaRPr lang="fr-CH" dirty="0"/>
+          </a:p>
+          <a:p>
+            <a:endParaRPr lang="fr-CH" dirty="0" smtClean="0"/>
+          </a:p>
+        </p:txBody>
+      </p:sp>
+      <p:graphicFrame>
+        <p:nvGraphicFramePr>
+          <p:cNvPr id="4" name="Tableau 3"/>
+          <p:cNvGraphicFramePr>
+            <a:graphicFrameLocks noGrp="1"/>
+          </p:cNvGraphicFramePr>
+          <p:nvPr>
+            <p:extLst>
+              <p:ext uri="{D42A27DB-BD31-4B8C-83A1-F6EECF244321}">
+                <p14:modId xmlns:p14="http://schemas.microsoft.com/office/powerpoint/2010/main" val="1997523746"/>
+              </p:ext>
+            </p:extLst>
+          </p:nvPr>
+        </p:nvGraphicFramePr>
+        <p:xfrm>
+          <a:off x="1512582" y="2052918"/>
+          <a:ext cx="8128000" cy="2595880"/>
+        </p:xfrm>
+        <a:graphic>
+          <a:graphicData uri="http://schemas.openxmlformats.org/drawingml/2006/table">
+            <a:tbl>
+              <a:tblPr firstRow="1" bandRow="1">
+                <a:tableStyleId>{073A0DAA-6AF3-43AB-8588-CEC1D06C72B9}</a:tableStyleId>
+              </a:tblPr>
+              <a:tblGrid>
+                <a:gridCol w="2055368">
+                  <a:extLst>
+                    <a:ext uri="{9D8B030D-6E8A-4147-A177-3AD203B41FA5}">
+                      <a16:colId xmlns:a16="http://schemas.microsoft.com/office/drawing/2014/main" val="2768017913"/>
+                    </a:ext>
+                  </a:extLst>
+                </a:gridCol>
+                <a:gridCol w="1516114">
+                  <a:extLst>
+                    <a:ext uri="{9D8B030D-6E8A-4147-A177-3AD203B41FA5}">
+                      <a16:colId xmlns:a16="http://schemas.microsoft.com/office/drawing/2014/main" val="1532191086"/>
+                    </a:ext>
+                  </a:extLst>
+                </a:gridCol>
+                <a:gridCol w="1408176">
+                  <a:extLst>
+                    <a:ext uri="{9D8B030D-6E8A-4147-A177-3AD203B41FA5}">
+                      <a16:colId xmlns:a16="http://schemas.microsoft.com/office/drawing/2014/main" val="1033823805"/>
+                    </a:ext>
+                  </a:extLst>
+                </a:gridCol>
+                <a:gridCol w="1522742">
+                  <a:extLst>
+                    <a:ext uri="{9D8B030D-6E8A-4147-A177-3AD203B41FA5}">
+                      <a16:colId xmlns:a16="http://schemas.microsoft.com/office/drawing/2014/main" val="1180056105"/>
+                    </a:ext>
+                  </a:extLst>
+                </a:gridCol>
+                <a:gridCol w="1625600">
+                  <a:extLst>
+                    <a:ext uri="{9D8B030D-6E8A-4147-A177-3AD203B41FA5}">
+                      <a16:colId xmlns:a16="http://schemas.microsoft.com/office/drawing/2014/main" val="688141792"/>
+                    </a:ext>
+                  </a:extLst>
+                </a:gridCol>
+              </a:tblGrid>
+              <a:tr h="370840">
+                <a:tc>
+                  <a:txBody>
+                    <a:bodyPr/>
+                    <a:lstStyle/>
+                    <a:p>
+                      <a:r>
+                        <a:rPr lang="fr-CH" dirty="0" smtClean="0"/>
+                        <a:t>Tâches</a:t>
+                      </a:r>
+                      <a:endParaRPr lang="fr-CH" dirty="0"/>
+                    </a:p>
+                  </a:txBody>
+                  <a:tcPr/>
+                </a:tc>
+                <a:tc>
+                  <a:txBody>
+                    <a:bodyPr/>
+                    <a:lstStyle/>
+                    <a:p>
+                      <a:pPr algn="ctr"/>
+                      <a:r>
+                        <a:rPr lang="fr-CH" dirty="0" smtClean="0"/>
+                        <a:t>Jules</a:t>
+                      </a:r>
+                      <a:endParaRPr lang="fr-CH" dirty="0"/>
+                    </a:p>
+                  </a:txBody>
+                  <a:tcPr/>
+                </a:tc>
+                <a:tc>
+                  <a:txBody>
+                    <a:bodyPr/>
+                    <a:lstStyle/>
+                    <a:p>
+                      <a:pPr algn="ctr"/>
+                      <a:r>
+                        <a:rPr lang="fr-CH" dirty="0" smtClean="0"/>
+                        <a:t>Samuel</a:t>
+                      </a:r>
+                      <a:endParaRPr lang="fr-CH" dirty="0"/>
+                    </a:p>
+                  </a:txBody>
+                  <a:tcPr/>
+                </a:tc>
+                <a:tc>
+                  <a:txBody>
+                    <a:bodyPr/>
+                    <a:lstStyle/>
+                    <a:p>
+                      <a:pPr algn="ctr"/>
+                      <a:r>
+                        <a:rPr lang="fr-CH" dirty="0" smtClean="0"/>
+                        <a:t>Jeremy</a:t>
+                      </a:r>
+                      <a:endParaRPr lang="fr-CH" dirty="0"/>
+                    </a:p>
+                  </a:txBody>
+                  <a:tcPr/>
+                </a:tc>
+                <a:tc>
+                  <a:txBody>
+                    <a:bodyPr/>
+                    <a:lstStyle/>
+                    <a:p>
+                      <a:pPr algn="ctr"/>
+                      <a:r>
+                        <a:rPr lang="fr-CH" dirty="0" smtClean="0"/>
+                        <a:t>Nicolas</a:t>
+                      </a:r>
+                      <a:endParaRPr lang="fr-CH" dirty="0"/>
+                    </a:p>
+                  </a:txBody>
+                  <a:tcPr/>
+                </a:tc>
+                <a:extLst>
+                  <a:ext uri="{0D108BD9-81ED-4DB2-BD59-A6C34878D82A}">
+                    <a16:rowId xmlns:a16="http://schemas.microsoft.com/office/drawing/2014/main" val="2158275766"/>
+                  </a:ext>
+                </a:extLst>
+              </a:tr>
+              <a:tr h="370840">
+                <a:tc>
+                  <a:txBody>
+                    <a:bodyPr/>
+                    <a:lstStyle/>
+                    <a:p>
+                      <a:r>
+                        <a:rPr lang="fr-CH" dirty="0" smtClean="0"/>
+                        <a:t>Frontend</a:t>
+                      </a:r>
+                      <a:endParaRPr lang="fr-CH" dirty="0"/>
+                    </a:p>
+                  </a:txBody>
+                  <a:tcPr/>
+                </a:tc>
+                <a:tc>
+                  <a:txBody>
+                    <a:bodyPr/>
+                    <a:lstStyle/>
+                    <a:p>
+                      <a:pPr algn="ctr"/>
+                      <a:endParaRPr lang="fr-CH" dirty="0"/>
+                    </a:p>
+                  </a:txBody>
+                  <a:tcPr/>
+                </a:tc>
+                <a:tc>
+                  <a:txBody>
+                    <a:bodyPr/>
+                    <a:lstStyle/>
+                    <a:p>
+                      <a:pPr algn="ctr"/>
+                      <a:endParaRPr lang="fr-CH"/>
+                    </a:p>
+                  </a:txBody>
+                  <a:tcPr/>
+                </a:tc>
+                <a:tc>
+                  <a:txBody>
+                    <a:bodyPr/>
+                    <a:lstStyle/>
+                    <a:p>
+                      <a:pPr marL="0" marR="0" lvl="0" indent="0" algn="ctr" defTabSz="457200" rtl="0" eaLnBrk="1" fontAlgn="auto" latinLnBrk="0" hangingPunct="1">
+                        <a:lnSpc>
+                          <a:spcPct val="100000"/>
+                        </a:lnSpc>
+                        <a:spcBef>
+                          <a:spcPts val="0"/>
+                        </a:spcBef>
+                        <a:spcAft>
+                          <a:spcPts val="0"/>
+                        </a:spcAft>
+                        <a:buClrTx/>
+                        <a:buSzTx/>
+                        <a:buFontTx/>
+                        <a:buNone/>
+                        <a:tabLst/>
+                        <a:defRPr/>
+                      </a:pPr>
+                      <a:r>
+                        <a:rPr lang="fr-CH" dirty="0" smtClean="0"/>
+                        <a:t>✔</a:t>
+                      </a:r>
+                    </a:p>
+                  </a:txBody>
+                  <a:tcPr/>
+                </a:tc>
+                <a:tc>
+                  <a:txBody>
+                    <a:bodyPr/>
+                    <a:lstStyle/>
+                    <a:p>
+                      <a:pPr marL="0" marR="0" lvl="0" indent="0" algn="ctr" defTabSz="457200" rtl="0" eaLnBrk="1" fontAlgn="auto" latinLnBrk="0" hangingPunct="1">
+                        <a:lnSpc>
+                          <a:spcPct val="100000"/>
+                        </a:lnSpc>
+                        <a:spcBef>
+                          <a:spcPts val="0"/>
+                        </a:spcBef>
+                        <a:spcAft>
+                          <a:spcPts val="0"/>
+                        </a:spcAft>
+                        <a:buClrTx/>
+                        <a:buSzTx/>
+                        <a:buFontTx/>
+                        <a:buNone/>
+                        <a:tabLst/>
+                        <a:defRPr/>
+                      </a:pPr>
+                      <a:r>
+                        <a:rPr lang="fr-CH" dirty="0" smtClean="0"/>
+                        <a:t>✔</a:t>
+                      </a:r>
+                    </a:p>
+                  </a:txBody>
+                  <a:tcPr/>
+                </a:tc>
+                <a:extLst>
+                  <a:ext uri="{0D108BD9-81ED-4DB2-BD59-A6C34878D82A}">
+                    <a16:rowId xmlns:a16="http://schemas.microsoft.com/office/drawing/2014/main" val="440092924"/>
+                  </a:ext>
+                </a:extLst>
+              </a:tr>
+              <a:tr h="370840">
+                <a:tc>
+                  <a:txBody>
+                    <a:bodyPr/>
+                    <a:lstStyle/>
+                    <a:p>
+                      <a:r>
+                        <a:rPr lang="fr-CH" dirty="0" smtClean="0"/>
+                        <a:t>Backend</a:t>
+                      </a:r>
+                      <a:endParaRPr lang="fr-CH" dirty="0"/>
+                    </a:p>
+                  </a:txBody>
+                  <a:tcPr/>
+                </a:tc>
+                <a:tc>
+                  <a:txBody>
+                    <a:bodyPr/>
+                    <a:lstStyle/>
+                    <a:p>
+                      <a:pPr marL="0" marR="0" lvl="0" indent="0" algn="ctr" defTabSz="457200" rtl="0" eaLnBrk="1" fontAlgn="auto" latinLnBrk="0" hangingPunct="1">
+                        <a:lnSpc>
+                          <a:spcPct val="100000"/>
+                        </a:lnSpc>
+                        <a:spcBef>
+                          <a:spcPts val="0"/>
+                        </a:spcBef>
+                        <a:spcAft>
+                          <a:spcPts val="0"/>
+                        </a:spcAft>
+                        <a:buClrTx/>
+                        <a:buSzTx/>
+                        <a:buFontTx/>
+                        <a:buNone/>
+                        <a:tabLst/>
+                        <a:defRPr/>
+                      </a:pPr>
+                      <a:r>
+                        <a:rPr lang="fr-CH" dirty="0" smtClean="0"/>
+                        <a:t>✔</a:t>
+                      </a:r>
+                    </a:p>
+                  </a:txBody>
+                  <a:tcPr/>
+                </a:tc>
+                <a:tc>
+                  <a:txBody>
+                    <a:bodyPr/>
+                    <a:lstStyle/>
+                    <a:p>
+                      <a:pPr marL="0" marR="0" lvl="0" indent="0" algn="ctr" defTabSz="457200" rtl="0" eaLnBrk="1" fontAlgn="auto" latinLnBrk="0" hangingPunct="1">
+                        <a:lnSpc>
+                          <a:spcPct val="100000"/>
+                        </a:lnSpc>
+                        <a:spcBef>
+                          <a:spcPts val="0"/>
+                        </a:spcBef>
+                        <a:spcAft>
+                          <a:spcPts val="0"/>
+                        </a:spcAft>
+                        <a:buClrTx/>
+                        <a:buSzTx/>
+                        <a:buFontTx/>
+                        <a:buNone/>
+                        <a:tabLst/>
+                        <a:defRPr/>
+                      </a:pPr>
+                      <a:r>
+                        <a:rPr lang="fr-CH" dirty="0" smtClean="0"/>
+                        <a:t>✔</a:t>
+                      </a:r>
+                    </a:p>
+                  </a:txBody>
+                  <a:tcPr/>
+                </a:tc>
+                <a:tc>
+                  <a:txBody>
+                    <a:bodyPr/>
+                    <a:lstStyle/>
+                    <a:p>
+                      <a:pPr marL="0" marR="0" lvl="0" indent="0" algn="ctr" defTabSz="457200" rtl="0" eaLnBrk="1" fontAlgn="auto" latinLnBrk="0" hangingPunct="1">
+                        <a:lnSpc>
+                          <a:spcPct val="100000"/>
+                        </a:lnSpc>
+                        <a:spcBef>
+                          <a:spcPts val="0"/>
+                        </a:spcBef>
+                        <a:spcAft>
+                          <a:spcPts val="0"/>
+                        </a:spcAft>
+                        <a:buClrTx/>
+                        <a:buSzTx/>
+                        <a:buFontTx/>
+                        <a:buNone/>
+                        <a:tabLst/>
+                        <a:defRPr/>
+                      </a:pPr>
+                      <a:r>
+                        <a:rPr lang="fr-CH" dirty="0" smtClean="0"/>
+                        <a:t>✔</a:t>
+                      </a:r>
+                    </a:p>
+                  </a:txBody>
+                  <a:tcPr/>
+                </a:tc>
+                <a:tc>
+                  <a:txBody>
+                    <a:bodyPr/>
+                    <a:lstStyle/>
+                    <a:p>
+                      <a:pPr marL="0" marR="0" lvl="0" indent="0" algn="ctr" defTabSz="457200" rtl="0" eaLnBrk="1" fontAlgn="auto" latinLnBrk="0" hangingPunct="1">
+                        <a:lnSpc>
+                          <a:spcPct val="100000"/>
+                        </a:lnSpc>
+                        <a:spcBef>
+                          <a:spcPts val="0"/>
+                        </a:spcBef>
+                        <a:spcAft>
+                          <a:spcPts val="0"/>
+                        </a:spcAft>
+                        <a:buClrTx/>
+                        <a:buSzTx/>
+                        <a:buFontTx/>
+                        <a:buNone/>
+                        <a:tabLst/>
+                        <a:defRPr/>
+                      </a:pPr>
+                      <a:r>
+                        <a:rPr lang="fr-CH" dirty="0" smtClean="0"/>
+                        <a:t>✔</a:t>
+                      </a:r>
+                    </a:p>
+                  </a:txBody>
+                  <a:tcPr/>
+                </a:tc>
+                <a:extLst>
+                  <a:ext uri="{0D108BD9-81ED-4DB2-BD59-A6C34878D82A}">
+                    <a16:rowId xmlns:a16="http://schemas.microsoft.com/office/drawing/2014/main" val="2970057238"/>
+                  </a:ext>
+                </a:extLst>
+              </a:tr>
+              <a:tr h="370840">
+                <a:tc>
+                  <a:txBody>
+                    <a:bodyPr/>
+                    <a:lstStyle/>
+                    <a:p>
+                      <a:r>
+                        <a:rPr lang="fr-CH" dirty="0" smtClean="0"/>
+                        <a:t>Api</a:t>
+                      </a:r>
+                      <a:endParaRPr lang="fr-CH" dirty="0"/>
+                    </a:p>
+                  </a:txBody>
+                  <a:tcPr/>
+                </a:tc>
+                <a:tc>
+                  <a:txBody>
+                    <a:bodyPr/>
+                    <a:lstStyle/>
+                    <a:p>
+                      <a:pPr marL="0" marR="0" lvl="0" indent="0" algn="ctr" defTabSz="457200" rtl="0" eaLnBrk="1" fontAlgn="auto" latinLnBrk="0" hangingPunct="1">
+                        <a:lnSpc>
+                          <a:spcPct val="100000"/>
+                        </a:lnSpc>
+                        <a:spcBef>
+                          <a:spcPts val="0"/>
+                        </a:spcBef>
+                        <a:spcAft>
+                          <a:spcPts val="0"/>
+                        </a:spcAft>
+                        <a:buClrTx/>
+                        <a:buSzTx/>
+                        <a:buFontTx/>
+                        <a:buNone/>
+                        <a:tabLst/>
+                        <a:defRPr/>
+                      </a:pPr>
+                      <a:r>
+                        <a:rPr lang="fr-CH" dirty="0" smtClean="0"/>
+                        <a:t>✔</a:t>
+                      </a:r>
+                    </a:p>
+                  </a:txBody>
+                  <a:tcPr/>
+                </a:tc>
+                <a:tc>
+                  <a:txBody>
+                    <a:bodyPr/>
+                    <a:lstStyle/>
+                    <a:p>
+                      <a:pPr marL="0" marR="0" lvl="0" indent="0" algn="ctr" defTabSz="457200" rtl="0" eaLnBrk="1" fontAlgn="auto" latinLnBrk="0" hangingPunct="1">
+                        <a:lnSpc>
+                          <a:spcPct val="100000"/>
+                        </a:lnSpc>
+                        <a:spcBef>
+                          <a:spcPts val="0"/>
+                        </a:spcBef>
+                        <a:spcAft>
+                          <a:spcPts val="0"/>
+                        </a:spcAft>
+                        <a:buClrTx/>
+                        <a:buSzTx/>
+                        <a:buFontTx/>
+                        <a:buNone/>
+                        <a:tabLst/>
+                        <a:defRPr/>
+                      </a:pPr>
+                      <a:r>
+                        <a:rPr lang="fr-CH" dirty="0" smtClean="0"/>
+                        <a:t>✔</a:t>
+                      </a:r>
+                    </a:p>
+                  </a:txBody>
+                  <a:tcPr/>
+                </a:tc>
+                <a:tc>
+                  <a:txBody>
+                    <a:bodyPr/>
+                    <a:lstStyle/>
+                    <a:p>
+                      <a:pPr algn="ctr"/>
+                      <a:endParaRPr lang="fr-CH" dirty="0"/>
+                    </a:p>
+                  </a:txBody>
+                  <a:tcPr/>
+                </a:tc>
+                <a:tc>
+                  <a:txBody>
+                    <a:bodyPr/>
+                    <a:lstStyle/>
+                    <a:p>
+                      <a:pPr algn="ctr"/>
+                      <a:endParaRPr lang="fr-CH"/>
+                    </a:p>
+                  </a:txBody>
+                  <a:tcPr/>
+                </a:tc>
+                <a:extLst>
+                  <a:ext uri="{0D108BD9-81ED-4DB2-BD59-A6C34878D82A}">
+                    <a16:rowId xmlns:a16="http://schemas.microsoft.com/office/drawing/2014/main" val="2987278796"/>
+                  </a:ext>
+                </a:extLst>
+              </a:tr>
+              <a:tr h="370840">
+                <a:tc>
+                  <a:txBody>
+                    <a:bodyPr/>
+                    <a:lstStyle/>
+                    <a:p>
+                      <a:r>
+                        <a:rPr lang="fr-CH" dirty="0" smtClean="0"/>
+                        <a:t>Doc</a:t>
+                      </a:r>
+                      <a:r>
+                        <a:rPr lang="fr-CH" baseline="0" dirty="0" smtClean="0"/>
+                        <a:t> tech</a:t>
+                      </a:r>
+                      <a:endParaRPr lang="fr-CH" dirty="0"/>
+                    </a:p>
+                  </a:txBody>
+                  <a:tcPr/>
+                </a:tc>
+                <a:tc>
+                  <a:txBody>
+                    <a:bodyPr/>
+                    <a:lstStyle/>
+                    <a:p>
+                      <a:pPr marL="0" marR="0" lvl="0" indent="0" algn="ctr" defTabSz="457200" rtl="0" eaLnBrk="1" fontAlgn="auto" latinLnBrk="0" hangingPunct="1">
+                        <a:lnSpc>
+                          <a:spcPct val="100000"/>
+                        </a:lnSpc>
+                        <a:spcBef>
+                          <a:spcPts val="0"/>
+                        </a:spcBef>
+                        <a:spcAft>
+                          <a:spcPts val="0"/>
+                        </a:spcAft>
+                        <a:buClrTx/>
+                        <a:buSzTx/>
+                        <a:buFontTx/>
+                        <a:buNone/>
+                        <a:tabLst/>
+                        <a:defRPr/>
+                      </a:pPr>
+                      <a:r>
+                        <a:rPr lang="fr-CH" dirty="0" smtClean="0"/>
+                        <a:t>✔</a:t>
+                      </a:r>
+                    </a:p>
+                  </a:txBody>
+                  <a:tcPr/>
+                </a:tc>
+                <a:tc>
+                  <a:txBody>
+                    <a:bodyPr/>
+                    <a:lstStyle/>
+                    <a:p>
+                      <a:pPr algn="ctr"/>
+                      <a:endParaRPr lang="fr-CH" dirty="0"/>
+                    </a:p>
+                  </a:txBody>
+                  <a:tcPr/>
+                </a:tc>
+                <a:tc>
+                  <a:txBody>
+                    <a:bodyPr/>
+                    <a:lstStyle/>
+                    <a:p>
+                      <a:pPr algn="ctr"/>
+                      <a:endParaRPr lang="fr-CH" dirty="0"/>
+                    </a:p>
+                  </a:txBody>
+                  <a:tcPr/>
+                </a:tc>
+                <a:tc>
+                  <a:txBody>
+                    <a:bodyPr/>
+                    <a:lstStyle/>
+                    <a:p>
+                      <a:pPr algn="ctr"/>
+                      <a:endParaRPr lang="fr-CH"/>
+                    </a:p>
+                  </a:txBody>
+                  <a:tcPr/>
+                </a:tc>
+                <a:extLst>
+                  <a:ext uri="{0D108BD9-81ED-4DB2-BD59-A6C34878D82A}">
+                    <a16:rowId xmlns:a16="http://schemas.microsoft.com/office/drawing/2014/main" val="1515120699"/>
+                  </a:ext>
+                </a:extLst>
+              </a:tr>
+              <a:tr h="370840">
+                <a:tc>
+                  <a:txBody>
+                    <a:bodyPr/>
+                    <a:lstStyle/>
+                    <a:p>
+                      <a:r>
+                        <a:rPr lang="fr-CH" dirty="0" smtClean="0"/>
+                        <a:t>Doc Utilisateur</a:t>
+                      </a:r>
+                      <a:endParaRPr lang="fr-CH" dirty="0"/>
+                    </a:p>
+                  </a:txBody>
+                  <a:tcPr/>
+                </a:tc>
+                <a:tc>
+                  <a:txBody>
+                    <a:bodyPr/>
+                    <a:lstStyle/>
+                    <a:p>
+                      <a:pPr algn="ctr"/>
+                      <a:endParaRPr lang="fr-CH"/>
+                    </a:p>
+                  </a:txBody>
+                  <a:tcPr/>
+                </a:tc>
+                <a:tc>
+                  <a:txBody>
+                    <a:bodyPr/>
+                    <a:lstStyle/>
+                    <a:p>
+                      <a:pPr marL="0" marR="0" lvl="0" indent="0" algn="ctr" defTabSz="457200" rtl="0" eaLnBrk="1" fontAlgn="auto" latinLnBrk="0" hangingPunct="1">
+                        <a:lnSpc>
+                          <a:spcPct val="100000"/>
+                        </a:lnSpc>
+                        <a:spcBef>
+                          <a:spcPts val="0"/>
+                        </a:spcBef>
+                        <a:spcAft>
+                          <a:spcPts val="0"/>
+                        </a:spcAft>
+                        <a:buClrTx/>
+                        <a:buSzTx/>
+                        <a:buFontTx/>
+                        <a:buNone/>
+                        <a:tabLst/>
+                        <a:defRPr/>
+                      </a:pPr>
+                      <a:r>
+                        <a:rPr lang="fr-CH" dirty="0" smtClean="0"/>
+                        <a:t>✔</a:t>
+                      </a:r>
+                    </a:p>
+                  </a:txBody>
+                  <a:tcPr/>
+                </a:tc>
+                <a:tc>
+                  <a:txBody>
+                    <a:bodyPr/>
+                    <a:lstStyle/>
+                    <a:p>
+                      <a:pPr algn="ctr"/>
+                      <a:endParaRPr lang="fr-CH" dirty="0"/>
+                    </a:p>
+                  </a:txBody>
+                  <a:tcPr/>
+                </a:tc>
+                <a:tc>
+                  <a:txBody>
+                    <a:bodyPr/>
+                    <a:lstStyle/>
+                    <a:p>
+                      <a:pPr algn="ctr"/>
+                      <a:endParaRPr lang="fr-CH" dirty="0"/>
+                    </a:p>
+                  </a:txBody>
+                  <a:tcPr/>
+                </a:tc>
+                <a:extLst>
+                  <a:ext uri="{0D108BD9-81ED-4DB2-BD59-A6C34878D82A}">
+                    <a16:rowId xmlns:a16="http://schemas.microsoft.com/office/drawing/2014/main" val="2166248951"/>
+                  </a:ext>
+                </a:extLst>
+              </a:tr>
+              <a:tr h="370840">
+                <a:tc>
+                  <a:txBody>
+                    <a:bodyPr/>
+                    <a:lstStyle/>
+                    <a:p>
+                      <a:r>
+                        <a:rPr lang="fr-CH" dirty="0" smtClean="0"/>
+                        <a:t>Journal de bord</a:t>
+                      </a:r>
+                      <a:endParaRPr lang="fr-CH" dirty="0"/>
+                    </a:p>
+                  </a:txBody>
+                  <a:tcPr/>
+                </a:tc>
+                <a:tc>
+                  <a:txBody>
+                    <a:bodyPr/>
+                    <a:lstStyle/>
+                    <a:p>
+                      <a:pPr marL="0" marR="0" lvl="0" indent="0" algn="ctr" defTabSz="457200" rtl="0" eaLnBrk="1" fontAlgn="auto" latinLnBrk="0" hangingPunct="1">
+                        <a:lnSpc>
+                          <a:spcPct val="100000"/>
+                        </a:lnSpc>
+                        <a:spcBef>
+                          <a:spcPts val="0"/>
+                        </a:spcBef>
+                        <a:spcAft>
+                          <a:spcPts val="0"/>
+                        </a:spcAft>
+                        <a:buClrTx/>
+                        <a:buSzTx/>
+                        <a:buFontTx/>
+                        <a:buNone/>
+                        <a:tabLst/>
+                        <a:defRPr/>
+                      </a:pPr>
+                      <a:r>
+                        <a:rPr lang="fr-CH" dirty="0" smtClean="0"/>
+                        <a:t>✔</a:t>
+                      </a:r>
+                    </a:p>
+                  </a:txBody>
+                  <a:tcPr/>
+                </a:tc>
+                <a:tc>
+                  <a:txBody>
+                    <a:bodyPr/>
+                    <a:lstStyle/>
+                    <a:p>
+                      <a:pPr marL="0" marR="0" lvl="0" indent="0" algn="ctr" defTabSz="457200" rtl="0" eaLnBrk="1" fontAlgn="auto" latinLnBrk="0" hangingPunct="1">
+                        <a:lnSpc>
+                          <a:spcPct val="100000"/>
+                        </a:lnSpc>
+                        <a:spcBef>
+                          <a:spcPts val="0"/>
+                        </a:spcBef>
+                        <a:spcAft>
+                          <a:spcPts val="0"/>
+                        </a:spcAft>
+                        <a:buClrTx/>
+                        <a:buSzTx/>
+                        <a:buFontTx/>
+                        <a:buNone/>
+                        <a:tabLst/>
+                        <a:defRPr/>
+                      </a:pPr>
+                      <a:r>
+                        <a:rPr lang="fr-CH" dirty="0" smtClean="0"/>
+                        <a:t>✔</a:t>
+                      </a:r>
+                    </a:p>
+                  </a:txBody>
+                  <a:tcPr/>
+                </a:tc>
+                <a:tc>
+                  <a:txBody>
+                    <a:bodyPr/>
+                    <a:lstStyle/>
+                    <a:p>
+                      <a:pPr marL="0" marR="0" lvl="0" indent="0" algn="ctr" defTabSz="457200" rtl="0" eaLnBrk="1" fontAlgn="auto" latinLnBrk="0" hangingPunct="1">
+                        <a:lnSpc>
+                          <a:spcPct val="100000"/>
+                        </a:lnSpc>
+                        <a:spcBef>
+                          <a:spcPts val="0"/>
+                        </a:spcBef>
+                        <a:spcAft>
+                          <a:spcPts val="0"/>
+                        </a:spcAft>
+                        <a:buClrTx/>
+                        <a:buSzTx/>
+                        <a:buFontTx/>
+                        <a:buNone/>
+                        <a:tabLst/>
+                        <a:defRPr/>
+                      </a:pPr>
+                      <a:r>
+                        <a:rPr lang="fr-CH" dirty="0" smtClean="0"/>
+                        <a:t>✔</a:t>
+                      </a:r>
+                    </a:p>
+                  </a:txBody>
+                  <a:tcPr/>
+                </a:tc>
+                <a:tc>
+                  <a:txBody>
+                    <a:bodyPr/>
+                    <a:lstStyle/>
+                    <a:p>
+                      <a:pPr marL="0" marR="0" lvl="0" indent="0" algn="ctr" defTabSz="457200" rtl="0" eaLnBrk="1" fontAlgn="auto" latinLnBrk="0" hangingPunct="1">
+                        <a:lnSpc>
+                          <a:spcPct val="100000"/>
+                        </a:lnSpc>
+                        <a:spcBef>
+                          <a:spcPts val="0"/>
+                        </a:spcBef>
+                        <a:spcAft>
+                          <a:spcPts val="0"/>
+                        </a:spcAft>
+                        <a:buClrTx/>
+                        <a:buSzTx/>
+                        <a:buFontTx/>
+                        <a:buNone/>
+                        <a:tabLst/>
+                        <a:defRPr/>
+                      </a:pPr>
+                      <a:r>
+                        <a:rPr lang="fr-CH" dirty="0" smtClean="0"/>
+                        <a:t>✔</a:t>
+                      </a:r>
+                    </a:p>
+                  </a:txBody>
+                  <a:tcPr/>
+                </a:tc>
+                <a:extLst>
+                  <a:ext uri="{0D108BD9-81ED-4DB2-BD59-A6C34878D82A}">
+                    <a16:rowId xmlns:a16="http://schemas.microsoft.com/office/drawing/2014/main" val="3530059061"/>
+                  </a:ext>
+                </a:extLst>
+              </a:tr>
+            </a:tbl>
+          </a:graphicData>
+        </a:graphic>
+      </p:graphicFrame>
     </p:spTree>
     <p:extLst>
       <p:ext uri="{BB962C8B-B14F-4D97-AF65-F5344CB8AC3E}">
-        <p14:creationId xmlns:p14="http://schemas.microsoft.com/office/powerpoint/2010/main" val="3855669004"/>
+        <p14:creationId xmlns:p14="http://schemas.microsoft.com/office/powerpoint/2010/main" val="729931734"/>
       </p:ext>
     </p:extLst>
   </p:cSld>
@@ -6345,234 +7248,70 @@
       </p:grpSpPr>
       <p:sp>
         <p:nvSpPr>
-          <p:cNvPr id="25" name="Ellipse 24"/>
-          <p:cNvSpPr/>
-          <p:nvPr/>
+          <p:cNvPr id="2" name="Titre 1"/>
+          <p:cNvSpPr>
+            <a:spLocks noGrp="1"/>
+          </p:cNvSpPr>
+          <p:nvPr>
+            <p:ph type="ctrTitle"/>
+          </p:nvPr>
         </p:nvSpPr>
         <p:spPr>
           <a:xfrm>
-            <a:off x="8735734" y="2447326"/>
-            <a:ext cx="169069" cy="169069"/>
+            <a:off x="0" y="2596896"/>
+            <a:ext cx="12192001" cy="1531261"/>
           </a:xfrm>
-          <a:prstGeom prst="ellipse">
-            <a:avLst/>
-          </a:prstGeom>
-          <a:solidFill>
-            <a:srgbClr val="FF0000"/>
-          </a:solidFill>
-          <a:ln>
-            <a:noFill/>
-          </a:ln>
         </p:spPr>
-        <p:style>
-          <a:lnRef idx="2">
-            <a:schemeClr val="accent1">
-              <a:shade val="50000"/>
-            </a:schemeClr>
-          </a:lnRef>
-          <a:fillRef idx="1">
-            <a:schemeClr val="accent1"/>
-          </a:fillRef>
-          <a:effectRef idx="0">
-            <a:schemeClr val="accent1"/>
-          </a:effectRef>
-          <a:fontRef idx="minor">
-            <a:schemeClr val="lt1"/>
-          </a:fontRef>
-        </p:style>
-        <p:txBody>
-          <a:bodyPr rtlCol="0" anchor="ctr"/>
+        <p:txBody>
+          <a:bodyPr anchor="ctr"/>
           <a:lstStyle/>
           <a:p>
             <a:pPr algn="ctr"/>
-            <a:endParaRPr lang="fr-CH"/>
-          </a:p>
-        </p:txBody>
-      </p:sp>
-      <p:sp>
-        <p:nvSpPr>
-          <p:cNvPr id="31" name="Ellipse 30"/>
-          <p:cNvSpPr/>
-          <p:nvPr/>
-        </p:nvSpPr>
-        <p:spPr>
-          <a:xfrm>
-            <a:off x="7568545" y="2447326"/>
-            <a:ext cx="169069" cy="169069"/>
-          </a:xfrm>
-          <a:prstGeom prst="ellipse">
-            <a:avLst/>
-          </a:prstGeom>
-          <a:solidFill>
-            <a:srgbClr val="FF0000"/>
-          </a:solidFill>
-          <a:ln>
-            <a:noFill/>
-          </a:ln>
-        </p:spPr>
-        <p:style>
-          <a:lnRef idx="2">
-            <a:schemeClr val="accent1">
-              <a:shade val="50000"/>
-            </a:schemeClr>
-          </a:lnRef>
-          <a:fillRef idx="1">
-            <a:schemeClr val="accent1"/>
-          </a:fillRef>
-          <a:effectRef idx="0">
-            <a:schemeClr val="accent1"/>
-          </a:effectRef>
-          <a:fontRef idx="minor">
-            <a:schemeClr val="lt1"/>
-          </a:fontRef>
-        </p:style>
-        <p:txBody>
-          <a:bodyPr rtlCol="0" anchor="ctr"/>
-          <a:lstStyle/>
-          <a:p>
-            <a:pPr algn="ctr"/>
-            <a:endParaRPr lang="fr-CH"/>
-          </a:p>
-        </p:txBody>
-      </p:sp>
-      <p:sp>
-        <p:nvSpPr>
-          <p:cNvPr id="32" name="Ellipse 31"/>
-          <p:cNvSpPr/>
-          <p:nvPr/>
-        </p:nvSpPr>
-        <p:spPr>
-          <a:xfrm>
-            <a:off x="8307330" y="2447326"/>
-            <a:ext cx="169069" cy="169069"/>
-          </a:xfrm>
-          <a:prstGeom prst="ellipse">
-            <a:avLst/>
-          </a:prstGeom>
-          <a:solidFill>
-            <a:srgbClr val="FF0000"/>
-          </a:solidFill>
-          <a:ln>
-            <a:noFill/>
-          </a:ln>
-        </p:spPr>
-        <p:style>
-          <a:lnRef idx="2">
-            <a:schemeClr val="accent1">
-              <a:shade val="50000"/>
-            </a:schemeClr>
-          </a:lnRef>
-          <a:fillRef idx="1">
-            <a:schemeClr val="accent1"/>
-          </a:fillRef>
-          <a:effectRef idx="0">
-            <a:schemeClr val="accent1"/>
-          </a:effectRef>
-          <a:fontRef idx="minor">
-            <a:schemeClr val="lt1"/>
-          </a:fontRef>
-        </p:style>
-        <p:txBody>
-          <a:bodyPr rtlCol="0" anchor="ctr"/>
-          <a:lstStyle/>
-          <a:p>
-            <a:pPr algn="ctr"/>
-            <a:endParaRPr lang="fr-CH"/>
-          </a:p>
-        </p:txBody>
-      </p:sp>
-      <p:sp>
-        <p:nvSpPr>
-          <p:cNvPr id="33" name="Ellipse 32"/>
-          <p:cNvSpPr/>
-          <p:nvPr/>
-        </p:nvSpPr>
-        <p:spPr>
-          <a:xfrm>
-            <a:off x="7878926" y="2440057"/>
-            <a:ext cx="169069" cy="169069"/>
-          </a:xfrm>
-          <a:prstGeom prst="ellipse">
-            <a:avLst/>
-          </a:prstGeom>
-          <a:solidFill>
-            <a:srgbClr val="FF0000"/>
-          </a:solidFill>
-          <a:ln>
-            <a:noFill/>
-          </a:ln>
-        </p:spPr>
-        <p:style>
-          <a:lnRef idx="2">
-            <a:schemeClr val="accent1">
-              <a:shade val="50000"/>
-            </a:schemeClr>
-          </a:lnRef>
-          <a:fillRef idx="1">
-            <a:schemeClr val="accent1"/>
-          </a:fillRef>
-          <a:effectRef idx="0">
-            <a:schemeClr val="accent1"/>
-          </a:effectRef>
-          <a:fontRef idx="minor">
-            <a:schemeClr val="lt1"/>
-          </a:fontRef>
-        </p:style>
-        <p:txBody>
-          <a:bodyPr rtlCol="0" anchor="ctr"/>
-          <a:lstStyle/>
-          <a:p>
-            <a:pPr algn="ctr"/>
-            <a:endParaRPr lang="fr-CH"/>
-          </a:p>
-        </p:txBody>
-      </p:sp>
-      <p:sp>
-        <p:nvSpPr>
-          <p:cNvPr id="34" name="Ellipse 33"/>
-          <p:cNvSpPr/>
-          <p:nvPr/>
-        </p:nvSpPr>
-        <p:spPr>
-          <a:xfrm>
-            <a:off x="8521532" y="2440056"/>
-            <a:ext cx="169069" cy="169069"/>
-          </a:xfrm>
-          <a:prstGeom prst="ellipse">
-            <a:avLst/>
-          </a:prstGeom>
-          <a:solidFill>
-            <a:srgbClr val="FF0000"/>
-          </a:solidFill>
-          <a:ln>
-            <a:noFill/>
-          </a:ln>
-        </p:spPr>
-        <p:style>
-          <a:lnRef idx="2">
-            <a:schemeClr val="accent1">
-              <a:shade val="50000"/>
-            </a:schemeClr>
-          </a:lnRef>
-          <a:fillRef idx="1">
-            <a:schemeClr val="accent1"/>
-          </a:fillRef>
-          <a:effectRef idx="0">
-            <a:schemeClr val="accent1"/>
-          </a:effectRef>
-          <a:fontRef idx="minor">
-            <a:schemeClr val="lt1"/>
-          </a:fontRef>
-        </p:style>
-        <p:txBody>
-          <a:bodyPr rtlCol="0" anchor="ctr"/>
-          <a:lstStyle/>
-          <a:p>
-            <a:pPr algn="ctr"/>
-            <a:endParaRPr lang="fr-CH"/>
-          </a:p>
-        </p:txBody>
-      </p:sp>
+            <a:r>
+              <a:rPr lang="fr-CH" dirty="0" smtClean="0"/>
+              <a:t>Démonstration</a:t>
+            </a:r>
+            <a:endParaRPr lang="fr-CH" dirty="0"/>
+          </a:p>
+        </p:txBody>
+      </p:sp>
+    </p:spTree>
+    <p:extLst>
+      <p:ext uri="{BB962C8B-B14F-4D97-AF65-F5344CB8AC3E}">
+        <p14:creationId xmlns:p14="http://schemas.microsoft.com/office/powerpoint/2010/main" val="3855669004"/>
+      </p:ext>
+    </p:extLst>
+  </p:cSld>
+  <p:clrMapOvr>
+    <a:masterClrMapping/>
+  </p:clrMapOvr>
+  <p:timing>
+    <p:tnLst>
+      <p:par>
+        <p:cTn id="1" dur="indefinite" restart="never" nodeType="tmRoot"/>
+      </p:par>
+    </p:tnLst>
+  </p:timing>
+</p:sld>
+</file>
+
+<file path=ppt/slides/slide6.xml><?xml version="1.0" encoding="utf-8"?>
+<p:sld xmlns:a="http://schemas.openxmlformats.org/drawingml/2006/main" xmlns:r="http://schemas.openxmlformats.org/officeDocument/2006/relationships" xmlns:p="http://schemas.openxmlformats.org/presentationml/2006/main">
+  <p:cSld>
+    <p:spTree>
+      <p:nvGrpSpPr>
+        <p:cNvPr id="1" name=""/>
+        <p:cNvGrpSpPr/>
+        <p:nvPr/>
+      </p:nvGrpSpPr>
+      <p:grpSpPr>
+        <a:xfrm>
+          <a:off x="0" y="0"/>
+          <a:ext cx="0" cy="0"/>
+          <a:chOff x="0" y="0"/>
+          <a:chExt cx="0" cy="0"/>
+        </a:xfrm>
+      </p:grpSpPr>
       <p:sp>
         <p:nvSpPr>
           <p:cNvPr id="2" name="Titre 1"/>
@@ -7229,310 +7968,182 @@
           </a:extLst>
         </p:spPr>
       </p:pic>
+      <p:sp>
+        <p:nvSpPr>
+          <p:cNvPr id="3" name="Flèche gauche 2"/>
+          <p:cNvSpPr/>
+          <p:nvPr/>
+        </p:nvSpPr>
+        <p:spPr>
+          <a:xfrm>
+            <a:off x="6909419" y="2336933"/>
+            <a:ext cx="1627761" cy="311202"/>
+          </a:xfrm>
+          <a:prstGeom prst="leftArrow">
+            <a:avLst>
+              <a:gd name="adj1" fmla="val 44123"/>
+              <a:gd name="adj2" fmla="val 123457"/>
+            </a:avLst>
+          </a:prstGeom>
+        </p:spPr>
+        <p:style>
+          <a:lnRef idx="2">
+            <a:schemeClr val="accent1">
+              <a:shade val="50000"/>
+            </a:schemeClr>
+          </a:lnRef>
+          <a:fillRef idx="1">
+            <a:schemeClr val="accent1"/>
+          </a:fillRef>
+          <a:effectRef idx="0">
+            <a:schemeClr val="accent1"/>
+          </a:effectRef>
+          <a:fontRef idx="minor">
+            <a:schemeClr val="lt1"/>
+          </a:fontRef>
+        </p:style>
+        <p:txBody>
+          <a:bodyPr rtlCol="0" anchor="ctr"/>
+          <a:lstStyle/>
+          <a:p>
+            <a:pPr algn="ctr"/>
+            <a:endParaRPr lang="fr-CH"/>
+          </a:p>
+        </p:txBody>
+      </p:sp>
+      <p:sp>
+        <p:nvSpPr>
+          <p:cNvPr id="26" name="Flèche gauche 25"/>
+          <p:cNvSpPr/>
+          <p:nvPr/>
+        </p:nvSpPr>
+        <p:spPr>
+          <a:xfrm rot="19695636">
+            <a:off x="2738908" y="2951812"/>
+            <a:ext cx="1538242" cy="311202"/>
+          </a:xfrm>
+          <a:prstGeom prst="leftArrow">
+            <a:avLst>
+              <a:gd name="adj1" fmla="val 44123"/>
+              <a:gd name="adj2" fmla="val 123457"/>
+            </a:avLst>
+          </a:prstGeom>
+        </p:spPr>
+        <p:style>
+          <a:lnRef idx="2">
+            <a:schemeClr val="accent1">
+              <a:shade val="50000"/>
+            </a:schemeClr>
+          </a:lnRef>
+          <a:fillRef idx="1">
+            <a:schemeClr val="accent1"/>
+          </a:fillRef>
+          <a:effectRef idx="0">
+            <a:schemeClr val="accent1"/>
+          </a:effectRef>
+          <a:fontRef idx="minor">
+            <a:schemeClr val="lt1"/>
+          </a:fontRef>
+        </p:style>
+        <p:txBody>
+          <a:bodyPr rtlCol="0" anchor="ctr"/>
+          <a:lstStyle/>
+          <a:p>
+            <a:pPr algn="ctr"/>
+            <a:endParaRPr lang="fr-CH"/>
+          </a:p>
+        </p:txBody>
+      </p:sp>
+      <p:sp>
+        <p:nvSpPr>
+          <p:cNvPr id="27" name="Flèche gauche 26"/>
+          <p:cNvSpPr/>
+          <p:nvPr/>
+        </p:nvSpPr>
+        <p:spPr>
+          <a:xfrm rot="11906302">
+            <a:off x="3273066" y="4776175"/>
+            <a:ext cx="1368871" cy="311202"/>
+          </a:xfrm>
+          <a:prstGeom prst="leftArrow">
+            <a:avLst>
+              <a:gd name="adj1" fmla="val 44123"/>
+              <a:gd name="adj2" fmla="val 123457"/>
+            </a:avLst>
+          </a:prstGeom>
+        </p:spPr>
+        <p:style>
+          <a:lnRef idx="2">
+            <a:schemeClr val="accent1">
+              <a:shade val="50000"/>
+            </a:schemeClr>
+          </a:lnRef>
+          <a:fillRef idx="1">
+            <a:schemeClr val="accent1"/>
+          </a:fillRef>
+          <a:effectRef idx="0">
+            <a:schemeClr val="accent1"/>
+          </a:effectRef>
+          <a:fontRef idx="minor">
+            <a:schemeClr val="lt1"/>
+          </a:fontRef>
+        </p:style>
+        <p:txBody>
+          <a:bodyPr rtlCol="0" anchor="ctr"/>
+          <a:lstStyle/>
+          <a:p>
+            <a:pPr algn="ctr"/>
+            <a:endParaRPr lang="fr-CH"/>
+          </a:p>
+        </p:txBody>
+      </p:sp>
+      <p:sp>
+        <p:nvSpPr>
+          <p:cNvPr id="28" name="Flèche gauche 27"/>
+          <p:cNvSpPr/>
+          <p:nvPr/>
+        </p:nvSpPr>
+        <p:spPr>
+          <a:xfrm rot="10800000">
+            <a:off x="6578423" y="5061243"/>
+            <a:ext cx="1560174" cy="311202"/>
+          </a:xfrm>
+          <a:prstGeom prst="leftArrow">
+            <a:avLst>
+              <a:gd name="adj1" fmla="val 44123"/>
+              <a:gd name="adj2" fmla="val 123457"/>
+            </a:avLst>
+          </a:prstGeom>
+        </p:spPr>
+        <p:style>
+          <a:lnRef idx="2">
+            <a:schemeClr val="accent1">
+              <a:shade val="50000"/>
+            </a:schemeClr>
+          </a:lnRef>
+          <a:fillRef idx="1">
+            <a:schemeClr val="accent1"/>
+          </a:fillRef>
+          <a:effectRef idx="0">
+            <a:schemeClr val="accent1"/>
+          </a:effectRef>
+          <a:fontRef idx="minor">
+            <a:schemeClr val="lt1"/>
+          </a:fontRef>
+        </p:style>
+        <p:txBody>
+          <a:bodyPr rtlCol="0" anchor="ctr"/>
+          <a:lstStyle/>
+          <a:p>
+            <a:pPr algn="ctr"/>
+            <a:endParaRPr lang="fr-CH"/>
+          </a:p>
+        </p:txBody>
+      </p:sp>
     </p:spTree>
     <p:extLst>
       <p:ext uri="{BB962C8B-B14F-4D97-AF65-F5344CB8AC3E}">
         <p14:creationId xmlns:p14="http://schemas.microsoft.com/office/powerpoint/2010/main" val="1887311506"/>
-      </p:ext>
-    </p:extLst>
-  </p:cSld>
-  <p:clrMapOvr>
-    <a:masterClrMapping/>
-  </p:clrMapOvr>
-  <p:timing>
-    <p:tnLst>
-      <p:par>
-        <p:cTn id="1" dur="indefinite" restart="never" nodeType="tmRoot">
-          <p:childTnLst>
-            <p:seq concurrent="1" nextAc="seek">
-              <p:cTn id="2" dur="indefinite" nodeType="mainSeq">
-                <p:childTnLst>
-                  <p:par>
-                    <p:cTn id="3" fill="hold">
-                      <p:stCondLst>
-                        <p:cond delay="indefinite"/>
-                      </p:stCondLst>
-                      <p:childTnLst>
-                        <p:par>
-                          <p:cTn id="4" fill="hold">
-                            <p:stCondLst>
-                              <p:cond delay="0"/>
-                            </p:stCondLst>
-                            <p:childTnLst>
-                              <p:par>
-                                <p:cTn id="5" presetID="42" presetClass="path" presetSubtype="0" repeatCount="indefinite" fill="hold" grpId="0" nodeType="clickEffect">
-                                  <p:stCondLst>
-                                    <p:cond delay="0"/>
-                                  </p:stCondLst>
-                                  <p:childTnLst>
-                                    <p:animMotion origin="layout" path="M 2.5E-6 -2.96296E-6 L -0.18646 -0.00139 " pathEditMode="relative" rAng="0" ptsTypes="AA">
-                                      <p:cBhvr>
-                                        <p:cTn id="6" dur="1000" fill="hold"/>
-                                        <p:tgtEl>
-                                          <p:spTgt spid="25"/>
-                                        </p:tgtEl>
-                                        <p:attrNameLst>
-                                          <p:attrName>ppt_x</p:attrName>
-                                          <p:attrName>ppt_y</p:attrName>
-                                        </p:attrNameLst>
-                                      </p:cBhvr>
-                                      <p:rCtr x="-9323" y="-69"/>
-                                    </p:animMotion>
-                                  </p:childTnLst>
-                                </p:cTn>
-                              </p:par>
-                              <p:par>
-                                <p:cTn id="7" presetID="42" presetClass="path" presetSubtype="0" repeatCount="indefinite" fill="hold" grpId="0" nodeType="withEffect">
-                                  <p:stCondLst>
-                                    <p:cond delay="200"/>
-                                  </p:stCondLst>
-                                  <p:childTnLst>
-                                    <p:animMotion origin="layout" path="M 0.09818 0.0007 L -0.08828 -0.00069 " pathEditMode="relative" rAng="0" ptsTypes="AA">
-                                      <p:cBhvr>
-                                        <p:cTn id="8" dur="1000" fill="hold"/>
-                                        <p:tgtEl>
-                                          <p:spTgt spid="31"/>
-                                        </p:tgtEl>
-                                        <p:attrNameLst>
-                                          <p:attrName>ppt_x</p:attrName>
-                                          <p:attrName>ppt_y</p:attrName>
-                                        </p:attrNameLst>
-                                      </p:cBhvr>
-                                      <p:rCtr x="-9323" y="-69"/>
-                                    </p:animMotion>
-                                  </p:childTnLst>
-                                </p:cTn>
-                              </p:par>
-                              <p:par>
-                                <p:cTn id="9" presetID="42" presetClass="path" presetSubtype="0" repeatCount="indefinite" fill="hold" grpId="0" nodeType="withEffect">
-                                  <p:stCondLst>
-                                    <p:cond delay="400"/>
-                                  </p:stCondLst>
-                                  <p:childTnLst>
-                                    <p:animMotion origin="layout" path="M 0.03503 0.00047 L -0.15143 -0.00092 " pathEditMode="relative" rAng="0" ptsTypes="AA">
-                                      <p:cBhvr>
-                                        <p:cTn id="10" dur="1000" fill="hold"/>
-                                        <p:tgtEl>
-                                          <p:spTgt spid="32"/>
-                                        </p:tgtEl>
-                                        <p:attrNameLst>
-                                          <p:attrName>ppt_x</p:attrName>
-                                          <p:attrName>ppt_y</p:attrName>
-                                        </p:attrNameLst>
-                                      </p:cBhvr>
-                                      <p:rCtr x="-9323" y="-69"/>
-                                    </p:animMotion>
-                                  </p:childTnLst>
-                                </p:cTn>
-                              </p:par>
-                              <p:par>
-                                <p:cTn id="11" presetID="42" presetClass="path" presetSubtype="0" repeatCount="indefinite" fill="hold" grpId="0" nodeType="withEffect">
-                                  <p:stCondLst>
-                                    <p:cond delay="600"/>
-                                  </p:stCondLst>
-                                  <p:childTnLst>
-                                    <p:animMotion origin="layout" path="M 0.07084 0.00231 L -0.11563 0.00092 " pathEditMode="relative" rAng="0" ptsTypes="AA">
-                                      <p:cBhvr>
-                                        <p:cTn id="12" dur="1000" fill="hold"/>
-                                        <p:tgtEl>
-                                          <p:spTgt spid="33"/>
-                                        </p:tgtEl>
-                                        <p:attrNameLst>
-                                          <p:attrName>ppt_x</p:attrName>
-                                          <p:attrName>ppt_y</p:attrName>
-                                        </p:attrNameLst>
-                                      </p:cBhvr>
-                                      <p:rCtr x="-9323" y="-69"/>
-                                    </p:animMotion>
-                                  </p:childTnLst>
-                                </p:cTn>
-                              </p:par>
-                              <p:par>
-                                <p:cTn id="13" presetID="42" presetClass="path" presetSubtype="0" repeatCount="indefinite" fill="hold" grpId="0" nodeType="withEffect">
-                                  <p:stCondLst>
-                                    <p:cond delay="800"/>
-                                  </p:stCondLst>
-                                  <p:childTnLst>
-                                    <p:animMotion origin="layout" path="M 0.01693 0.00254 L -0.16953 0.00115 " pathEditMode="relative" rAng="0" ptsTypes="AA">
-                                      <p:cBhvr>
-                                        <p:cTn id="14" dur="1000" fill="hold"/>
-                                        <p:tgtEl>
-                                          <p:spTgt spid="34"/>
-                                        </p:tgtEl>
-                                        <p:attrNameLst>
-                                          <p:attrName>ppt_x</p:attrName>
-                                          <p:attrName>ppt_y</p:attrName>
-                                        </p:attrNameLst>
-                                      </p:cBhvr>
-                                      <p:rCtr x="-9323" y="-69"/>
-                                    </p:animMotion>
-                                  </p:childTnLst>
-                                </p:cTn>
-                              </p:par>
-                            </p:childTnLst>
-                          </p:cTn>
-                        </p:par>
-                      </p:childTnLst>
-                    </p:cTn>
-                  </p:par>
-                </p:childTnLst>
-              </p:cTn>
-              <p:prevCondLst>
-                <p:cond evt="onPrev" delay="0">
-                  <p:tgtEl>
-                    <p:sldTgt/>
-                  </p:tgtEl>
-                </p:cond>
-              </p:prevCondLst>
-              <p:nextCondLst>
-                <p:cond evt="onNext" delay="0">
-                  <p:tgtEl>
-                    <p:sldTgt/>
-                  </p:tgtEl>
-                </p:cond>
-              </p:nextCondLst>
-            </p:seq>
-          </p:childTnLst>
-        </p:cTn>
-      </p:par>
-    </p:tnLst>
-    <p:bldLst>
-      <p:bldP spid="25" grpId="0" animBg="1"/>
-      <p:bldP spid="31" grpId="0" animBg="1"/>
-      <p:bldP spid="32" grpId="0" animBg="1"/>
-      <p:bldP spid="33" grpId="0" animBg="1"/>
-      <p:bldP spid="34" grpId="0" animBg="1"/>
-    </p:bldLst>
-  </p:timing>
-</p:sld>
-</file>
-
-<file path=ppt/slides/slide6.xml><?xml version="1.0" encoding="utf-8"?>
-<p:sld xmlns:a="http://schemas.openxmlformats.org/drawingml/2006/main" xmlns:r="http://schemas.openxmlformats.org/officeDocument/2006/relationships" xmlns:p="http://schemas.openxmlformats.org/presentationml/2006/main">
-  <p:cSld>
-    <p:spTree>
-      <p:nvGrpSpPr>
-        <p:cNvPr id="1" name=""/>
-        <p:cNvGrpSpPr/>
-        <p:nvPr/>
-      </p:nvGrpSpPr>
-      <p:grpSpPr>
-        <a:xfrm>
-          <a:off x="0" y="0"/>
-          <a:ext cx="0" cy="0"/>
-          <a:chOff x="0" y="0"/>
-          <a:chExt cx="0" cy="0"/>
-        </a:xfrm>
-      </p:grpSpPr>
-      <p:sp>
-        <p:nvSpPr>
-          <p:cNvPr id="2" name="Titre 1"/>
-          <p:cNvSpPr>
-            <a:spLocks noGrp="1"/>
-          </p:cNvSpPr>
-          <p:nvPr>
-            <p:ph type="title"/>
-          </p:nvPr>
-        </p:nvSpPr>
-        <p:spPr>
-          <a:xfrm>
-            <a:off x="1103312" y="452718"/>
-            <a:ext cx="8947522" cy="1400530"/>
-          </a:xfrm>
-        </p:spPr>
-        <p:txBody>
-          <a:bodyPr anchor="ctr"/>
-          <a:lstStyle/>
-          <a:p>
-            <a:r>
-              <a:rPr lang="fr-CH" dirty="0" smtClean="0"/>
-              <a:t>Travail attendu / réalisé</a:t>
-            </a:r>
-            <a:endParaRPr lang="fr-CH" dirty="0"/>
-          </a:p>
-        </p:txBody>
-      </p:sp>
-      <p:sp>
-        <p:nvSpPr>
-          <p:cNvPr id="3" name="Espace réservé du contenu 2"/>
-          <p:cNvSpPr>
-            <a:spLocks noGrp="1"/>
-          </p:cNvSpPr>
-          <p:nvPr>
-            <p:ph idx="1"/>
-          </p:nvPr>
-        </p:nvSpPr>
-        <p:spPr/>
-        <p:txBody>
-          <a:bodyPr/>
-          <a:lstStyle/>
-          <a:p>
-            <a:endParaRPr lang="fr-CH" dirty="0" smtClean="0"/>
-          </a:p>
-          <a:p>
-            <a:r>
-              <a:rPr lang="fr-CH" dirty="0" smtClean="0"/>
-              <a:t>Attendu</a:t>
-            </a:r>
-          </a:p>
-          <a:p>
-            <a:pPr lvl="1"/>
-            <a:r>
-              <a:rPr lang="fr-CH" dirty="0" smtClean="0"/>
-              <a:t>Application C# qui récupère les données des capteurs</a:t>
-            </a:r>
-          </a:p>
-          <a:p>
-            <a:pPr marL="0" indent="0">
-              <a:buNone/>
-            </a:pPr>
-            <a:endParaRPr lang="fr-CH" dirty="0" smtClean="0"/>
-          </a:p>
-          <a:p>
-            <a:r>
-              <a:rPr lang="fr-CH" dirty="0" smtClean="0"/>
-              <a:t>Réalisé</a:t>
-            </a:r>
-          </a:p>
-          <a:p>
-            <a:pPr lvl="1"/>
-            <a:r>
-              <a:rPr lang="fr-CH" dirty="0"/>
-              <a:t>Base de données pour le </a:t>
-            </a:r>
-            <a:r>
-              <a:rPr lang="fr-CH" dirty="0" smtClean="0"/>
-              <a:t>stockage</a:t>
-            </a:r>
-          </a:p>
-          <a:p>
-            <a:pPr lvl="1"/>
-            <a:r>
-              <a:rPr lang="fr-CH" dirty="0" smtClean="0"/>
-              <a:t>API </a:t>
-            </a:r>
-            <a:r>
-              <a:rPr lang="fr-CH" dirty="0"/>
-              <a:t>pour récupérer les </a:t>
-            </a:r>
-            <a:r>
-              <a:rPr lang="fr-CH" dirty="0" smtClean="0"/>
-              <a:t>données</a:t>
-            </a:r>
-          </a:p>
-          <a:p>
-            <a:pPr lvl="1"/>
-            <a:r>
-              <a:rPr lang="fr-CH" dirty="0" smtClean="0"/>
-              <a:t>Page web pour afficher les données</a:t>
-            </a:r>
-          </a:p>
-        </p:txBody>
-      </p:sp>
-    </p:spTree>
-    <p:extLst>
-      <p:ext uri="{BB962C8B-B14F-4D97-AF65-F5344CB8AC3E}">
-        <p14:creationId xmlns:p14="http://schemas.microsoft.com/office/powerpoint/2010/main" val="615790829"/>
       </p:ext>
     </p:extLst>
   </p:cSld>
@@ -7588,7 +8199,7 @@
           <a:p>
             <a:r>
               <a:rPr lang="fr-CH" dirty="0" smtClean="0"/>
-              <a:t>Fonctionnalités</a:t>
+              <a:t>Travail attendu / réalisé</a:t>
             </a:r>
             <a:endParaRPr lang="fr-CH" dirty="0"/>
           </a:p>
@@ -7614,25 +8225,67 @@
           <a:p>
             <a:r>
               <a:rPr lang="fr-CH" dirty="0" smtClean="0"/>
-              <a:t>Représentation graphique des données enregistrées.</a:t>
-            </a:r>
-          </a:p>
-          <a:p>
-            <a:endParaRPr lang="fr-CH" dirty="0"/>
-          </a:p>
-          <a:p>
+              <a:t>Attendu</a:t>
+            </a:r>
+          </a:p>
+          <a:p>
+            <a:pPr lvl="1"/>
             <a:r>
               <a:rPr lang="fr-CH" dirty="0" smtClean="0"/>
-              <a:t>Données en temps réel</a:t>
-            </a:r>
-            <a:endParaRPr lang="fr-CH" dirty="0"/>
+              <a:t>Application C# qui récupère les données des capteurs</a:t>
+            </a:r>
+          </a:p>
+          <a:p>
+            <a:pPr marL="0" indent="0">
+              <a:buNone/>
+            </a:pPr>
+            <a:endParaRPr lang="fr-CH" dirty="0" smtClean="0"/>
+          </a:p>
+          <a:p>
+            <a:r>
+              <a:rPr lang="fr-CH" dirty="0" smtClean="0"/>
+              <a:t>Réalisé</a:t>
+            </a:r>
+          </a:p>
+          <a:p>
+            <a:pPr lvl="1"/>
+            <a:r>
+              <a:rPr lang="fr-CH" dirty="0"/>
+              <a:t>Base de données pour le </a:t>
+            </a:r>
+            <a:r>
+              <a:rPr lang="fr-CH" dirty="0" smtClean="0"/>
+              <a:t>stockage</a:t>
+            </a:r>
+          </a:p>
+          <a:p>
+            <a:pPr lvl="1"/>
+            <a:r>
+              <a:rPr lang="fr-CH" dirty="0" smtClean="0"/>
+              <a:t>API </a:t>
+            </a:r>
+            <a:r>
+              <a:rPr lang="fr-CH" dirty="0"/>
+              <a:t>pour récupérer les </a:t>
+            </a:r>
+            <a:r>
+              <a:rPr lang="fr-CH" dirty="0" smtClean="0"/>
+              <a:t>données</a:t>
+            </a:r>
+          </a:p>
+          <a:p>
+            <a:pPr lvl="1"/>
+            <a:r>
+              <a:rPr lang="fr-CH" dirty="0" smtClean="0"/>
+              <a:t>Page web pour afficher les données</a:t>
+            </a:r>
           </a:p>
         </p:txBody>
       </p:sp>
     </p:spTree>
     <p:extLst>
       <p:ext uri="{BB962C8B-B14F-4D97-AF65-F5344CB8AC3E}">
-        <p14:creationId xmlns:p14="http://schemas.microsoft.com/office/powerpoint/2010/main" val="3346901849"/>
+        <p14:creationId xmlns:p14="http://schemas.microsoft.com/office/powerpoint/2010/main" val="615790829"/>
       </p:ext>
     </p:extLst>
   </p:cSld>
@@ -7688,7 +8341,7 @@
           <a:p>
             <a:r>
               <a:rPr lang="fr-CH" dirty="0" smtClean="0"/>
-              <a:t>Améliorations</a:t>
+              <a:t>Fonctionnalités</a:t>
             </a:r>
             <a:endParaRPr lang="fr-CH" dirty="0"/>
           </a:p>
@@ -7712,18 +8365,16 @@
             <a:endParaRPr lang="fr-CH" dirty="0" smtClean="0"/>
           </a:p>
           <a:p>
+            <a:endParaRPr lang="fr-CH" dirty="0" smtClean="0"/>
+          </a:p>
+          <a:p>
             <a:r>
               <a:rPr lang="fr-CH" dirty="0" smtClean="0"/>
-              <a:t>Utilisation d’autres capteurs</a:t>
-            </a:r>
-          </a:p>
-          <a:p>
-            <a:endParaRPr lang="fr-CH" dirty="0" smtClean="0"/>
-          </a:p>
-          <a:p>
+              <a:t>Représentation </a:t>
+            </a:r>
             <a:r>
               <a:rPr lang="fr-CH" dirty="0" smtClean="0"/>
-              <a:t>Options supplémentaire pour l’historique des données</a:t>
+              <a:t>graphique des données enregistrées.</a:t>
             </a:r>
           </a:p>
           <a:p>
@@ -7732,16 +8383,28 @@
           <a:p>
             <a:r>
               <a:rPr lang="fr-CH" dirty="0" smtClean="0"/>
-              <a:t>Fonctionnalités supplémentaire dans l’application C#</a:t>
-            </a:r>
+              <a:t>Données en temps </a:t>
+            </a:r>
+            <a:r>
+              <a:rPr lang="fr-CH" dirty="0" smtClean="0"/>
+              <a:t>réel</a:t>
+            </a:r>
+          </a:p>
+          <a:p>
             <a:endParaRPr lang="fr-CH" dirty="0"/>
+          </a:p>
+          <a:p>
+            <a:r>
+              <a:rPr lang="fr-CH" dirty="0" smtClean="0"/>
+              <a:t>Statut du capteur</a:t>
+            </a:r>
           </a:p>
         </p:txBody>
       </p:sp>
     </p:spTree>
     <p:extLst>
       <p:ext uri="{BB962C8B-B14F-4D97-AF65-F5344CB8AC3E}">
-        <p14:creationId xmlns:p14="http://schemas.microsoft.com/office/powerpoint/2010/main" val="3397203266"/>
+        <p14:creationId xmlns:p14="http://schemas.microsoft.com/office/powerpoint/2010/main" val="3346901849"/>
       </p:ext>
     </p:extLst>
   </p:cSld>
@@ -7782,23 +8445,80 @@
             <a:spLocks noGrp="1"/>
           </p:cNvSpPr>
           <p:nvPr>
-            <p:ph type="ctrTitle"/>
+            <p:ph type="title"/>
           </p:nvPr>
         </p:nvSpPr>
         <p:spPr>
           <a:xfrm>
-            <a:off x="0" y="2596896"/>
-            <a:ext cx="12192001" cy="1531261"/>
+            <a:off x="1103312" y="452718"/>
+            <a:ext cx="8947522" cy="1400530"/>
           </a:xfrm>
         </p:spPr>
         <p:txBody>
           <a:bodyPr anchor="ctr"/>
           <a:lstStyle/>
           <a:p>
-            <a:pPr algn="ctr"/>
             <a:r>
               <a:rPr lang="fr-CH" dirty="0" smtClean="0"/>
-              <a:t>Questions</a:t>
+              <a:t>Améliorations</a:t>
+            </a:r>
+            <a:endParaRPr lang="fr-CH" dirty="0"/>
+          </a:p>
+        </p:txBody>
+      </p:sp>
+      <p:sp>
+        <p:nvSpPr>
+          <p:cNvPr id="3" name="Espace réservé du contenu 2"/>
+          <p:cNvSpPr>
+            <a:spLocks noGrp="1"/>
+          </p:cNvSpPr>
+          <p:nvPr>
+            <p:ph idx="1"/>
+          </p:nvPr>
+        </p:nvSpPr>
+        <p:spPr/>
+        <p:txBody>
+          <a:bodyPr/>
+          <a:lstStyle/>
+          <a:p>
+            <a:endParaRPr lang="fr-CH" dirty="0" smtClean="0"/>
+          </a:p>
+          <a:p>
+            <a:r>
+              <a:rPr lang="fr-CH" dirty="0" smtClean="0"/>
+              <a:t>Utilisation d’autres capteurs</a:t>
+            </a:r>
+          </a:p>
+          <a:p>
+            <a:endParaRPr lang="fr-CH" dirty="0" smtClean="0"/>
+          </a:p>
+          <a:p>
+            <a:r>
+              <a:rPr lang="fr-CH" dirty="0" smtClean="0"/>
+              <a:t>Options supplémentaire pour l’historique des </a:t>
+            </a:r>
+            <a:r>
+              <a:rPr lang="fr-CH" dirty="0" smtClean="0"/>
+              <a:t>données</a:t>
+            </a:r>
+          </a:p>
+          <a:p>
+            <a:endParaRPr lang="fr-CH" dirty="0"/>
+          </a:p>
+          <a:p>
+            <a:r>
+              <a:rPr lang="fr-CH" dirty="0" smtClean="0"/>
+              <a:t>Prédiction de données</a:t>
+            </a:r>
+            <a:endParaRPr lang="fr-CH" dirty="0" smtClean="0"/>
+          </a:p>
+          <a:p>
+            <a:endParaRPr lang="fr-CH" dirty="0"/>
+          </a:p>
+          <a:p>
+            <a:r>
+              <a:rPr lang="fr-CH" dirty="0" smtClean="0"/>
+              <a:t>Fonctionnalités supplémentaire dans l’application C#</a:t>
             </a:r>
             <a:endParaRPr lang="fr-CH" dirty="0"/>
           </a:p>
@@ -7807,7 +8527,7 @@
     </p:spTree>
     <p:extLst>
       <p:ext uri="{BB962C8B-B14F-4D97-AF65-F5344CB8AC3E}">
-        <p14:creationId xmlns:p14="http://schemas.microsoft.com/office/powerpoint/2010/main" val="2421965393"/>
+        <p14:creationId xmlns:p14="http://schemas.microsoft.com/office/powerpoint/2010/main" val="3397203266"/>
       </p:ext>
     </p:extLst>
   </p:cSld>

--- a/documentation/Yoctopuce.pptx
+++ b/documentation/Yoctopuce.pptx
@@ -4,6 +4,9 @@
   <p:sldMasterIdLst>
     <p:sldMasterId id="2147483707" r:id="rId1"/>
   </p:sldMasterIdLst>
+  <p:notesMasterIdLst>
+    <p:notesMasterId r:id="rId17"/>
+  </p:notesMasterIdLst>
   <p:sldIdLst>
     <p:sldId id="259" r:id="rId2"/>
     <p:sldId id="256" r:id="rId3"/>
@@ -12,12 +15,14 @@
     <p:sldId id="263" r:id="rId6"/>
     <p:sldId id="268" r:id="rId7"/>
     <p:sldId id="260" r:id="rId8"/>
-    <p:sldId id="269" r:id="rId9"/>
-    <p:sldId id="266" r:id="rId10"/>
-    <p:sldId id="261" r:id="rId11"/>
-    <p:sldId id="265" r:id="rId12"/>
-    <p:sldId id="262" r:id="rId13"/>
-    <p:sldId id="264" r:id="rId14"/>
+    <p:sldId id="271" r:id="rId9"/>
+    <p:sldId id="269" r:id="rId10"/>
+    <p:sldId id="266" r:id="rId11"/>
+    <p:sldId id="261" r:id="rId12"/>
+    <p:sldId id="270" r:id="rId13"/>
+    <p:sldId id="265" r:id="rId14"/>
+    <p:sldId id="262" r:id="rId15"/>
+    <p:sldId id="264" r:id="rId16"/>
   </p:sldIdLst>
   <p:sldSz cx="12192000" cy="6858000"/>
   <p:notesSz cx="6858000" cy="9144000"/>
@@ -124,6 +129,356 @@
 </p:presentation>
 </file>
 
+<file path=ppt/notesMasters/notesMaster1.xml><?xml version="1.0" encoding="utf-8"?>
+<p:notesMaster xmlns:a="http://schemas.openxmlformats.org/drawingml/2006/main" xmlns:r="http://schemas.openxmlformats.org/officeDocument/2006/relationships" xmlns:p="http://schemas.openxmlformats.org/presentationml/2006/main">
+  <p:cSld>
+    <p:bg>
+      <p:bgRef idx="1001">
+        <a:schemeClr val="bg1"/>
+      </p:bgRef>
+    </p:bg>
+    <p:spTree>
+      <p:nvGrpSpPr>
+        <p:cNvPr id="1" name=""/>
+        <p:cNvGrpSpPr/>
+        <p:nvPr/>
+      </p:nvGrpSpPr>
+      <p:grpSpPr>
+        <a:xfrm>
+          <a:off x="0" y="0"/>
+          <a:ext cx="0" cy="0"/>
+          <a:chOff x="0" y="0"/>
+          <a:chExt cx="0" cy="0"/>
+        </a:xfrm>
+      </p:grpSpPr>
+      <p:sp>
+        <p:nvSpPr>
+          <p:cNvPr id="2" name="Espace réservé de l'en-tête 1"/>
+          <p:cNvSpPr>
+            <a:spLocks noGrp="1"/>
+          </p:cNvSpPr>
+          <p:nvPr>
+            <p:ph type="hdr" sz="quarter"/>
+          </p:nvPr>
+        </p:nvSpPr>
+        <p:spPr>
+          <a:xfrm>
+            <a:off x="0" y="0"/>
+            <a:ext cx="2971800" cy="458788"/>
+          </a:xfrm>
+          <a:prstGeom prst="rect">
+            <a:avLst/>
+          </a:prstGeom>
+        </p:spPr>
+        <p:txBody>
+          <a:bodyPr vert="horz" lIns="91440" tIns="45720" rIns="91440" bIns="45720" rtlCol="0"/>
+          <a:lstStyle>
+            <a:lvl1pPr algn="l">
+              <a:defRPr sz="1200"/>
+            </a:lvl1pPr>
+          </a:lstStyle>
+          <a:p>
+            <a:endParaRPr lang="fr-CH"/>
+          </a:p>
+        </p:txBody>
+      </p:sp>
+      <p:sp>
+        <p:nvSpPr>
+          <p:cNvPr id="3" name="Espace réservé de la date 2"/>
+          <p:cNvSpPr>
+            <a:spLocks noGrp="1"/>
+          </p:cNvSpPr>
+          <p:nvPr>
+            <p:ph type="dt" idx="1"/>
+          </p:nvPr>
+        </p:nvSpPr>
+        <p:spPr>
+          <a:xfrm>
+            <a:off x="3884613" y="0"/>
+            <a:ext cx="2971800" cy="458788"/>
+          </a:xfrm>
+          <a:prstGeom prst="rect">
+            <a:avLst/>
+          </a:prstGeom>
+        </p:spPr>
+        <p:txBody>
+          <a:bodyPr vert="horz" lIns="91440" tIns="45720" rIns="91440" bIns="45720" rtlCol="0"/>
+          <a:lstStyle>
+            <a:lvl1pPr algn="r">
+              <a:defRPr sz="1200"/>
+            </a:lvl1pPr>
+          </a:lstStyle>
+          <a:p>
+            <a:fld id="{72716781-9BBF-432B-A894-31F79A81B490}" type="datetimeFigureOut">
+              <a:rPr lang="fr-CH" smtClean="0"/>
+              <a:t>16.03.2021</a:t>
+            </a:fld>
+            <a:endParaRPr lang="fr-CH"/>
+          </a:p>
+        </p:txBody>
+      </p:sp>
+      <p:sp>
+        <p:nvSpPr>
+          <p:cNvPr id="4" name="Espace réservé de l'image des diapositives 3"/>
+          <p:cNvSpPr>
+            <a:spLocks noGrp="1" noRot="1" noChangeAspect="1"/>
+          </p:cNvSpPr>
+          <p:nvPr>
+            <p:ph type="sldImg" idx="2"/>
+          </p:nvPr>
+        </p:nvSpPr>
+        <p:spPr>
+          <a:xfrm>
+            <a:off x="685800" y="1143000"/>
+            <a:ext cx="5486400" cy="3086100"/>
+          </a:xfrm>
+          <a:prstGeom prst="rect">
+            <a:avLst/>
+          </a:prstGeom>
+          <a:noFill/>
+          <a:ln w="12700">
+            <a:solidFill>
+              <a:prstClr val="black"/>
+            </a:solidFill>
+          </a:ln>
+        </p:spPr>
+        <p:txBody>
+          <a:bodyPr vert="horz" lIns="91440" tIns="45720" rIns="91440" bIns="45720" rtlCol="0" anchor="ctr"/>
+          <a:lstStyle/>
+          <a:p>
+            <a:endParaRPr lang="fr-CH"/>
+          </a:p>
+        </p:txBody>
+      </p:sp>
+      <p:sp>
+        <p:nvSpPr>
+          <p:cNvPr id="5" name="Espace réservé des notes 4"/>
+          <p:cNvSpPr>
+            <a:spLocks noGrp="1"/>
+          </p:cNvSpPr>
+          <p:nvPr>
+            <p:ph type="body" sz="quarter" idx="3"/>
+          </p:nvPr>
+        </p:nvSpPr>
+        <p:spPr>
+          <a:xfrm>
+            <a:off x="685800" y="4400550"/>
+            <a:ext cx="5486400" cy="3600450"/>
+          </a:xfrm>
+          <a:prstGeom prst="rect">
+            <a:avLst/>
+          </a:prstGeom>
+        </p:spPr>
+        <p:txBody>
+          <a:bodyPr vert="horz" lIns="91440" tIns="45720" rIns="91440" bIns="45720" rtlCol="0"/>
+          <a:lstStyle/>
+          <a:p>
+            <a:pPr lvl="0"/>
+            <a:r>
+              <a:rPr lang="fr-FR" smtClean="0"/>
+              <a:t>Modifier les styles du texte du masque</a:t>
+            </a:r>
+          </a:p>
+          <a:p>
+            <a:pPr lvl="1"/>
+            <a:r>
+              <a:rPr lang="fr-FR" smtClean="0"/>
+              <a:t>Deuxième niveau</a:t>
+            </a:r>
+          </a:p>
+          <a:p>
+            <a:pPr lvl="2"/>
+            <a:r>
+              <a:rPr lang="fr-FR" smtClean="0"/>
+              <a:t>Troisième niveau</a:t>
+            </a:r>
+          </a:p>
+          <a:p>
+            <a:pPr lvl="3"/>
+            <a:r>
+              <a:rPr lang="fr-FR" smtClean="0"/>
+              <a:t>Quatrième niveau</a:t>
+            </a:r>
+          </a:p>
+          <a:p>
+            <a:pPr lvl="4"/>
+            <a:r>
+              <a:rPr lang="fr-FR" smtClean="0"/>
+              <a:t>Cinquième niveau</a:t>
+            </a:r>
+            <a:endParaRPr lang="fr-CH"/>
+          </a:p>
+        </p:txBody>
+      </p:sp>
+      <p:sp>
+        <p:nvSpPr>
+          <p:cNvPr id="6" name="Espace réservé du pied de page 5"/>
+          <p:cNvSpPr>
+            <a:spLocks noGrp="1"/>
+          </p:cNvSpPr>
+          <p:nvPr>
+            <p:ph type="ftr" sz="quarter" idx="4"/>
+          </p:nvPr>
+        </p:nvSpPr>
+        <p:spPr>
+          <a:xfrm>
+            <a:off x="0" y="8685213"/>
+            <a:ext cx="2971800" cy="458787"/>
+          </a:xfrm>
+          <a:prstGeom prst="rect">
+            <a:avLst/>
+          </a:prstGeom>
+        </p:spPr>
+        <p:txBody>
+          <a:bodyPr vert="horz" lIns="91440" tIns="45720" rIns="91440" bIns="45720" rtlCol="0" anchor="b"/>
+          <a:lstStyle>
+            <a:lvl1pPr algn="l">
+              <a:defRPr sz="1200"/>
+            </a:lvl1pPr>
+          </a:lstStyle>
+          <a:p>
+            <a:endParaRPr lang="fr-CH"/>
+          </a:p>
+        </p:txBody>
+      </p:sp>
+      <p:sp>
+        <p:nvSpPr>
+          <p:cNvPr id="7" name="Espace réservé du numéro de diapositive 6"/>
+          <p:cNvSpPr>
+            <a:spLocks noGrp="1"/>
+          </p:cNvSpPr>
+          <p:nvPr>
+            <p:ph type="sldNum" sz="quarter" idx="5"/>
+          </p:nvPr>
+        </p:nvSpPr>
+        <p:spPr>
+          <a:xfrm>
+            <a:off x="3884613" y="8685213"/>
+            <a:ext cx="2971800" cy="458787"/>
+          </a:xfrm>
+          <a:prstGeom prst="rect">
+            <a:avLst/>
+          </a:prstGeom>
+        </p:spPr>
+        <p:txBody>
+          <a:bodyPr vert="horz" lIns="91440" tIns="45720" rIns="91440" bIns="45720" rtlCol="0" anchor="b"/>
+          <a:lstStyle>
+            <a:lvl1pPr algn="r">
+              <a:defRPr sz="1200"/>
+            </a:lvl1pPr>
+          </a:lstStyle>
+          <a:p>
+            <a:fld id="{09032767-99AB-4FFB-9209-7A0BA30E3133}" type="slidenum">
+              <a:rPr lang="fr-CH" smtClean="0"/>
+              <a:t>‹N°›</a:t>
+            </a:fld>
+            <a:endParaRPr lang="fr-CH"/>
+          </a:p>
+        </p:txBody>
+      </p:sp>
+    </p:spTree>
+    <p:extLst>
+      <p:ext uri="{BB962C8B-B14F-4D97-AF65-F5344CB8AC3E}">
+        <p14:creationId xmlns:p14="http://schemas.microsoft.com/office/powerpoint/2010/main" val="596726685"/>
+      </p:ext>
+    </p:extLst>
+  </p:cSld>
+  <p:clrMap bg1="lt1" tx1="dk1" bg2="lt2" tx2="dk2" accent1="accent1" accent2="accent2" accent3="accent3" accent4="accent4" accent5="accent5" accent6="accent6" hlink="hlink" folHlink="folHlink"/>
+  <p:notesStyle>
+    <a:lvl1pPr marL="0" algn="l" defTabSz="914400" rtl="0" eaLnBrk="1" latinLnBrk="0" hangingPunct="1">
+      <a:defRPr sz="1200" kern="1200">
+        <a:solidFill>
+          <a:schemeClr val="tx1"/>
+        </a:solidFill>
+        <a:latin typeface="+mn-lt"/>
+        <a:ea typeface="+mn-ea"/>
+        <a:cs typeface="+mn-cs"/>
+      </a:defRPr>
+    </a:lvl1pPr>
+    <a:lvl2pPr marL="457200" algn="l" defTabSz="914400" rtl="0" eaLnBrk="1" latinLnBrk="0" hangingPunct="1">
+      <a:defRPr sz="1200" kern="1200">
+        <a:solidFill>
+          <a:schemeClr val="tx1"/>
+        </a:solidFill>
+        <a:latin typeface="+mn-lt"/>
+        <a:ea typeface="+mn-ea"/>
+        <a:cs typeface="+mn-cs"/>
+      </a:defRPr>
+    </a:lvl2pPr>
+    <a:lvl3pPr marL="914400" algn="l" defTabSz="914400" rtl="0" eaLnBrk="1" latinLnBrk="0" hangingPunct="1">
+      <a:defRPr sz="1200" kern="1200">
+        <a:solidFill>
+          <a:schemeClr val="tx1"/>
+        </a:solidFill>
+        <a:latin typeface="+mn-lt"/>
+        <a:ea typeface="+mn-ea"/>
+        <a:cs typeface="+mn-cs"/>
+      </a:defRPr>
+    </a:lvl3pPr>
+    <a:lvl4pPr marL="1371600" algn="l" defTabSz="914400" rtl="0" eaLnBrk="1" latinLnBrk="0" hangingPunct="1">
+      <a:defRPr sz="1200" kern="1200">
+        <a:solidFill>
+          <a:schemeClr val="tx1"/>
+        </a:solidFill>
+        <a:latin typeface="+mn-lt"/>
+        <a:ea typeface="+mn-ea"/>
+        <a:cs typeface="+mn-cs"/>
+      </a:defRPr>
+    </a:lvl4pPr>
+    <a:lvl5pPr marL="1828800" algn="l" defTabSz="914400" rtl="0" eaLnBrk="1" latinLnBrk="0" hangingPunct="1">
+      <a:defRPr sz="1200" kern="1200">
+        <a:solidFill>
+          <a:schemeClr val="tx1"/>
+        </a:solidFill>
+        <a:latin typeface="+mn-lt"/>
+        <a:ea typeface="+mn-ea"/>
+        <a:cs typeface="+mn-cs"/>
+      </a:defRPr>
+    </a:lvl5pPr>
+    <a:lvl6pPr marL="2286000" algn="l" defTabSz="914400" rtl="0" eaLnBrk="1" latinLnBrk="0" hangingPunct="1">
+      <a:defRPr sz="1200" kern="1200">
+        <a:solidFill>
+          <a:schemeClr val="tx1"/>
+        </a:solidFill>
+        <a:latin typeface="+mn-lt"/>
+        <a:ea typeface="+mn-ea"/>
+        <a:cs typeface="+mn-cs"/>
+      </a:defRPr>
+    </a:lvl6pPr>
+    <a:lvl7pPr marL="2743200" algn="l" defTabSz="914400" rtl="0" eaLnBrk="1" latinLnBrk="0" hangingPunct="1">
+      <a:defRPr sz="1200" kern="1200">
+        <a:solidFill>
+          <a:schemeClr val="tx1"/>
+        </a:solidFill>
+        <a:latin typeface="+mn-lt"/>
+        <a:ea typeface="+mn-ea"/>
+        <a:cs typeface="+mn-cs"/>
+      </a:defRPr>
+    </a:lvl7pPr>
+    <a:lvl8pPr marL="3200400" algn="l" defTabSz="914400" rtl="0" eaLnBrk="1" latinLnBrk="0" hangingPunct="1">
+      <a:defRPr sz="1200" kern="1200">
+        <a:solidFill>
+          <a:schemeClr val="tx1"/>
+        </a:solidFill>
+        <a:latin typeface="+mn-lt"/>
+        <a:ea typeface="+mn-ea"/>
+        <a:cs typeface="+mn-cs"/>
+      </a:defRPr>
+    </a:lvl8pPr>
+    <a:lvl9pPr marL="3657600" algn="l" defTabSz="914400" rtl="0" eaLnBrk="1" latinLnBrk="0" hangingPunct="1">
+      <a:defRPr sz="1200" kern="1200">
+        <a:solidFill>
+          <a:schemeClr val="tx1"/>
+        </a:solidFill>
+        <a:latin typeface="+mn-lt"/>
+        <a:ea typeface="+mn-ea"/>
+        <a:cs typeface="+mn-cs"/>
+      </a:defRPr>
+    </a:lvl9pPr>
+  </p:notesStyle>
+</p:notesMaster>
+</file>
+
 <file path=ppt/slideLayouts/slideLayout1.xml><?xml version="1.0" encoding="utf-8"?>
 <p:sldLayout xmlns:a="http://schemas.openxmlformats.org/drawingml/2006/main" xmlns:r="http://schemas.openxmlformats.org/officeDocument/2006/relationships" xmlns:p="http://schemas.openxmlformats.org/presentationml/2006/main" type="title" preserve="1">
   <p:cSld name="Diapositive de titre">
@@ -253,29 +608,33 @@
           <a:bodyPr/>
           <a:lstStyle/>
           <a:p>
-            <a:fld id="{4AAD347D-5ACD-4C99-B74B-A9C85AD731AF}" type="datetimeFigureOut">
+            <a:fld id="{23E6F7FF-B075-4979-AD20-A9101D0FB70B}" type="datetime1">
+              <a:rPr lang="fr-CH" smtClean="0"/>
+              <a:t>16.03.2021</a:t>
+            </a:fld>
+            <a:endParaRPr lang="en-US" dirty="0"/>
+          </a:p>
+        </p:txBody>
+      </p:sp>
+      <p:sp>
+        <p:nvSpPr>
+          <p:cNvPr id="5" name="Footer Placeholder 4"/>
+          <p:cNvSpPr>
+            <a:spLocks noGrp="1"/>
+          </p:cNvSpPr>
+          <p:nvPr>
+            <p:ph type="ftr" sz="quarter" idx="11"/>
+          </p:nvPr>
+        </p:nvSpPr>
+        <p:spPr/>
+        <p:txBody>
+          <a:bodyPr/>
+          <a:lstStyle/>
+          <a:p>
+            <a:r>
               <a:rPr lang="en-US" smtClean="0"/>
-              <a:t>3/14/2021</a:t>
-            </a:fld>
-            <a:endParaRPr lang="en-US" dirty="0"/>
-          </a:p>
-        </p:txBody>
-      </p:sp>
-      <p:sp>
-        <p:nvSpPr>
-          <p:cNvPr id="5" name="Footer Placeholder 4"/>
-          <p:cNvSpPr>
-            <a:spLocks noGrp="1"/>
-          </p:cNvSpPr>
-          <p:nvPr>
-            <p:ph type="ftr" sz="quarter" idx="11"/>
-          </p:nvPr>
-        </p:nvSpPr>
-        <p:spPr/>
-        <p:txBody>
-          <a:bodyPr/>
-          <a:lstStyle/>
-          <a:p>
+              <a:t>Yoctopuce</a:t>
+            </a:r>
             <a:endParaRPr lang="en-US" dirty="0"/>
           </a:p>
         </p:txBody>
@@ -423,29 +782,33 @@
           <a:bodyPr/>
           <a:lstStyle/>
           <a:p>
-            <a:fld id="{4509A250-FF31-4206-8172-F9D3106AACB1}" type="datetimeFigureOut">
+            <a:fld id="{9CD7D1AF-78D3-4865-A506-AE67B8F843BD}" type="datetime1">
+              <a:rPr lang="fr-CH" smtClean="0"/>
+              <a:t>16.03.2021</a:t>
+            </a:fld>
+            <a:endParaRPr lang="en-US" dirty="0"/>
+          </a:p>
+        </p:txBody>
+      </p:sp>
+      <p:sp>
+        <p:nvSpPr>
+          <p:cNvPr id="5" name="Footer Placeholder 4"/>
+          <p:cNvSpPr>
+            <a:spLocks noGrp="1"/>
+          </p:cNvSpPr>
+          <p:nvPr>
+            <p:ph type="ftr" sz="quarter" idx="11"/>
+          </p:nvPr>
+        </p:nvSpPr>
+        <p:spPr/>
+        <p:txBody>
+          <a:bodyPr/>
+          <a:lstStyle/>
+          <a:p>
+            <a:r>
               <a:rPr lang="en-US" smtClean="0"/>
-              <a:t>3/14/2021</a:t>
-            </a:fld>
-            <a:endParaRPr lang="en-US" dirty="0"/>
-          </a:p>
-        </p:txBody>
-      </p:sp>
-      <p:sp>
-        <p:nvSpPr>
-          <p:cNvPr id="5" name="Footer Placeholder 4"/>
-          <p:cNvSpPr>
-            <a:spLocks noGrp="1"/>
-          </p:cNvSpPr>
-          <p:nvPr>
-            <p:ph type="ftr" sz="quarter" idx="11"/>
-          </p:nvPr>
-        </p:nvSpPr>
-        <p:spPr/>
-        <p:txBody>
-          <a:bodyPr/>
-          <a:lstStyle/>
-          <a:p>
+              <a:t>Yoctopuce</a:t>
+            </a:r>
             <a:endParaRPr lang="en-US" dirty="0"/>
           </a:p>
         </p:txBody>
@@ -603,29 +966,33 @@
           <a:bodyPr/>
           <a:lstStyle/>
           <a:p>
-            <a:fld id="{4509A250-FF31-4206-8172-F9D3106AACB1}" type="datetimeFigureOut">
+            <a:fld id="{628DBB64-5C50-46CB-AAC3-8D2412B367B4}" type="datetime1">
+              <a:rPr lang="fr-CH" smtClean="0"/>
+              <a:t>16.03.2021</a:t>
+            </a:fld>
+            <a:endParaRPr lang="en-US" dirty="0"/>
+          </a:p>
+        </p:txBody>
+      </p:sp>
+      <p:sp>
+        <p:nvSpPr>
+          <p:cNvPr id="5" name="Footer Placeholder 4"/>
+          <p:cNvSpPr>
+            <a:spLocks noGrp="1"/>
+          </p:cNvSpPr>
+          <p:nvPr>
+            <p:ph type="ftr" sz="quarter" idx="11"/>
+          </p:nvPr>
+        </p:nvSpPr>
+        <p:spPr/>
+        <p:txBody>
+          <a:bodyPr/>
+          <a:lstStyle/>
+          <a:p>
+            <a:r>
               <a:rPr lang="en-US" smtClean="0"/>
-              <a:t>3/14/2021</a:t>
-            </a:fld>
-            <a:endParaRPr lang="en-US" dirty="0"/>
-          </a:p>
-        </p:txBody>
-      </p:sp>
-      <p:sp>
-        <p:nvSpPr>
-          <p:cNvPr id="5" name="Footer Placeholder 4"/>
-          <p:cNvSpPr>
-            <a:spLocks noGrp="1"/>
-          </p:cNvSpPr>
-          <p:nvPr>
-            <p:ph type="ftr" sz="quarter" idx="11"/>
-          </p:nvPr>
-        </p:nvSpPr>
-        <p:spPr/>
-        <p:txBody>
-          <a:bodyPr/>
-          <a:lstStyle/>
-          <a:p>
+              <a:t>Yoctopuce</a:t>
+            </a:r>
             <a:endParaRPr lang="en-US" dirty="0"/>
           </a:p>
         </p:txBody>
@@ -773,29 +1140,33 @@
           <a:bodyPr/>
           <a:lstStyle/>
           <a:p>
-            <a:fld id="{9796027F-7875-4030-9381-8BD8C4F21935}" type="datetimeFigureOut">
+            <a:fld id="{185EBD5E-7583-4A18-BD25-43DFA19EEB8A}" type="datetime1">
+              <a:rPr lang="fr-CH" smtClean="0"/>
+              <a:t>16.03.2021</a:t>
+            </a:fld>
+            <a:endParaRPr lang="en-US" dirty="0"/>
+          </a:p>
+        </p:txBody>
+      </p:sp>
+      <p:sp>
+        <p:nvSpPr>
+          <p:cNvPr id="5" name="Footer Placeholder 4"/>
+          <p:cNvSpPr>
+            <a:spLocks noGrp="1"/>
+          </p:cNvSpPr>
+          <p:nvPr>
+            <p:ph type="ftr" sz="quarter" idx="11"/>
+          </p:nvPr>
+        </p:nvSpPr>
+        <p:spPr/>
+        <p:txBody>
+          <a:bodyPr/>
+          <a:lstStyle/>
+          <a:p>
+            <a:r>
               <a:rPr lang="en-US" smtClean="0"/>
-              <a:t>3/14/2021</a:t>
-            </a:fld>
-            <a:endParaRPr lang="en-US" dirty="0"/>
-          </a:p>
-        </p:txBody>
-      </p:sp>
-      <p:sp>
-        <p:nvSpPr>
-          <p:cNvPr id="5" name="Footer Placeholder 4"/>
-          <p:cNvSpPr>
-            <a:spLocks noGrp="1"/>
-          </p:cNvSpPr>
-          <p:nvPr>
-            <p:ph type="ftr" sz="quarter" idx="11"/>
-          </p:nvPr>
-        </p:nvSpPr>
-        <p:spPr/>
-        <p:txBody>
-          <a:bodyPr/>
-          <a:lstStyle/>
-          <a:p>
+              <a:t>Yoctopuce</a:t>
+            </a:r>
             <a:endParaRPr lang="en-US" dirty="0"/>
           </a:p>
         </p:txBody>
@@ -1019,29 +1390,33 @@
           <a:bodyPr/>
           <a:lstStyle/>
           <a:p>
-            <a:fld id="{9796027F-7875-4030-9381-8BD8C4F21935}" type="datetimeFigureOut">
+            <a:fld id="{8DF499E0-77DC-47B2-93EE-7B8C11E260D6}" type="datetime1">
+              <a:rPr lang="fr-CH" smtClean="0"/>
+              <a:t>16.03.2021</a:t>
+            </a:fld>
+            <a:endParaRPr lang="en-US" dirty="0"/>
+          </a:p>
+        </p:txBody>
+      </p:sp>
+      <p:sp>
+        <p:nvSpPr>
+          <p:cNvPr id="5" name="Footer Placeholder 4"/>
+          <p:cNvSpPr>
+            <a:spLocks noGrp="1"/>
+          </p:cNvSpPr>
+          <p:nvPr>
+            <p:ph type="ftr" sz="quarter" idx="11"/>
+          </p:nvPr>
+        </p:nvSpPr>
+        <p:spPr/>
+        <p:txBody>
+          <a:bodyPr/>
+          <a:lstStyle/>
+          <a:p>
+            <a:r>
               <a:rPr lang="en-US" smtClean="0"/>
-              <a:t>3/14/2021</a:t>
-            </a:fld>
-            <a:endParaRPr lang="en-US" dirty="0"/>
-          </a:p>
-        </p:txBody>
-      </p:sp>
-      <p:sp>
-        <p:nvSpPr>
-          <p:cNvPr id="5" name="Footer Placeholder 4"/>
-          <p:cNvSpPr>
-            <a:spLocks noGrp="1"/>
-          </p:cNvSpPr>
-          <p:nvPr>
-            <p:ph type="ftr" sz="quarter" idx="11"/>
-          </p:nvPr>
-        </p:nvSpPr>
-        <p:spPr/>
-        <p:txBody>
-          <a:bodyPr/>
-          <a:lstStyle/>
-          <a:p>
+              <a:t>Yoctopuce</a:t>
+            </a:r>
             <a:endParaRPr lang="en-US" dirty="0"/>
           </a:p>
         </p:txBody>
@@ -1251,29 +1626,33 @@
           <a:bodyPr/>
           <a:lstStyle/>
           <a:p>
-            <a:fld id="{9796027F-7875-4030-9381-8BD8C4F21935}" type="datetimeFigureOut">
+            <a:fld id="{A2C35E05-D377-4E4C-9F53-C37341B6DF9E}" type="datetime1">
+              <a:rPr lang="fr-CH" smtClean="0"/>
+              <a:t>16.03.2021</a:t>
+            </a:fld>
+            <a:endParaRPr lang="en-US" dirty="0"/>
+          </a:p>
+        </p:txBody>
+      </p:sp>
+      <p:sp>
+        <p:nvSpPr>
+          <p:cNvPr id="6" name="Footer Placeholder 5"/>
+          <p:cNvSpPr>
+            <a:spLocks noGrp="1"/>
+          </p:cNvSpPr>
+          <p:nvPr>
+            <p:ph type="ftr" sz="quarter" idx="11"/>
+          </p:nvPr>
+        </p:nvSpPr>
+        <p:spPr/>
+        <p:txBody>
+          <a:bodyPr/>
+          <a:lstStyle/>
+          <a:p>
+            <a:r>
               <a:rPr lang="en-US" smtClean="0"/>
-              <a:t>3/14/2021</a:t>
-            </a:fld>
-            <a:endParaRPr lang="en-US" dirty="0"/>
-          </a:p>
-        </p:txBody>
-      </p:sp>
-      <p:sp>
-        <p:nvSpPr>
-          <p:cNvPr id="6" name="Footer Placeholder 5"/>
-          <p:cNvSpPr>
-            <a:spLocks noGrp="1"/>
-          </p:cNvSpPr>
-          <p:nvPr>
-            <p:ph type="ftr" sz="quarter" idx="11"/>
-          </p:nvPr>
-        </p:nvSpPr>
-        <p:spPr/>
-        <p:txBody>
-          <a:bodyPr/>
-          <a:lstStyle/>
-          <a:p>
+              <a:t>Yoctopuce</a:t>
+            </a:r>
             <a:endParaRPr lang="en-US" dirty="0"/>
           </a:p>
         </p:txBody>
@@ -1618,29 +1997,33 @@
           <a:bodyPr/>
           <a:lstStyle/>
           <a:p>
-            <a:fld id="{9796027F-7875-4030-9381-8BD8C4F21935}" type="datetimeFigureOut">
+            <a:fld id="{FC97BE0F-3B14-4C78-A970-2E52249036BA}" type="datetime1">
+              <a:rPr lang="fr-CH" smtClean="0"/>
+              <a:t>16.03.2021</a:t>
+            </a:fld>
+            <a:endParaRPr lang="en-US" dirty="0"/>
+          </a:p>
+        </p:txBody>
+      </p:sp>
+      <p:sp>
+        <p:nvSpPr>
+          <p:cNvPr id="8" name="Footer Placeholder 7"/>
+          <p:cNvSpPr>
+            <a:spLocks noGrp="1"/>
+          </p:cNvSpPr>
+          <p:nvPr>
+            <p:ph type="ftr" sz="quarter" idx="11"/>
+          </p:nvPr>
+        </p:nvSpPr>
+        <p:spPr/>
+        <p:txBody>
+          <a:bodyPr/>
+          <a:lstStyle/>
+          <a:p>
+            <a:r>
               <a:rPr lang="en-US" smtClean="0"/>
-              <a:t>3/14/2021</a:t>
-            </a:fld>
-            <a:endParaRPr lang="en-US" dirty="0"/>
-          </a:p>
-        </p:txBody>
-      </p:sp>
-      <p:sp>
-        <p:nvSpPr>
-          <p:cNvPr id="8" name="Footer Placeholder 7"/>
-          <p:cNvSpPr>
-            <a:spLocks noGrp="1"/>
-          </p:cNvSpPr>
-          <p:nvPr>
-            <p:ph type="ftr" sz="quarter" idx="11"/>
-          </p:nvPr>
-        </p:nvSpPr>
-        <p:spPr/>
-        <p:txBody>
-          <a:bodyPr/>
-          <a:lstStyle/>
-          <a:p>
+              <a:t>Yoctopuce</a:t>
+            </a:r>
             <a:endParaRPr lang="en-US" dirty="0"/>
           </a:p>
         </p:txBody>
@@ -1736,29 +2119,33 @@
           <a:bodyPr/>
           <a:lstStyle/>
           <a:p>
-            <a:fld id="{4509A250-FF31-4206-8172-F9D3106AACB1}" type="datetimeFigureOut">
+            <a:fld id="{7C942747-8F1C-45DC-9070-B06A2F9CA93B}" type="datetime1">
+              <a:rPr lang="fr-CH" smtClean="0"/>
+              <a:t>16.03.2021</a:t>
+            </a:fld>
+            <a:endParaRPr lang="en-US" dirty="0"/>
+          </a:p>
+        </p:txBody>
+      </p:sp>
+      <p:sp>
+        <p:nvSpPr>
+          <p:cNvPr id="4" name="Footer Placeholder 3"/>
+          <p:cNvSpPr>
+            <a:spLocks noGrp="1"/>
+          </p:cNvSpPr>
+          <p:nvPr>
+            <p:ph type="ftr" sz="quarter" idx="11"/>
+          </p:nvPr>
+        </p:nvSpPr>
+        <p:spPr/>
+        <p:txBody>
+          <a:bodyPr/>
+          <a:lstStyle/>
+          <a:p>
+            <a:r>
               <a:rPr lang="en-US" smtClean="0"/>
-              <a:t>3/14/2021</a:t>
-            </a:fld>
-            <a:endParaRPr lang="en-US" dirty="0"/>
-          </a:p>
-        </p:txBody>
-      </p:sp>
-      <p:sp>
-        <p:nvSpPr>
-          <p:cNvPr id="4" name="Footer Placeholder 3"/>
-          <p:cNvSpPr>
-            <a:spLocks noGrp="1"/>
-          </p:cNvSpPr>
-          <p:nvPr>
-            <p:ph type="ftr" sz="quarter" idx="11"/>
-          </p:nvPr>
-        </p:nvSpPr>
-        <p:spPr/>
-        <p:txBody>
-          <a:bodyPr/>
-          <a:lstStyle/>
-          <a:p>
+              <a:t>Yoctopuce</a:t>
+            </a:r>
             <a:endParaRPr lang="en-US" dirty="0"/>
           </a:p>
         </p:txBody>
@@ -1831,29 +2218,33 @@
           <a:bodyPr/>
           <a:lstStyle/>
           <a:p>
-            <a:fld id="{4509A250-FF31-4206-8172-F9D3106AACB1}" type="datetimeFigureOut">
+            <a:fld id="{B8BC87D6-75C3-48AD-9C07-1310A0E4C7D0}" type="datetime1">
+              <a:rPr lang="fr-CH" smtClean="0"/>
+              <a:t>16.03.2021</a:t>
+            </a:fld>
+            <a:endParaRPr lang="en-US" dirty="0"/>
+          </a:p>
+        </p:txBody>
+      </p:sp>
+      <p:sp>
+        <p:nvSpPr>
+          <p:cNvPr id="3" name="Footer Placeholder 2"/>
+          <p:cNvSpPr>
+            <a:spLocks noGrp="1"/>
+          </p:cNvSpPr>
+          <p:nvPr>
+            <p:ph type="ftr" sz="quarter" idx="11"/>
+          </p:nvPr>
+        </p:nvSpPr>
+        <p:spPr/>
+        <p:txBody>
+          <a:bodyPr/>
+          <a:lstStyle/>
+          <a:p>
+            <a:r>
               <a:rPr lang="en-US" smtClean="0"/>
-              <a:t>3/14/2021</a:t>
-            </a:fld>
-            <a:endParaRPr lang="en-US" dirty="0"/>
-          </a:p>
-        </p:txBody>
-      </p:sp>
-      <p:sp>
-        <p:nvSpPr>
-          <p:cNvPr id="3" name="Footer Placeholder 2"/>
-          <p:cNvSpPr>
-            <a:spLocks noGrp="1"/>
-          </p:cNvSpPr>
-          <p:nvPr>
-            <p:ph type="ftr" sz="quarter" idx="11"/>
-          </p:nvPr>
-        </p:nvSpPr>
-        <p:spPr/>
-        <p:txBody>
-          <a:bodyPr/>
-          <a:lstStyle/>
-          <a:p>
+              <a:t>Yoctopuce</a:t>
+            </a:r>
             <a:endParaRPr lang="en-US" dirty="0"/>
           </a:p>
         </p:txBody>
@@ -2108,29 +2499,33 @@
           <a:bodyPr/>
           <a:lstStyle/>
           <a:p>
-            <a:fld id="{4509A250-FF31-4206-8172-F9D3106AACB1}" type="datetimeFigureOut">
+            <a:fld id="{9F5171D8-8FB1-4248-B498-705BFDA3AB38}" type="datetime1">
+              <a:rPr lang="fr-CH" smtClean="0"/>
+              <a:t>16.03.2021</a:t>
+            </a:fld>
+            <a:endParaRPr lang="en-US" dirty="0"/>
+          </a:p>
+        </p:txBody>
+      </p:sp>
+      <p:sp>
+        <p:nvSpPr>
+          <p:cNvPr id="6" name="Footer Placeholder 5"/>
+          <p:cNvSpPr>
+            <a:spLocks noGrp="1"/>
+          </p:cNvSpPr>
+          <p:nvPr>
+            <p:ph type="ftr" sz="quarter" idx="11"/>
+          </p:nvPr>
+        </p:nvSpPr>
+        <p:spPr/>
+        <p:txBody>
+          <a:bodyPr/>
+          <a:lstStyle/>
+          <a:p>
+            <a:r>
               <a:rPr lang="en-US" smtClean="0"/>
-              <a:t>3/14/2021</a:t>
-            </a:fld>
-            <a:endParaRPr lang="en-US" dirty="0"/>
-          </a:p>
-        </p:txBody>
-      </p:sp>
-      <p:sp>
-        <p:nvSpPr>
-          <p:cNvPr id="6" name="Footer Placeholder 5"/>
-          <p:cNvSpPr>
-            <a:spLocks noGrp="1"/>
-          </p:cNvSpPr>
-          <p:nvPr>
-            <p:ph type="ftr" sz="quarter" idx="11"/>
-          </p:nvPr>
-        </p:nvSpPr>
-        <p:spPr/>
-        <p:txBody>
-          <a:bodyPr/>
-          <a:lstStyle/>
-          <a:p>
+              <a:t>Yoctopuce</a:t>
+            </a:r>
             <a:endParaRPr lang="en-US" dirty="0"/>
           </a:p>
         </p:txBody>
@@ -2365,29 +2760,33 @@
           <a:bodyPr/>
           <a:lstStyle/>
           <a:p>
-            <a:fld id="{4509A250-FF31-4206-8172-F9D3106AACB1}" type="datetimeFigureOut">
+            <a:fld id="{FE3ADC60-4F15-4587-85CE-E27E55071E9C}" type="datetime1">
+              <a:rPr lang="fr-CH" smtClean="0"/>
+              <a:t>16.03.2021</a:t>
+            </a:fld>
+            <a:endParaRPr lang="en-US" dirty="0"/>
+          </a:p>
+        </p:txBody>
+      </p:sp>
+      <p:sp>
+        <p:nvSpPr>
+          <p:cNvPr id="6" name="Footer Placeholder 5"/>
+          <p:cNvSpPr>
+            <a:spLocks noGrp="1"/>
+          </p:cNvSpPr>
+          <p:nvPr>
+            <p:ph type="ftr" sz="quarter" idx="11"/>
+          </p:nvPr>
+        </p:nvSpPr>
+        <p:spPr/>
+        <p:txBody>
+          <a:bodyPr/>
+          <a:lstStyle/>
+          <a:p>
+            <a:r>
               <a:rPr lang="en-US" smtClean="0"/>
-              <a:t>3/14/2021</a:t>
-            </a:fld>
-            <a:endParaRPr lang="en-US" dirty="0"/>
-          </a:p>
-        </p:txBody>
-      </p:sp>
-      <p:sp>
-        <p:nvSpPr>
-          <p:cNvPr id="6" name="Footer Placeholder 5"/>
-          <p:cNvSpPr>
-            <a:spLocks noGrp="1"/>
-          </p:cNvSpPr>
-          <p:nvPr>
-            <p:ph type="ftr" sz="quarter" idx="11"/>
-          </p:nvPr>
-        </p:nvSpPr>
-        <p:spPr/>
-        <p:txBody>
-          <a:bodyPr/>
-          <a:lstStyle/>
-          <a:p>
+              <a:t>Yoctopuce</a:t>
+            </a:r>
             <a:endParaRPr lang="en-US" dirty="0"/>
           </a:p>
         </p:txBody>
@@ -2578,9 +2977,9 @@
             </a:lvl1pPr>
           </a:lstStyle>
           <a:p>
-            <a:fld id="{4AAD347D-5ACD-4C99-B74B-A9C85AD731AF}" type="datetimeFigureOut">
-              <a:rPr lang="en-US" smtClean="0"/>
-              <a:t>3/14/2021</a:t>
+            <a:fld id="{1B670566-021D-4089-BBEA-9CF41C04FCED}" type="datetime1">
+              <a:rPr lang="fr-CH" smtClean="0"/>
+              <a:t>16.03.2021</a:t>
             </a:fld>
             <a:endParaRPr lang="en-US" dirty="0"/>
           </a:p>
@@ -2619,6 +3018,10 @@
             </a:lvl1pPr>
           </a:lstStyle>
           <a:p>
+            <a:r>
+              <a:rPr lang="en-US" smtClean="0"/>
+              <a:t>Yoctopuce</a:t>
+            </a:r>
             <a:endParaRPr lang="en-US" dirty="0"/>
           </a:p>
         </p:txBody>
@@ -2685,7 +3088,7 @@
     <p:sldLayoutId id="2147483717" r:id="rId10"/>
     <p:sldLayoutId id="2147483718" r:id="rId11"/>
   </p:sldLayoutIdLst>
-  <p:hf sldNum="0" hdr="0" ftr="0" dt="0"/>
+  <p:hf hdr="0"/>
   <p:txStyles>
     <p:titleStyle>
       <a:lvl1pPr algn="l" defTabSz="914400" rtl="0" eaLnBrk="1" latinLnBrk="0" hangingPunct="1">
@@ -2986,6 +3389,75 @@
           <a:chExt cx="0" cy="0"/>
         </a:xfrm>
       </p:grpSpPr>
+      <p:sp>
+        <p:nvSpPr>
+          <p:cNvPr id="2" name="Espace réservé de la date 1"/>
+          <p:cNvSpPr>
+            <a:spLocks noGrp="1"/>
+          </p:cNvSpPr>
+          <p:nvPr>
+            <p:ph type="dt" sz="half" idx="10"/>
+          </p:nvPr>
+        </p:nvSpPr>
+        <p:spPr/>
+        <p:txBody>
+          <a:bodyPr/>
+          <a:lstStyle/>
+          <a:p>
+            <a:fld id="{4A195399-D9D0-4564-809D-7583D7951C67}" type="datetime1">
+              <a:rPr lang="fr-CH" smtClean="0"/>
+              <a:t>16.03.2021</a:t>
+            </a:fld>
+            <a:endParaRPr lang="en-US" dirty="0"/>
+          </a:p>
+        </p:txBody>
+      </p:sp>
+      <p:sp>
+        <p:nvSpPr>
+          <p:cNvPr id="3" name="Espace réservé du pied de page 2"/>
+          <p:cNvSpPr>
+            <a:spLocks noGrp="1"/>
+          </p:cNvSpPr>
+          <p:nvPr>
+            <p:ph type="ftr" sz="quarter" idx="11"/>
+          </p:nvPr>
+        </p:nvSpPr>
+        <p:spPr/>
+        <p:txBody>
+          <a:bodyPr/>
+          <a:lstStyle/>
+          <a:p>
+            <a:r>
+              <a:rPr lang="en-US" smtClean="0"/>
+              <a:t>Yoctopuce</a:t>
+            </a:r>
+            <a:endParaRPr lang="en-US" dirty="0"/>
+          </a:p>
+        </p:txBody>
+      </p:sp>
+      <p:sp>
+        <p:nvSpPr>
+          <p:cNvPr id="4" name="Espace réservé du numéro de diapositive 3"/>
+          <p:cNvSpPr>
+            <a:spLocks noGrp="1"/>
+          </p:cNvSpPr>
+          <p:nvPr>
+            <p:ph type="sldNum" sz="quarter" idx="12"/>
+          </p:nvPr>
+        </p:nvSpPr>
+        <p:spPr/>
+        <p:txBody>
+          <a:bodyPr/>
+          <a:lstStyle/>
+          <a:p>
+            <a:fld id="{D57F1E4F-1CFF-5643-939E-02111984F565}" type="slidenum">
+              <a:rPr lang="en-US" smtClean="0"/>
+              <a:t>1</a:t>
+            </a:fld>
+            <a:endParaRPr lang="en-US" dirty="0"/>
+          </a:p>
+        </p:txBody>
+      </p:sp>
     </p:spTree>
     <p:extLst>
       <p:ext uri="{BB962C8B-B14F-4D97-AF65-F5344CB8AC3E}">
@@ -3038,7 +3510,7 @@
           <a:p>
             <a:r>
               <a:rPr lang="fr-CH" dirty="0"/>
-              <a:t>Fonctionnalités</a:t>
+              <a:t>Travail attendu / réalisé</a:t>
             </a:r>
           </a:p>
         </p:txBody>
@@ -3061,38 +3533,126 @@
             <a:endParaRPr lang="fr-CH" dirty="0"/>
           </a:p>
           <a:p>
+            <a:r>
+              <a:rPr lang="fr-CH" dirty="0"/>
+              <a:t>Attendu</a:t>
+            </a:r>
+          </a:p>
+          <a:p>
+            <a:pPr lvl="1"/>
+            <a:r>
+              <a:rPr lang="fr-CH" dirty="0"/>
+              <a:t>Application C# qui récupère les données des capteurs</a:t>
+            </a:r>
+          </a:p>
+          <a:p>
+            <a:pPr marL="0" indent="0">
+              <a:buNone/>
+            </a:pPr>
             <a:endParaRPr lang="fr-CH" dirty="0"/>
           </a:p>
           <a:p>
             <a:r>
               <a:rPr lang="fr-CH" dirty="0"/>
-              <a:t>Représentation graphique des données enregistrées.</a:t>
-            </a:r>
-          </a:p>
-          <a:p>
-            <a:endParaRPr lang="fr-CH" dirty="0"/>
-          </a:p>
-          <a:p>
+              <a:t>Réalisé</a:t>
+            </a:r>
+          </a:p>
+          <a:p>
+            <a:pPr lvl="1"/>
             <a:r>
               <a:rPr lang="fr-CH" dirty="0"/>
-              <a:t>Données en temps réel</a:t>
-            </a:r>
-          </a:p>
-          <a:p>
-            <a:endParaRPr lang="fr-CH" dirty="0"/>
-          </a:p>
-          <a:p>
+              <a:t>Base de données pour le stockage</a:t>
+            </a:r>
+          </a:p>
+          <a:p>
+            <a:pPr lvl="1"/>
             <a:r>
               <a:rPr lang="fr-CH" dirty="0"/>
-              <a:t>Statut du capteur</a:t>
-            </a:r>
+              <a:t>API pour récupérer les données</a:t>
+            </a:r>
+          </a:p>
+          <a:p>
+            <a:pPr lvl="1"/>
+            <a:r>
+              <a:rPr lang="fr-CH" dirty="0"/>
+              <a:t>Page web pour afficher les données</a:t>
+            </a:r>
+          </a:p>
+        </p:txBody>
+      </p:sp>
+      <p:sp>
+        <p:nvSpPr>
+          <p:cNvPr id="4" name="Espace réservé de la date 3"/>
+          <p:cNvSpPr>
+            <a:spLocks noGrp="1"/>
+          </p:cNvSpPr>
+          <p:nvPr>
+            <p:ph type="dt" sz="half" idx="10"/>
+          </p:nvPr>
+        </p:nvSpPr>
+        <p:spPr/>
+        <p:txBody>
+          <a:bodyPr/>
+          <a:lstStyle/>
+          <a:p>
+            <a:fld id="{07354494-7846-4E12-9D93-11EA4226ED36}" type="datetime1">
+              <a:rPr lang="fr-CH" smtClean="0"/>
+              <a:t>16.03.2021</a:t>
+            </a:fld>
+            <a:endParaRPr lang="en-US" dirty="0"/>
+          </a:p>
+        </p:txBody>
+      </p:sp>
+      <p:sp>
+        <p:nvSpPr>
+          <p:cNvPr id="5" name="Espace réservé du pied de page 4"/>
+          <p:cNvSpPr>
+            <a:spLocks noGrp="1"/>
+          </p:cNvSpPr>
+          <p:nvPr>
+            <p:ph type="ftr" sz="quarter" idx="11"/>
+          </p:nvPr>
+        </p:nvSpPr>
+        <p:spPr/>
+        <p:txBody>
+          <a:bodyPr/>
+          <a:lstStyle/>
+          <a:p>
+            <a:r>
+              <a:rPr lang="en-US" smtClean="0"/>
+              <a:t>Yoctopuce</a:t>
+            </a:r>
+            <a:endParaRPr lang="en-US" dirty="0"/>
+          </a:p>
+        </p:txBody>
+      </p:sp>
+      <p:sp>
+        <p:nvSpPr>
+          <p:cNvPr id="6" name="Espace réservé du numéro de diapositive 5"/>
+          <p:cNvSpPr>
+            <a:spLocks noGrp="1"/>
+          </p:cNvSpPr>
+          <p:nvPr>
+            <p:ph type="sldNum" sz="quarter" idx="12"/>
+          </p:nvPr>
+        </p:nvSpPr>
+        <p:spPr/>
+        <p:txBody>
+          <a:bodyPr/>
+          <a:lstStyle/>
+          <a:p>
+            <a:fld id="{D57F1E4F-1CFF-5643-939E-02111984F565}" type="slidenum">
+              <a:rPr lang="en-US" smtClean="0"/>
+              <a:t>10</a:t>
+            </a:fld>
+            <a:endParaRPr lang="en-US" dirty="0"/>
           </a:p>
         </p:txBody>
       </p:sp>
     </p:spTree>
     <p:extLst>
       <p:ext uri="{BB962C8B-B14F-4D97-AF65-F5344CB8AC3E}">
-        <p14:creationId xmlns:p14="http://schemas.microsoft.com/office/powerpoint/2010/main" val="3346901849"/>
+        <p14:creationId xmlns:p14="http://schemas.microsoft.com/office/powerpoint/2010/main" val="615790829"/>
       </p:ext>
     </p:extLst>
   </p:cSld>
@@ -3141,7 +3701,7 @@
           <a:p>
             <a:r>
               <a:rPr lang="fr-CH" dirty="0"/>
-              <a:t>Améliorations</a:t>
+              <a:t>Fonctionnalités</a:t>
             </a:r>
           </a:p>
         </p:txBody>
@@ -3164,9 +3724,12 @@
             <a:endParaRPr lang="fr-CH" dirty="0"/>
           </a:p>
           <a:p>
+            <a:endParaRPr lang="fr-CH" dirty="0"/>
+          </a:p>
+          <a:p>
             <a:r>
               <a:rPr lang="fr-CH" dirty="0"/>
-              <a:t>Utilisation d’autres capteurs</a:t>
+              <a:t>Représentation graphique des données enregistrées.</a:t>
             </a:r>
           </a:p>
           <a:p>
@@ -3175,7 +3738,7 @@
           <a:p>
             <a:r>
               <a:rPr lang="fr-CH" dirty="0"/>
-              <a:t>Options supplémentaire pour l’historique des données</a:t>
+              <a:t>Données en temps réel</a:t>
             </a:r>
           </a:p>
           <a:p>
@@ -3184,24 +3747,84 @@
           <a:p>
             <a:r>
               <a:rPr lang="fr-CH" dirty="0"/>
-              <a:t>Prédiction de données</a:t>
-            </a:r>
-          </a:p>
-          <a:p>
-            <a:endParaRPr lang="fr-CH" dirty="0"/>
-          </a:p>
-          <a:p>
-            <a:r>
-              <a:rPr lang="fr-CH" dirty="0"/>
-              <a:t>Fonctionnalités supplémentaire dans l’application C#</a:t>
-            </a:r>
+              <a:t>Statut du capteur</a:t>
+            </a:r>
+          </a:p>
+        </p:txBody>
+      </p:sp>
+      <p:sp>
+        <p:nvSpPr>
+          <p:cNvPr id="4" name="Espace réservé de la date 3"/>
+          <p:cNvSpPr>
+            <a:spLocks noGrp="1"/>
+          </p:cNvSpPr>
+          <p:nvPr>
+            <p:ph type="dt" sz="half" idx="10"/>
+          </p:nvPr>
+        </p:nvSpPr>
+        <p:spPr/>
+        <p:txBody>
+          <a:bodyPr/>
+          <a:lstStyle/>
+          <a:p>
+            <a:fld id="{01770AD0-4011-4351-9F66-2A80B37BFA13}" type="datetime1">
+              <a:rPr lang="fr-CH" smtClean="0"/>
+              <a:t>16.03.2021</a:t>
+            </a:fld>
+            <a:endParaRPr lang="en-US" dirty="0"/>
+          </a:p>
+        </p:txBody>
+      </p:sp>
+      <p:sp>
+        <p:nvSpPr>
+          <p:cNvPr id="5" name="Espace réservé du pied de page 4"/>
+          <p:cNvSpPr>
+            <a:spLocks noGrp="1"/>
+          </p:cNvSpPr>
+          <p:nvPr>
+            <p:ph type="ftr" sz="quarter" idx="11"/>
+          </p:nvPr>
+        </p:nvSpPr>
+        <p:spPr/>
+        <p:txBody>
+          <a:bodyPr/>
+          <a:lstStyle/>
+          <a:p>
+            <a:r>
+              <a:rPr lang="en-US" smtClean="0"/>
+              <a:t>Yoctopuce</a:t>
+            </a:r>
+            <a:endParaRPr lang="en-US" dirty="0"/>
+          </a:p>
+        </p:txBody>
+      </p:sp>
+      <p:sp>
+        <p:nvSpPr>
+          <p:cNvPr id="6" name="Espace réservé du numéro de diapositive 5"/>
+          <p:cNvSpPr>
+            <a:spLocks noGrp="1"/>
+          </p:cNvSpPr>
+          <p:nvPr>
+            <p:ph type="sldNum" sz="quarter" idx="12"/>
+          </p:nvPr>
+        </p:nvSpPr>
+        <p:spPr/>
+        <p:txBody>
+          <a:bodyPr/>
+          <a:lstStyle/>
+          <a:p>
+            <a:fld id="{D57F1E4F-1CFF-5643-939E-02111984F565}" type="slidenum">
+              <a:rPr lang="en-US" smtClean="0"/>
+              <a:t>11</a:t>
+            </a:fld>
+            <a:endParaRPr lang="en-US" dirty="0"/>
           </a:p>
         </p:txBody>
       </p:sp>
     </p:spTree>
     <p:extLst>
       <p:ext uri="{BB962C8B-B14F-4D97-AF65-F5344CB8AC3E}">
-        <p14:creationId xmlns:p14="http://schemas.microsoft.com/office/powerpoint/2010/main" val="3397203266"/>
+        <p14:creationId xmlns:p14="http://schemas.microsoft.com/office/powerpoint/2010/main" val="3346901849"/>
       </p:ext>
     </p:extLst>
   </p:cSld>
@@ -3235,31 +3858,162 @@
             <a:spLocks noGrp="1"/>
           </p:cNvSpPr>
           <p:nvPr>
-            <p:ph type="ctrTitle"/>
+            <p:ph type="title"/>
           </p:nvPr>
         </p:nvSpPr>
         <p:spPr>
           <a:xfrm>
-            <a:off x="0" y="2596896"/>
-            <a:ext cx="12192001" cy="1531261"/>
+            <a:off x="1103312" y="452718"/>
+            <a:ext cx="8947522" cy="1400530"/>
           </a:xfrm>
         </p:spPr>
         <p:txBody>
           <a:bodyPr anchor="ctr"/>
           <a:lstStyle/>
           <a:p>
-            <a:pPr algn="ctr"/>
-            <a:r>
-              <a:rPr lang="fr-CH" dirty="0"/>
-              <a:t>Questions ?</a:t>
-            </a:r>
+            <a:r>
+              <a:rPr lang="fr-CH" dirty="0" smtClean="0"/>
+              <a:t>Difficultés</a:t>
+            </a:r>
+            <a:r>
+              <a:rPr lang="fr-CH" dirty="0" smtClean="0"/>
+              <a:t> rencontrées</a:t>
+            </a:r>
+            <a:endParaRPr lang="fr-CH" dirty="0"/>
+          </a:p>
+        </p:txBody>
+      </p:sp>
+      <p:sp>
+        <p:nvSpPr>
+          <p:cNvPr id="3" name="Espace réservé du contenu 2"/>
+          <p:cNvSpPr>
+            <a:spLocks noGrp="1"/>
+          </p:cNvSpPr>
+          <p:nvPr>
+            <p:ph idx="1"/>
+          </p:nvPr>
+        </p:nvSpPr>
+        <p:spPr/>
+        <p:txBody>
+          <a:bodyPr/>
+          <a:lstStyle/>
+          <a:p>
+            <a:pPr marL="0" indent="0">
+              <a:buNone/>
+            </a:pPr>
+            <a:endParaRPr lang="fr-CH" dirty="0"/>
+          </a:p>
+          <a:p>
+            <a:r>
+              <a:rPr lang="fr-CH" dirty="0" smtClean="0"/>
+              <a:t>Détection des capteurs</a:t>
+            </a:r>
+          </a:p>
+          <a:p>
+            <a:endParaRPr lang="fr-CH" dirty="0"/>
+          </a:p>
+          <a:p>
+            <a:r>
+              <a:rPr lang="fr-CH" dirty="0" smtClean="0"/>
+              <a:t>Prise en main de Lumen</a:t>
+            </a:r>
+            <a:endParaRPr lang="fr-CH" dirty="0" smtClean="0"/>
+          </a:p>
+          <a:p>
+            <a:endParaRPr lang="fr-CH" dirty="0"/>
+          </a:p>
+          <a:p>
+            <a:r>
+              <a:rPr lang="fr-CH" dirty="0" smtClean="0"/>
+              <a:t>Choix technologie documentation de l’api</a:t>
+            </a:r>
+            <a:endParaRPr lang="fr-CH" dirty="0"/>
+          </a:p>
+          <a:p>
+            <a:endParaRPr lang="fr-CH" dirty="0"/>
+          </a:p>
+          <a:p>
+            <a:r>
+              <a:rPr lang="fr-CH" dirty="0" smtClean="0"/>
+              <a:t>Graphique en temps réel</a:t>
+            </a:r>
+            <a:endParaRPr lang="fr-CH" dirty="0"/>
+          </a:p>
+        </p:txBody>
+      </p:sp>
+      <p:sp>
+        <p:nvSpPr>
+          <p:cNvPr id="4" name="Espace réservé de la date 3"/>
+          <p:cNvSpPr>
+            <a:spLocks noGrp="1"/>
+          </p:cNvSpPr>
+          <p:nvPr>
+            <p:ph type="dt" sz="half" idx="10"/>
+          </p:nvPr>
+        </p:nvSpPr>
+        <p:spPr/>
+        <p:txBody>
+          <a:bodyPr/>
+          <a:lstStyle/>
+          <a:p>
+            <a:fld id="{0008262B-42AA-463D-BC45-A3F382999202}" type="datetime1">
+              <a:rPr lang="fr-CH" smtClean="0"/>
+              <a:t>16.03.2021</a:t>
+            </a:fld>
+            <a:endParaRPr lang="en-US" dirty="0"/>
+          </a:p>
+        </p:txBody>
+      </p:sp>
+      <p:sp>
+        <p:nvSpPr>
+          <p:cNvPr id="5" name="Espace réservé du pied de page 4"/>
+          <p:cNvSpPr>
+            <a:spLocks noGrp="1"/>
+          </p:cNvSpPr>
+          <p:nvPr>
+            <p:ph type="ftr" sz="quarter" idx="11"/>
+          </p:nvPr>
+        </p:nvSpPr>
+        <p:spPr/>
+        <p:txBody>
+          <a:bodyPr/>
+          <a:lstStyle/>
+          <a:p>
+            <a:r>
+              <a:rPr lang="en-US" smtClean="0"/>
+              <a:t>Yoctopuce</a:t>
+            </a:r>
+            <a:endParaRPr lang="en-US" dirty="0"/>
+          </a:p>
+        </p:txBody>
+      </p:sp>
+      <p:sp>
+        <p:nvSpPr>
+          <p:cNvPr id="6" name="Espace réservé du numéro de diapositive 5"/>
+          <p:cNvSpPr>
+            <a:spLocks noGrp="1"/>
+          </p:cNvSpPr>
+          <p:nvPr>
+            <p:ph type="sldNum" sz="quarter" idx="12"/>
+          </p:nvPr>
+        </p:nvSpPr>
+        <p:spPr/>
+        <p:txBody>
+          <a:bodyPr/>
+          <a:lstStyle/>
+          <a:p>
+            <a:fld id="{D57F1E4F-1CFF-5643-939E-02111984F565}" type="slidenum">
+              <a:rPr lang="en-US" smtClean="0"/>
+              <a:t>12</a:t>
+            </a:fld>
+            <a:endParaRPr lang="en-US" dirty="0"/>
           </a:p>
         </p:txBody>
       </p:sp>
     </p:spTree>
     <p:extLst>
       <p:ext uri="{BB962C8B-B14F-4D97-AF65-F5344CB8AC3E}">
-        <p14:creationId xmlns:p14="http://schemas.microsoft.com/office/powerpoint/2010/main" val="2421965393"/>
+        <p14:creationId xmlns:p14="http://schemas.microsoft.com/office/powerpoint/2010/main" val="562085446"/>
       </p:ext>
     </p:extLst>
   </p:cSld>
@@ -3286,6 +4040,380 @@
           <a:chExt cx="0" cy="0"/>
         </a:xfrm>
       </p:grpSpPr>
+      <p:sp>
+        <p:nvSpPr>
+          <p:cNvPr id="2" name="Titre 1"/>
+          <p:cNvSpPr>
+            <a:spLocks noGrp="1"/>
+          </p:cNvSpPr>
+          <p:nvPr>
+            <p:ph type="title"/>
+          </p:nvPr>
+        </p:nvSpPr>
+        <p:spPr>
+          <a:xfrm>
+            <a:off x="1103312" y="452718"/>
+            <a:ext cx="8947522" cy="1400530"/>
+          </a:xfrm>
+        </p:spPr>
+        <p:txBody>
+          <a:bodyPr anchor="ctr"/>
+          <a:lstStyle/>
+          <a:p>
+            <a:r>
+              <a:rPr lang="fr-CH" dirty="0"/>
+              <a:t>Améliorations</a:t>
+            </a:r>
+          </a:p>
+        </p:txBody>
+      </p:sp>
+      <p:sp>
+        <p:nvSpPr>
+          <p:cNvPr id="3" name="Espace réservé du contenu 2"/>
+          <p:cNvSpPr>
+            <a:spLocks noGrp="1"/>
+          </p:cNvSpPr>
+          <p:nvPr>
+            <p:ph idx="1"/>
+          </p:nvPr>
+        </p:nvSpPr>
+        <p:spPr/>
+        <p:txBody>
+          <a:bodyPr/>
+          <a:lstStyle/>
+          <a:p>
+            <a:endParaRPr lang="fr-CH" dirty="0"/>
+          </a:p>
+          <a:p>
+            <a:r>
+              <a:rPr lang="fr-CH" dirty="0"/>
+              <a:t>Utilisation d’autres capteurs</a:t>
+            </a:r>
+          </a:p>
+          <a:p>
+            <a:endParaRPr lang="fr-CH" dirty="0"/>
+          </a:p>
+          <a:p>
+            <a:r>
+              <a:rPr lang="fr-CH" dirty="0"/>
+              <a:t>Options supplémentaire pour l’historique des données</a:t>
+            </a:r>
+          </a:p>
+          <a:p>
+            <a:endParaRPr lang="fr-CH" dirty="0"/>
+          </a:p>
+          <a:p>
+            <a:r>
+              <a:rPr lang="fr-CH" dirty="0"/>
+              <a:t>Prédiction de données</a:t>
+            </a:r>
+          </a:p>
+          <a:p>
+            <a:endParaRPr lang="fr-CH" dirty="0"/>
+          </a:p>
+          <a:p>
+            <a:r>
+              <a:rPr lang="fr-CH" dirty="0"/>
+              <a:t>Fonctionnalités supplémentaire dans l’application C#</a:t>
+            </a:r>
+          </a:p>
+        </p:txBody>
+      </p:sp>
+      <p:sp>
+        <p:nvSpPr>
+          <p:cNvPr id="4" name="Espace réservé de la date 3"/>
+          <p:cNvSpPr>
+            <a:spLocks noGrp="1"/>
+          </p:cNvSpPr>
+          <p:nvPr>
+            <p:ph type="dt" sz="half" idx="10"/>
+          </p:nvPr>
+        </p:nvSpPr>
+        <p:spPr/>
+        <p:txBody>
+          <a:bodyPr/>
+          <a:lstStyle/>
+          <a:p>
+            <a:fld id="{08203CA6-1074-422C-89EB-1391B73CCDB7}" type="datetime1">
+              <a:rPr lang="fr-CH" smtClean="0"/>
+              <a:t>16.03.2021</a:t>
+            </a:fld>
+            <a:endParaRPr lang="en-US" dirty="0"/>
+          </a:p>
+        </p:txBody>
+      </p:sp>
+      <p:sp>
+        <p:nvSpPr>
+          <p:cNvPr id="5" name="Espace réservé du pied de page 4"/>
+          <p:cNvSpPr>
+            <a:spLocks noGrp="1"/>
+          </p:cNvSpPr>
+          <p:nvPr>
+            <p:ph type="ftr" sz="quarter" idx="11"/>
+          </p:nvPr>
+        </p:nvSpPr>
+        <p:spPr/>
+        <p:txBody>
+          <a:bodyPr/>
+          <a:lstStyle/>
+          <a:p>
+            <a:r>
+              <a:rPr lang="en-US" smtClean="0"/>
+              <a:t>Yoctopuce</a:t>
+            </a:r>
+            <a:endParaRPr lang="en-US" dirty="0"/>
+          </a:p>
+        </p:txBody>
+      </p:sp>
+      <p:sp>
+        <p:nvSpPr>
+          <p:cNvPr id="6" name="Espace réservé du numéro de diapositive 5"/>
+          <p:cNvSpPr>
+            <a:spLocks noGrp="1"/>
+          </p:cNvSpPr>
+          <p:nvPr>
+            <p:ph type="sldNum" sz="quarter" idx="12"/>
+          </p:nvPr>
+        </p:nvSpPr>
+        <p:spPr/>
+        <p:txBody>
+          <a:bodyPr/>
+          <a:lstStyle/>
+          <a:p>
+            <a:fld id="{D57F1E4F-1CFF-5643-939E-02111984F565}" type="slidenum">
+              <a:rPr lang="en-US" smtClean="0"/>
+              <a:t>13</a:t>
+            </a:fld>
+            <a:endParaRPr lang="en-US" dirty="0"/>
+          </a:p>
+        </p:txBody>
+      </p:sp>
+    </p:spTree>
+    <p:extLst>
+      <p:ext uri="{BB962C8B-B14F-4D97-AF65-F5344CB8AC3E}">
+        <p14:creationId xmlns:p14="http://schemas.microsoft.com/office/powerpoint/2010/main" val="3397203266"/>
+      </p:ext>
+    </p:extLst>
+  </p:cSld>
+  <p:clrMapOvr>
+    <a:masterClrMapping/>
+  </p:clrMapOvr>
+</p:sld>
+</file>
+
+<file path=ppt/slides/slide14.xml><?xml version="1.0" encoding="utf-8"?>
+<p:sld xmlns:a="http://schemas.openxmlformats.org/drawingml/2006/main" xmlns:r="http://schemas.openxmlformats.org/officeDocument/2006/relationships" xmlns:p="http://schemas.openxmlformats.org/presentationml/2006/main">
+  <p:cSld>
+    <p:spTree>
+      <p:nvGrpSpPr>
+        <p:cNvPr id="1" name=""/>
+        <p:cNvGrpSpPr/>
+        <p:nvPr/>
+      </p:nvGrpSpPr>
+      <p:grpSpPr>
+        <a:xfrm>
+          <a:off x="0" y="0"/>
+          <a:ext cx="0" cy="0"/>
+          <a:chOff x="0" y="0"/>
+          <a:chExt cx="0" cy="0"/>
+        </a:xfrm>
+      </p:grpSpPr>
+      <p:sp>
+        <p:nvSpPr>
+          <p:cNvPr id="2" name="Titre 1"/>
+          <p:cNvSpPr>
+            <a:spLocks noGrp="1"/>
+          </p:cNvSpPr>
+          <p:nvPr>
+            <p:ph type="ctrTitle"/>
+          </p:nvPr>
+        </p:nvSpPr>
+        <p:spPr>
+          <a:xfrm>
+            <a:off x="0" y="2596896"/>
+            <a:ext cx="12192001" cy="1531261"/>
+          </a:xfrm>
+        </p:spPr>
+        <p:txBody>
+          <a:bodyPr anchor="ctr"/>
+          <a:lstStyle/>
+          <a:p>
+            <a:pPr algn="ctr"/>
+            <a:r>
+              <a:rPr lang="fr-CH" dirty="0"/>
+              <a:t>Questions ?</a:t>
+            </a:r>
+          </a:p>
+        </p:txBody>
+      </p:sp>
+      <p:sp>
+        <p:nvSpPr>
+          <p:cNvPr id="3" name="Espace réservé de la date 2"/>
+          <p:cNvSpPr>
+            <a:spLocks noGrp="1"/>
+          </p:cNvSpPr>
+          <p:nvPr>
+            <p:ph type="dt" sz="half" idx="10"/>
+          </p:nvPr>
+        </p:nvSpPr>
+        <p:spPr/>
+        <p:txBody>
+          <a:bodyPr/>
+          <a:lstStyle/>
+          <a:p>
+            <a:fld id="{1668B992-B740-4549-8388-C4DB319B8012}" type="datetime1">
+              <a:rPr lang="fr-CH" smtClean="0"/>
+              <a:t>16.03.2021</a:t>
+            </a:fld>
+            <a:endParaRPr lang="en-US" dirty="0"/>
+          </a:p>
+        </p:txBody>
+      </p:sp>
+      <p:sp>
+        <p:nvSpPr>
+          <p:cNvPr id="4" name="Espace réservé du pied de page 3"/>
+          <p:cNvSpPr>
+            <a:spLocks noGrp="1"/>
+          </p:cNvSpPr>
+          <p:nvPr>
+            <p:ph type="ftr" sz="quarter" idx="11"/>
+          </p:nvPr>
+        </p:nvSpPr>
+        <p:spPr/>
+        <p:txBody>
+          <a:bodyPr/>
+          <a:lstStyle/>
+          <a:p>
+            <a:r>
+              <a:rPr lang="en-US" smtClean="0"/>
+              <a:t>Yoctopuce</a:t>
+            </a:r>
+            <a:endParaRPr lang="en-US" dirty="0"/>
+          </a:p>
+        </p:txBody>
+      </p:sp>
+      <p:sp>
+        <p:nvSpPr>
+          <p:cNvPr id="5" name="Espace réservé du numéro de diapositive 4"/>
+          <p:cNvSpPr>
+            <a:spLocks noGrp="1"/>
+          </p:cNvSpPr>
+          <p:nvPr>
+            <p:ph type="sldNum" sz="quarter" idx="12"/>
+          </p:nvPr>
+        </p:nvSpPr>
+        <p:spPr/>
+        <p:txBody>
+          <a:bodyPr/>
+          <a:lstStyle/>
+          <a:p>
+            <a:fld id="{D57F1E4F-1CFF-5643-939E-02111984F565}" type="slidenum">
+              <a:rPr lang="en-US" smtClean="0"/>
+              <a:t>14</a:t>
+            </a:fld>
+            <a:endParaRPr lang="en-US" dirty="0"/>
+          </a:p>
+        </p:txBody>
+      </p:sp>
+    </p:spTree>
+    <p:extLst>
+      <p:ext uri="{BB962C8B-B14F-4D97-AF65-F5344CB8AC3E}">
+        <p14:creationId xmlns:p14="http://schemas.microsoft.com/office/powerpoint/2010/main" val="2421965393"/>
+      </p:ext>
+    </p:extLst>
+  </p:cSld>
+  <p:clrMapOvr>
+    <a:masterClrMapping/>
+  </p:clrMapOvr>
+</p:sld>
+</file>
+
+<file path=ppt/slides/slide15.xml><?xml version="1.0" encoding="utf-8"?>
+<p:sld xmlns:a="http://schemas.openxmlformats.org/drawingml/2006/main" xmlns:r="http://schemas.openxmlformats.org/officeDocument/2006/relationships" xmlns:p="http://schemas.openxmlformats.org/presentationml/2006/main">
+  <p:cSld>
+    <p:spTree>
+      <p:nvGrpSpPr>
+        <p:cNvPr id="1" name=""/>
+        <p:cNvGrpSpPr/>
+        <p:nvPr/>
+      </p:nvGrpSpPr>
+      <p:grpSpPr>
+        <a:xfrm>
+          <a:off x="0" y="0"/>
+          <a:ext cx="0" cy="0"/>
+          <a:chOff x="0" y="0"/>
+          <a:chExt cx="0" cy="0"/>
+        </a:xfrm>
+      </p:grpSpPr>
+      <p:sp>
+        <p:nvSpPr>
+          <p:cNvPr id="2" name="Espace réservé de la date 1"/>
+          <p:cNvSpPr>
+            <a:spLocks noGrp="1"/>
+          </p:cNvSpPr>
+          <p:nvPr>
+            <p:ph type="dt" sz="half" idx="10"/>
+          </p:nvPr>
+        </p:nvSpPr>
+        <p:spPr/>
+        <p:txBody>
+          <a:bodyPr/>
+          <a:lstStyle/>
+          <a:p>
+            <a:fld id="{F9287B6E-ED2D-4BC8-89EB-85CCE5047210}" type="datetime1">
+              <a:rPr lang="fr-CH" smtClean="0"/>
+              <a:t>16.03.2021</a:t>
+            </a:fld>
+            <a:endParaRPr lang="en-US" dirty="0"/>
+          </a:p>
+        </p:txBody>
+      </p:sp>
+      <p:sp>
+        <p:nvSpPr>
+          <p:cNvPr id="3" name="Espace réservé du pied de page 2"/>
+          <p:cNvSpPr>
+            <a:spLocks noGrp="1"/>
+          </p:cNvSpPr>
+          <p:nvPr>
+            <p:ph type="ftr" sz="quarter" idx="11"/>
+          </p:nvPr>
+        </p:nvSpPr>
+        <p:spPr/>
+        <p:txBody>
+          <a:bodyPr/>
+          <a:lstStyle/>
+          <a:p>
+            <a:r>
+              <a:rPr lang="en-US" smtClean="0"/>
+              <a:t>Yoctopuce</a:t>
+            </a:r>
+            <a:endParaRPr lang="en-US" dirty="0"/>
+          </a:p>
+        </p:txBody>
+      </p:sp>
+      <p:sp>
+        <p:nvSpPr>
+          <p:cNvPr id="4" name="Espace réservé du numéro de diapositive 3"/>
+          <p:cNvSpPr>
+            <a:spLocks noGrp="1"/>
+          </p:cNvSpPr>
+          <p:nvPr>
+            <p:ph type="sldNum" sz="quarter" idx="12"/>
+          </p:nvPr>
+        </p:nvSpPr>
+        <p:spPr/>
+        <p:txBody>
+          <a:bodyPr/>
+          <a:lstStyle/>
+          <a:p>
+            <a:fld id="{D57F1E4F-1CFF-5643-939E-02111984F565}" type="slidenum">
+              <a:rPr lang="en-US" smtClean="0"/>
+              <a:t>15</a:t>
+            </a:fld>
+            <a:endParaRPr lang="en-US" dirty="0"/>
+          </a:p>
+        </p:txBody>
+      </p:sp>
     </p:spTree>
     <p:extLst>
       <p:ext uri="{BB962C8B-B14F-4D97-AF65-F5344CB8AC3E}">
@@ -3328,8 +4456,8 @@
         </p:nvSpPr>
         <p:spPr>
           <a:xfrm>
-            <a:off x="1154955" y="2148840"/>
-            <a:ext cx="8825658" cy="2628541"/>
+            <a:off x="1683171" y="2130553"/>
+            <a:ext cx="8825658" cy="1645920"/>
           </a:xfrm>
         </p:spPr>
         <p:txBody>
@@ -3355,7 +4483,7 @@
         </p:nvSpPr>
         <p:spPr>
           <a:xfrm>
-            <a:off x="1154955" y="4722516"/>
+            <a:off x="1683171" y="3643524"/>
             <a:ext cx="8825658" cy="861420"/>
           </a:xfrm>
         </p:spPr>
@@ -3369,6 +4497,75 @@
               <a:rPr lang="fr-CH" sz="1400" dirty="0"/>
               <a:t>Charneco, meissner, Oliveira, stähli</a:t>
             </a:r>
+          </a:p>
+        </p:txBody>
+      </p:sp>
+      <p:sp>
+        <p:nvSpPr>
+          <p:cNvPr id="4" name="Espace réservé de la date 3"/>
+          <p:cNvSpPr>
+            <a:spLocks noGrp="1"/>
+          </p:cNvSpPr>
+          <p:nvPr>
+            <p:ph type="dt" sz="half" idx="10"/>
+          </p:nvPr>
+        </p:nvSpPr>
+        <p:spPr/>
+        <p:txBody>
+          <a:bodyPr/>
+          <a:lstStyle/>
+          <a:p>
+            <a:fld id="{FB5E997D-2F0B-4B26-9BB8-CA7B7B37AFFE}" type="datetime1">
+              <a:rPr lang="fr-CH" smtClean="0"/>
+              <a:t>16.03.2021</a:t>
+            </a:fld>
+            <a:endParaRPr lang="en-US" dirty="0"/>
+          </a:p>
+        </p:txBody>
+      </p:sp>
+      <p:sp>
+        <p:nvSpPr>
+          <p:cNvPr id="5" name="Espace réservé du pied de page 4"/>
+          <p:cNvSpPr>
+            <a:spLocks noGrp="1"/>
+          </p:cNvSpPr>
+          <p:nvPr>
+            <p:ph type="ftr" sz="quarter" idx="11"/>
+          </p:nvPr>
+        </p:nvSpPr>
+        <p:spPr/>
+        <p:txBody>
+          <a:bodyPr/>
+          <a:lstStyle/>
+          <a:p>
+            <a:r>
+              <a:rPr lang="en-US" smtClean="0"/>
+              <a:t>Yoctopuce</a:t>
+            </a:r>
+            <a:endParaRPr lang="en-US" dirty="0"/>
+          </a:p>
+        </p:txBody>
+      </p:sp>
+      <p:sp>
+        <p:nvSpPr>
+          <p:cNvPr id="6" name="Espace réservé du numéro de diapositive 5"/>
+          <p:cNvSpPr>
+            <a:spLocks noGrp="1"/>
+          </p:cNvSpPr>
+          <p:nvPr>
+            <p:ph type="sldNum" sz="quarter" idx="12"/>
+          </p:nvPr>
+        </p:nvSpPr>
+        <p:spPr/>
+        <p:txBody>
+          <a:bodyPr/>
+          <a:lstStyle/>
+          <a:p>
+            <a:fld id="{D57F1E4F-1CFF-5643-939E-02111984F565}" type="slidenum">
+              <a:rPr lang="en-US" smtClean="0"/>
+              <a:t>2</a:t>
+            </a:fld>
+            <a:endParaRPr lang="en-US" dirty="0"/>
           </a:p>
         </p:txBody>
       </p:sp>
@@ -3486,6 +4683,75 @@
           </a:p>
           <a:p>
             <a:endParaRPr lang="fr-CH" dirty="0"/>
+          </a:p>
+        </p:txBody>
+      </p:sp>
+      <p:sp>
+        <p:nvSpPr>
+          <p:cNvPr id="4" name="Espace réservé de la date 3"/>
+          <p:cNvSpPr>
+            <a:spLocks noGrp="1"/>
+          </p:cNvSpPr>
+          <p:nvPr>
+            <p:ph type="dt" sz="half" idx="10"/>
+          </p:nvPr>
+        </p:nvSpPr>
+        <p:spPr/>
+        <p:txBody>
+          <a:bodyPr/>
+          <a:lstStyle/>
+          <a:p>
+            <a:fld id="{D8B82756-515F-428F-B927-816FC0681BE9}" type="datetime1">
+              <a:rPr lang="fr-CH" smtClean="0"/>
+              <a:t>16.03.2021</a:t>
+            </a:fld>
+            <a:endParaRPr lang="en-US" dirty="0"/>
+          </a:p>
+        </p:txBody>
+      </p:sp>
+      <p:sp>
+        <p:nvSpPr>
+          <p:cNvPr id="5" name="Espace réservé du pied de page 4"/>
+          <p:cNvSpPr>
+            <a:spLocks noGrp="1"/>
+          </p:cNvSpPr>
+          <p:nvPr>
+            <p:ph type="ftr" sz="quarter" idx="11"/>
+          </p:nvPr>
+        </p:nvSpPr>
+        <p:spPr/>
+        <p:txBody>
+          <a:bodyPr/>
+          <a:lstStyle/>
+          <a:p>
+            <a:r>
+              <a:rPr lang="en-US" smtClean="0"/>
+              <a:t>Yoctopuce</a:t>
+            </a:r>
+            <a:endParaRPr lang="en-US" dirty="0"/>
+          </a:p>
+        </p:txBody>
+      </p:sp>
+      <p:sp>
+        <p:nvSpPr>
+          <p:cNvPr id="6" name="Espace réservé du numéro de diapositive 5"/>
+          <p:cNvSpPr>
+            <a:spLocks noGrp="1"/>
+          </p:cNvSpPr>
+          <p:nvPr>
+            <p:ph type="sldNum" sz="quarter" idx="12"/>
+          </p:nvPr>
+        </p:nvSpPr>
+        <p:spPr/>
+        <p:txBody>
+          <a:bodyPr/>
+          <a:lstStyle/>
+          <a:p>
+            <a:fld id="{D57F1E4F-1CFF-5643-939E-02111984F565}" type="slidenum">
+              <a:rPr lang="en-US" smtClean="0"/>
+              <a:t>3</a:t>
+            </a:fld>
+            <a:endParaRPr lang="en-US" dirty="0"/>
           </a:p>
         </p:txBody>
       </p:sp>
@@ -4373,6 +5639,75 @@
           </a:graphicData>
         </a:graphic>
       </p:graphicFrame>
+      <p:sp>
+        <p:nvSpPr>
+          <p:cNvPr id="5" name="Espace réservé de la date 4"/>
+          <p:cNvSpPr>
+            <a:spLocks noGrp="1"/>
+          </p:cNvSpPr>
+          <p:nvPr>
+            <p:ph type="dt" sz="half" idx="10"/>
+          </p:nvPr>
+        </p:nvSpPr>
+        <p:spPr/>
+        <p:txBody>
+          <a:bodyPr/>
+          <a:lstStyle/>
+          <a:p>
+            <a:fld id="{F4A15294-26EE-446F-B23A-41CD9CE5F2E5}" type="datetime1">
+              <a:rPr lang="fr-CH" smtClean="0"/>
+              <a:t>16.03.2021</a:t>
+            </a:fld>
+            <a:endParaRPr lang="en-US" dirty="0"/>
+          </a:p>
+        </p:txBody>
+      </p:sp>
+      <p:sp>
+        <p:nvSpPr>
+          <p:cNvPr id="6" name="Espace réservé du pied de page 5"/>
+          <p:cNvSpPr>
+            <a:spLocks noGrp="1"/>
+          </p:cNvSpPr>
+          <p:nvPr>
+            <p:ph type="ftr" sz="quarter" idx="11"/>
+          </p:nvPr>
+        </p:nvSpPr>
+        <p:spPr/>
+        <p:txBody>
+          <a:bodyPr/>
+          <a:lstStyle/>
+          <a:p>
+            <a:r>
+              <a:rPr lang="en-US" smtClean="0"/>
+              <a:t>Yoctopuce</a:t>
+            </a:r>
+            <a:endParaRPr lang="en-US" dirty="0"/>
+          </a:p>
+        </p:txBody>
+      </p:sp>
+      <p:sp>
+        <p:nvSpPr>
+          <p:cNvPr id="7" name="Espace réservé du numéro de diapositive 6"/>
+          <p:cNvSpPr>
+            <a:spLocks noGrp="1"/>
+          </p:cNvSpPr>
+          <p:nvPr>
+            <p:ph type="sldNum" sz="quarter" idx="12"/>
+          </p:nvPr>
+        </p:nvSpPr>
+        <p:spPr/>
+        <p:txBody>
+          <a:bodyPr/>
+          <a:lstStyle/>
+          <a:p>
+            <a:fld id="{D57F1E4F-1CFF-5643-939E-02111984F565}" type="slidenum">
+              <a:rPr lang="en-US" smtClean="0"/>
+              <a:t>4</a:t>
+            </a:fld>
+            <a:endParaRPr lang="en-US" dirty="0"/>
+          </a:p>
+        </p:txBody>
+      </p:sp>
     </p:spTree>
     <p:extLst>
       <p:ext uri="{BB962C8B-B14F-4D97-AF65-F5344CB8AC3E}">
@@ -4431,6 +5766,75 @@
           </a:p>
         </p:txBody>
       </p:sp>
+      <p:sp>
+        <p:nvSpPr>
+          <p:cNvPr id="3" name="Espace réservé de la date 2"/>
+          <p:cNvSpPr>
+            <a:spLocks noGrp="1"/>
+          </p:cNvSpPr>
+          <p:nvPr>
+            <p:ph type="dt" sz="half" idx="10"/>
+          </p:nvPr>
+        </p:nvSpPr>
+        <p:spPr/>
+        <p:txBody>
+          <a:bodyPr/>
+          <a:lstStyle/>
+          <a:p>
+            <a:fld id="{DA97F77B-0DE9-43CD-B10A-75B86430BEFC}" type="datetime1">
+              <a:rPr lang="fr-CH" smtClean="0"/>
+              <a:t>16.03.2021</a:t>
+            </a:fld>
+            <a:endParaRPr lang="en-US" dirty="0"/>
+          </a:p>
+        </p:txBody>
+      </p:sp>
+      <p:sp>
+        <p:nvSpPr>
+          <p:cNvPr id="4" name="Espace réservé du pied de page 3"/>
+          <p:cNvSpPr>
+            <a:spLocks noGrp="1"/>
+          </p:cNvSpPr>
+          <p:nvPr>
+            <p:ph type="ftr" sz="quarter" idx="11"/>
+          </p:nvPr>
+        </p:nvSpPr>
+        <p:spPr/>
+        <p:txBody>
+          <a:bodyPr/>
+          <a:lstStyle/>
+          <a:p>
+            <a:r>
+              <a:rPr lang="en-US" smtClean="0"/>
+              <a:t>Yoctopuce</a:t>
+            </a:r>
+            <a:endParaRPr lang="en-US" dirty="0"/>
+          </a:p>
+        </p:txBody>
+      </p:sp>
+      <p:sp>
+        <p:nvSpPr>
+          <p:cNvPr id="5" name="Espace réservé du numéro de diapositive 4"/>
+          <p:cNvSpPr>
+            <a:spLocks noGrp="1"/>
+          </p:cNvSpPr>
+          <p:nvPr>
+            <p:ph type="sldNum" sz="quarter" idx="12"/>
+          </p:nvPr>
+        </p:nvSpPr>
+        <p:spPr/>
+        <p:txBody>
+          <a:bodyPr/>
+          <a:lstStyle/>
+          <a:p>
+            <a:fld id="{D57F1E4F-1CFF-5643-939E-02111984F565}" type="slidenum">
+              <a:rPr lang="en-US" smtClean="0"/>
+              <a:t>5</a:t>
+            </a:fld>
+            <a:endParaRPr lang="en-US" dirty="0"/>
+          </a:p>
+        </p:txBody>
+      </p:sp>
     </p:spTree>
     <p:extLst>
       <p:ext uri="{BB962C8B-B14F-4D97-AF65-F5344CB8AC3E}">
@@ -4607,6 +6011,75 @@
               <a:rPr lang="fr-CH" dirty="0"/>
               <a:t>Slate</a:t>
             </a:r>
+          </a:p>
+        </p:txBody>
+      </p:sp>
+      <p:sp>
+        <p:nvSpPr>
+          <p:cNvPr id="5" name="Espace réservé de la date 4"/>
+          <p:cNvSpPr>
+            <a:spLocks noGrp="1"/>
+          </p:cNvSpPr>
+          <p:nvPr>
+            <p:ph type="dt" sz="half" idx="10"/>
+          </p:nvPr>
+        </p:nvSpPr>
+        <p:spPr/>
+        <p:txBody>
+          <a:bodyPr/>
+          <a:lstStyle/>
+          <a:p>
+            <a:fld id="{5165153D-EC2E-4365-80BF-C9682DEA56C1}" type="datetime1">
+              <a:rPr lang="fr-CH" smtClean="0"/>
+              <a:t>16.03.2021</a:t>
+            </a:fld>
+            <a:endParaRPr lang="en-US" dirty="0"/>
+          </a:p>
+        </p:txBody>
+      </p:sp>
+      <p:sp>
+        <p:nvSpPr>
+          <p:cNvPr id="6" name="Espace réservé du pied de page 5"/>
+          <p:cNvSpPr>
+            <a:spLocks noGrp="1"/>
+          </p:cNvSpPr>
+          <p:nvPr>
+            <p:ph type="ftr" sz="quarter" idx="11"/>
+          </p:nvPr>
+        </p:nvSpPr>
+        <p:spPr/>
+        <p:txBody>
+          <a:bodyPr/>
+          <a:lstStyle/>
+          <a:p>
+            <a:r>
+              <a:rPr lang="en-US" smtClean="0"/>
+              <a:t>Yoctopuce</a:t>
+            </a:r>
+            <a:endParaRPr lang="en-US" dirty="0"/>
+          </a:p>
+        </p:txBody>
+      </p:sp>
+      <p:sp>
+        <p:nvSpPr>
+          <p:cNvPr id="7" name="Espace réservé du numéro de diapositive 6"/>
+          <p:cNvSpPr>
+            <a:spLocks noGrp="1"/>
+          </p:cNvSpPr>
+          <p:nvPr>
+            <p:ph type="sldNum" sz="quarter" idx="12"/>
+          </p:nvPr>
+        </p:nvSpPr>
+        <p:spPr/>
+        <p:txBody>
+          <a:bodyPr/>
+          <a:lstStyle/>
+          <a:p>
+            <a:fld id="{D57F1E4F-1CFF-5643-939E-02111984F565}" type="slidenum">
+              <a:rPr lang="en-US" smtClean="0"/>
+              <a:t>6</a:t>
+            </a:fld>
+            <a:endParaRPr lang="en-US" dirty="0"/>
           </a:p>
         </p:txBody>
       </p:sp>
@@ -5462,6 +6935,75 @@
           </a:p>
         </p:txBody>
       </p:sp>
+      <p:sp>
+        <p:nvSpPr>
+          <p:cNvPr id="6" name="Espace réservé de la date 5"/>
+          <p:cNvSpPr>
+            <a:spLocks noGrp="1"/>
+          </p:cNvSpPr>
+          <p:nvPr>
+            <p:ph type="dt" sz="half" idx="10"/>
+          </p:nvPr>
+        </p:nvSpPr>
+        <p:spPr/>
+        <p:txBody>
+          <a:bodyPr/>
+          <a:lstStyle/>
+          <a:p>
+            <a:fld id="{239DC089-C9CD-4620-8366-FD6A032A413F}" type="datetime1">
+              <a:rPr lang="fr-CH" smtClean="0"/>
+              <a:t>16.03.2021</a:t>
+            </a:fld>
+            <a:endParaRPr lang="en-US" dirty="0"/>
+          </a:p>
+        </p:txBody>
+      </p:sp>
+      <p:sp>
+        <p:nvSpPr>
+          <p:cNvPr id="17" name="Espace réservé du pied de page 16"/>
+          <p:cNvSpPr>
+            <a:spLocks noGrp="1"/>
+          </p:cNvSpPr>
+          <p:nvPr>
+            <p:ph type="ftr" sz="quarter" idx="11"/>
+          </p:nvPr>
+        </p:nvSpPr>
+        <p:spPr/>
+        <p:txBody>
+          <a:bodyPr/>
+          <a:lstStyle/>
+          <a:p>
+            <a:r>
+              <a:rPr lang="en-US" smtClean="0"/>
+              <a:t>Yoctopuce</a:t>
+            </a:r>
+            <a:endParaRPr lang="en-US" dirty="0"/>
+          </a:p>
+        </p:txBody>
+      </p:sp>
+      <p:sp>
+        <p:nvSpPr>
+          <p:cNvPr id="20" name="Espace réservé du numéro de diapositive 19"/>
+          <p:cNvSpPr>
+            <a:spLocks noGrp="1"/>
+          </p:cNvSpPr>
+          <p:nvPr>
+            <p:ph type="sldNum" sz="quarter" idx="12"/>
+          </p:nvPr>
+        </p:nvSpPr>
+        <p:spPr/>
+        <p:txBody>
+          <a:bodyPr/>
+          <a:lstStyle/>
+          <a:p>
+            <a:fld id="{D57F1E4F-1CFF-5643-939E-02111984F565}" type="slidenum">
+              <a:rPr lang="en-US" smtClean="0"/>
+              <a:t>7</a:t>
+            </a:fld>
+            <a:endParaRPr lang="en-US" dirty="0"/>
+          </a:p>
+        </p:txBody>
+      </p:sp>
     </p:spTree>
     <p:extLst>
       <p:ext uri="{BB962C8B-B14F-4D97-AF65-F5344CB8AC3E}">
@@ -5476,6 +7018,157 @@
 </file>
 
 <file path=ppt/slides/slide8.xml><?xml version="1.0" encoding="utf-8"?>
+<p:sld xmlns:a="http://schemas.openxmlformats.org/drawingml/2006/main" xmlns:r="http://schemas.openxmlformats.org/officeDocument/2006/relationships" xmlns:p="http://schemas.openxmlformats.org/presentationml/2006/main">
+  <p:cSld>
+    <p:spTree>
+      <p:nvGrpSpPr>
+        <p:cNvPr id="1" name=""/>
+        <p:cNvGrpSpPr/>
+        <p:nvPr/>
+      </p:nvGrpSpPr>
+      <p:grpSpPr>
+        <a:xfrm>
+          <a:off x="0" y="0"/>
+          <a:ext cx="0" cy="0"/>
+          <a:chOff x="0" y="0"/>
+          <a:chExt cx="0" cy="0"/>
+        </a:xfrm>
+      </p:grpSpPr>
+      <p:sp>
+        <p:nvSpPr>
+          <p:cNvPr id="2" name="Titre 1"/>
+          <p:cNvSpPr>
+            <a:spLocks noGrp="1"/>
+          </p:cNvSpPr>
+          <p:nvPr>
+            <p:ph type="title"/>
+          </p:nvPr>
+        </p:nvSpPr>
+        <p:spPr/>
+        <p:txBody>
+          <a:bodyPr/>
+          <a:lstStyle/>
+          <a:p>
+            <a:r>
+              <a:rPr lang="fr-CH" dirty="0" smtClean="0"/>
+              <a:t>Base de données</a:t>
+            </a:r>
+            <a:endParaRPr lang="fr-CH" dirty="0"/>
+          </a:p>
+        </p:txBody>
+      </p:sp>
+      <p:pic>
+        <p:nvPicPr>
+          <p:cNvPr id="7" name="Espace réservé du contenu 6"/>
+          <p:cNvPicPr>
+            <a:picLocks noGrp="1" noChangeAspect="1"/>
+          </p:cNvPicPr>
+          <p:nvPr>
+            <p:ph idx="1"/>
+          </p:nvPr>
+        </p:nvPicPr>
+        <p:blipFill>
+          <a:blip r:embed="rId2">
+            <a:extLst>
+              <a:ext uri="{28A0092B-C50C-407E-A947-70E740481C1C}">
+                <a14:useLocalDpi xmlns:a14="http://schemas.microsoft.com/office/drawing/2010/main" val="0"/>
+              </a:ext>
+            </a:extLst>
+          </a:blip>
+          <a:stretch>
+            <a:fillRect/>
+          </a:stretch>
+        </p:blipFill>
+        <p:spPr>
+          <a:xfrm>
+            <a:off x="6010465" y="1027906"/>
+            <a:ext cx="4761167" cy="4895600"/>
+          </a:xfrm>
+        </p:spPr>
+      </p:pic>
+      <p:sp>
+        <p:nvSpPr>
+          <p:cNvPr id="4" name="Espace réservé de la date 3"/>
+          <p:cNvSpPr>
+            <a:spLocks noGrp="1"/>
+          </p:cNvSpPr>
+          <p:nvPr>
+            <p:ph type="dt" sz="half" idx="10"/>
+          </p:nvPr>
+        </p:nvSpPr>
+        <p:spPr/>
+        <p:txBody>
+          <a:bodyPr/>
+          <a:lstStyle/>
+          <a:p>
+            <a:fld id="{185EBD5E-7583-4A18-BD25-43DFA19EEB8A}" type="datetime1">
+              <a:rPr lang="fr-CH" smtClean="0"/>
+              <a:t>16.03.2021</a:t>
+            </a:fld>
+            <a:endParaRPr lang="en-US" dirty="0"/>
+          </a:p>
+        </p:txBody>
+      </p:sp>
+      <p:sp>
+        <p:nvSpPr>
+          <p:cNvPr id="5" name="Espace réservé du pied de page 4"/>
+          <p:cNvSpPr>
+            <a:spLocks noGrp="1"/>
+          </p:cNvSpPr>
+          <p:nvPr>
+            <p:ph type="ftr" sz="quarter" idx="11"/>
+          </p:nvPr>
+        </p:nvSpPr>
+        <p:spPr/>
+        <p:txBody>
+          <a:bodyPr/>
+          <a:lstStyle/>
+          <a:p>
+            <a:r>
+              <a:rPr lang="en-US" smtClean="0"/>
+              <a:t>Yoctopuce</a:t>
+            </a:r>
+            <a:endParaRPr lang="en-US" dirty="0"/>
+          </a:p>
+        </p:txBody>
+      </p:sp>
+      <p:sp>
+        <p:nvSpPr>
+          <p:cNvPr id="6" name="Espace réservé du numéro de diapositive 5"/>
+          <p:cNvSpPr>
+            <a:spLocks noGrp="1"/>
+          </p:cNvSpPr>
+          <p:nvPr>
+            <p:ph type="sldNum" sz="quarter" idx="12"/>
+          </p:nvPr>
+        </p:nvSpPr>
+        <p:spPr/>
+        <p:txBody>
+          <a:bodyPr/>
+          <a:lstStyle/>
+          <a:p>
+            <a:fld id="{D57F1E4F-1CFF-5643-939E-02111984F565}" type="slidenum">
+              <a:rPr lang="en-US" smtClean="0"/>
+              <a:t>8</a:t>
+            </a:fld>
+            <a:endParaRPr lang="en-US" dirty="0"/>
+          </a:p>
+        </p:txBody>
+      </p:sp>
+    </p:spTree>
+    <p:extLst>
+      <p:ext uri="{BB962C8B-B14F-4D97-AF65-F5344CB8AC3E}">
+        <p14:creationId xmlns:p14="http://schemas.microsoft.com/office/powerpoint/2010/main" val="2817317737"/>
+      </p:ext>
+    </p:extLst>
+  </p:cSld>
+  <p:clrMapOvr>
+    <a:masterClrMapping/>
+  </p:clrMapOvr>
+</p:sld>
+</file>
+
+<file path=ppt/slides/slide9.xml><?xml version="1.0" encoding="utf-8"?>
 <p:sld xmlns:a="http://schemas.openxmlformats.org/drawingml/2006/main" xmlns:r="http://schemas.openxmlformats.org/officeDocument/2006/relationships" xmlns:p="http://schemas.openxmlformats.org/presentationml/2006/main">
   <p:cSld>
     <p:spTree>
@@ -6374,132 +8067,79 @@
           </a:p>
         </p:txBody>
       </p:sp>
+      <p:sp>
+        <p:nvSpPr>
+          <p:cNvPr id="4" name="Espace réservé de la date 3"/>
+          <p:cNvSpPr>
+            <a:spLocks noGrp="1"/>
+          </p:cNvSpPr>
+          <p:nvPr>
+            <p:ph type="dt" sz="half" idx="10"/>
+          </p:nvPr>
+        </p:nvSpPr>
+        <p:spPr/>
+        <p:txBody>
+          <a:bodyPr/>
+          <a:lstStyle/>
+          <a:p>
+            <a:fld id="{ED4143AD-9665-407F-9B2D-739A94DE4170}" type="datetime1">
+              <a:rPr lang="fr-CH" smtClean="0"/>
+              <a:t>16.03.2021</a:t>
+            </a:fld>
+            <a:endParaRPr lang="en-US" dirty="0"/>
+          </a:p>
+        </p:txBody>
+      </p:sp>
+      <p:sp>
+        <p:nvSpPr>
+          <p:cNvPr id="10" name="Espace réservé du pied de page 9"/>
+          <p:cNvSpPr>
+            <a:spLocks noGrp="1"/>
+          </p:cNvSpPr>
+          <p:nvPr>
+            <p:ph type="ftr" sz="quarter" idx="11"/>
+          </p:nvPr>
+        </p:nvSpPr>
+        <p:spPr/>
+        <p:txBody>
+          <a:bodyPr/>
+          <a:lstStyle/>
+          <a:p>
+            <a:r>
+              <a:rPr lang="en-US" smtClean="0"/>
+              <a:t>Yoctopuce</a:t>
+            </a:r>
+            <a:endParaRPr lang="en-US" dirty="0"/>
+          </a:p>
+        </p:txBody>
+      </p:sp>
+      <p:sp>
+        <p:nvSpPr>
+          <p:cNvPr id="11" name="Espace réservé du numéro de diapositive 10"/>
+          <p:cNvSpPr>
+            <a:spLocks noGrp="1"/>
+          </p:cNvSpPr>
+          <p:nvPr>
+            <p:ph type="sldNum" sz="quarter" idx="12"/>
+          </p:nvPr>
+        </p:nvSpPr>
+        <p:spPr/>
+        <p:txBody>
+          <a:bodyPr/>
+          <a:lstStyle/>
+          <a:p>
+            <a:fld id="{D57F1E4F-1CFF-5643-939E-02111984F565}" type="slidenum">
+              <a:rPr lang="en-US" smtClean="0"/>
+              <a:t>9</a:t>
+            </a:fld>
+            <a:endParaRPr lang="en-US" dirty="0"/>
+          </a:p>
+        </p:txBody>
+      </p:sp>
     </p:spTree>
     <p:extLst>
       <p:ext uri="{BB962C8B-B14F-4D97-AF65-F5344CB8AC3E}">
         <p14:creationId xmlns:p14="http://schemas.microsoft.com/office/powerpoint/2010/main" val="2833732835"/>
-      </p:ext>
-    </p:extLst>
-  </p:cSld>
-  <p:clrMapOvr>
-    <a:masterClrMapping/>
-  </p:clrMapOvr>
-</p:sld>
-</file>
-
-<file path=ppt/slides/slide9.xml><?xml version="1.0" encoding="utf-8"?>
-<p:sld xmlns:a="http://schemas.openxmlformats.org/drawingml/2006/main" xmlns:r="http://schemas.openxmlformats.org/officeDocument/2006/relationships" xmlns:p="http://schemas.openxmlformats.org/presentationml/2006/main">
-  <p:cSld>
-    <p:spTree>
-      <p:nvGrpSpPr>
-        <p:cNvPr id="1" name=""/>
-        <p:cNvGrpSpPr/>
-        <p:nvPr/>
-      </p:nvGrpSpPr>
-      <p:grpSpPr>
-        <a:xfrm>
-          <a:off x="0" y="0"/>
-          <a:ext cx="0" cy="0"/>
-          <a:chOff x="0" y="0"/>
-          <a:chExt cx="0" cy="0"/>
-        </a:xfrm>
-      </p:grpSpPr>
-      <p:sp>
-        <p:nvSpPr>
-          <p:cNvPr id="2" name="Titre 1"/>
-          <p:cNvSpPr>
-            <a:spLocks noGrp="1"/>
-          </p:cNvSpPr>
-          <p:nvPr>
-            <p:ph type="title"/>
-          </p:nvPr>
-        </p:nvSpPr>
-        <p:spPr>
-          <a:xfrm>
-            <a:off x="1103312" y="452718"/>
-            <a:ext cx="8947522" cy="1400530"/>
-          </a:xfrm>
-        </p:spPr>
-        <p:txBody>
-          <a:bodyPr anchor="ctr"/>
-          <a:lstStyle/>
-          <a:p>
-            <a:r>
-              <a:rPr lang="fr-CH" dirty="0"/>
-              <a:t>Travail attendu / réalisé</a:t>
-            </a:r>
-          </a:p>
-        </p:txBody>
-      </p:sp>
-      <p:sp>
-        <p:nvSpPr>
-          <p:cNvPr id="3" name="Espace réservé du contenu 2"/>
-          <p:cNvSpPr>
-            <a:spLocks noGrp="1"/>
-          </p:cNvSpPr>
-          <p:nvPr>
-            <p:ph idx="1"/>
-          </p:nvPr>
-        </p:nvSpPr>
-        <p:spPr/>
-        <p:txBody>
-          <a:bodyPr/>
-          <a:lstStyle/>
-          <a:p>
-            <a:endParaRPr lang="fr-CH" dirty="0"/>
-          </a:p>
-          <a:p>
-            <a:r>
-              <a:rPr lang="fr-CH" dirty="0"/>
-              <a:t>Attendu</a:t>
-            </a:r>
-          </a:p>
-          <a:p>
-            <a:pPr lvl="1"/>
-            <a:r>
-              <a:rPr lang="fr-CH" dirty="0"/>
-              <a:t>Application C# qui récupère les données des capteurs</a:t>
-            </a:r>
-          </a:p>
-          <a:p>
-            <a:pPr marL="0" indent="0">
-              <a:buNone/>
-            </a:pPr>
-            <a:endParaRPr lang="fr-CH" dirty="0"/>
-          </a:p>
-          <a:p>
-            <a:r>
-              <a:rPr lang="fr-CH" dirty="0"/>
-              <a:t>Réalisé</a:t>
-            </a:r>
-          </a:p>
-          <a:p>
-            <a:pPr lvl="1"/>
-            <a:r>
-              <a:rPr lang="fr-CH" dirty="0"/>
-              <a:t>Base de données pour le stockage</a:t>
-            </a:r>
-          </a:p>
-          <a:p>
-            <a:pPr lvl="1"/>
-            <a:r>
-              <a:rPr lang="fr-CH" dirty="0"/>
-              <a:t>API pour récupérer les données</a:t>
-            </a:r>
-          </a:p>
-          <a:p>
-            <a:pPr lvl="1"/>
-            <a:r>
-              <a:rPr lang="fr-CH" dirty="0"/>
-              <a:t>Page web pour afficher les données</a:t>
-            </a:r>
-          </a:p>
-        </p:txBody>
-      </p:sp>
-    </p:spTree>
-    <p:extLst>
-      <p:ext uri="{BB962C8B-B14F-4D97-AF65-F5344CB8AC3E}">
-        <p14:creationId xmlns:p14="http://schemas.microsoft.com/office/powerpoint/2010/main" val="615790829"/>
       </p:ext>
     </p:extLst>
   </p:cSld>
@@ -6768,4 +8408,265 @@
     </a:ext>
   </a:extLst>
 </a:theme>
+</file>
+
+<file path=ppt/theme/theme2.xml><?xml version="1.0" encoding="utf-8"?>
+<a:theme xmlns:a="http://schemas.openxmlformats.org/drawingml/2006/main" name="Thème Office">
+  <a:themeElements>
+    <a:clrScheme name="Office">
+      <a:dk1>
+        <a:sysClr val="windowText" lastClr="000000"/>
+      </a:dk1>
+      <a:lt1>
+        <a:sysClr val="window" lastClr="FFFFFF"/>
+      </a:lt1>
+      <a:dk2>
+        <a:srgbClr val="44546A"/>
+      </a:dk2>
+      <a:lt2>
+        <a:srgbClr val="E7E6E6"/>
+      </a:lt2>
+      <a:accent1>
+        <a:srgbClr val="5B9BD5"/>
+      </a:accent1>
+      <a:accent2>
+        <a:srgbClr val="ED7D31"/>
+      </a:accent2>
+      <a:accent3>
+        <a:srgbClr val="A5A5A5"/>
+      </a:accent3>
+      <a:accent4>
+        <a:srgbClr val="FFC000"/>
+      </a:accent4>
+      <a:accent5>
+        <a:srgbClr val="4472C4"/>
+      </a:accent5>
+      <a:accent6>
+        <a:srgbClr val="70AD47"/>
+      </a:accent6>
+      <a:hlink>
+        <a:srgbClr val="0563C1"/>
+      </a:hlink>
+      <a:folHlink>
+        <a:srgbClr val="954F72"/>
+      </a:folHlink>
+    </a:clrScheme>
+    <a:fontScheme name="Office">
+      <a:majorFont>
+        <a:latin typeface="Calibri Light" panose="020F0302020204030204"/>
+        <a:ea typeface=""/>
+        <a:cs typeface=""/>
+        <a:font script="Jpan" typeface="游ゴシック Light"/>
+        <a:font script="Hang" typeface="맑은 고딕"/>
+        <a:font script="Hans" typeface="等线 Light"/>
+        <a:font script="Hant" typeface="新細明體"/>
+        <a:font script="Arab" typeface="Times New Roman"/>
+        <a:font script="Hebr" typeface="Times New Roman"/>
+        <a:font script="Thai" typeface="Angsana New"/>
+        <a:font script="Ethi" typeface="Nyala"/>
+        <a:font script="Beng" typeface="Vrinda"/>
+        <a:font script="Gujr" typeface="Shruti"/>
+        <a:font script="Khmr" typeface="MoolBoran"/>
+        <a:font script="Knda" typeface="Tunga"/>
+        <a:font script="Guru" typeface="Raavi"/>
+        <a:font script="Cans" typeface="Euphemia"/>
+        <a:font script="Cher" typeface="Plantagenet Cherokee"/>
+        <a:font script="Yiii" typeface="Microsoft Yi Baiti"/>
+        <a:font script="Tibt" typeface="Microsoft Himalaya"/>
+        <a:font script="Thaa" typeface="MV Boli"/>
+        <a:font script="Deva" typeface="Mangal"/>
+        <a:font script="Telu" typeface="Gautami"/>
+        <a:font script="Taml" typeface="Latha"/>
+        <a:font script="Syrc" typeface="Estrangelo Edessa"/>
+        <a:font script="Orya" typeface="Kalinga"/>
+        <a:font script="Mlym" typeface="Kartika"/>
+        <a:font script="Laoo" typeface="DokChampa"/>
+        <a:font script="Sinh" typeface="Iskoola Pota"/>
+        <a:font script="Mong" typeface="Mongolian Baiti"/>
+        <a:font script="Viet" typeface="Times New Roman"/>
+        <a:font script="Uigh" typeface="Microsoft Uighur"/>
+        <a:font script="Geor" typeface="Sylfaen"/>
+      </a:majorFont>
+      <a:minorFont>
+        <a:latin typeface="Calibri" panose="020F0502020204030204"/>
+        <a:ea typeface=""/>
+        <a:cs typeface=""/>
+        <a:font script="Jpan" typeface="游ゴシック"/>
+        <a:font script="Hang" typeface="맑은 고딕"/>
+        <a:font script="Hans" typeface="等线"/>
+        <a:font script="Hant" typeface="新細明體"/>
+        <a:font script="Arab" typeface="Arial"/>
+        <a:font script="Hebr" typeface="Arial"/>
+        <a:font script="Thai" typeface="Cordia New"/>
+        <a:font script="Ethi" typeface="Nyala"/>
+        <a:font script="Beng" typeface="Vrinda"/>
+        <a:font script="Gujr" typeface="Shruti"/>
+        <a:font script="Khmr" typeface="DaunPenh"/>
+        <a:font script="Knda" typeface="Tunga"/>
+        <a:font script="Guru" typeface="Raavi"/>
+        <a:font script="Cans" typeface="Euphemia"/>
+        <a:font script="Cher" typeface="Plantagenet Cherokee"/>
+        <a:font script="Yiii" typeface="Microsoft Yi Baiti"/>
+        <a:font script="Tibt" typeface="Microsoft Himalaya"/>
+        <a:font script="Thaa" typeface="MV Boli"/>
+        <a:font script="Deva" typeface="Mangal"/>
+        <a:font script="Telu" typeface="Gautami"/>
+        <a:font script="Taml" typeface="Latha"/>
+        <a:font script="Syrc" typeface="Estrangelo Edessa"/>
+        <a:font script="Orya" typeface="Kalinga"/>
+        <a:font script="Mlym" typeface="Kartika"/>
+        <a:font script="Laoo" typeface="DokChampa"/>
+        <a:font script="Sinh" typeface="Iskoola Pota"/>
+        <a:font script="Mong" typeface="Mongolian Baiti"/>
+        <a:font script="Viet" typeface="Arial"/>
+        <a:font script="Uigh" typeface="Microsoft Uighur"/>
+        <a:font script="Geor" typeface="Sylfaen"/>
+      </a:minorFont>
+    </a:fontScheme>
+    <a:fmtScheme name="Office">
+      <a:fillStyleLst>
+        <a:solidFill>
+          <a:schemeClr val="phClr"/>
+        </a:solidFill>
+        <a:gradFill rotWithShape="1">
+          <a:gsLst>
+            <a:gs pos="0">
+              <a:schemeClr val="phClr">
+                <a:lumMod val="110000"/>
+                <a:satMod val="105000"/>
+                <a:tint val="67000"/>
+              </a:schemeClr>
+            </a:gs>
+            <a:gs pos="50000">
+              <a:schemeClr val="phClr">
+                <a:lumMod val="105000"/>
+                <a:satMod val="103000"/>
+                <a:tint val="73000"/>
+              </a:schemeClr>
+            </a:gs>
+            <a:gs pos="100000">
+              <a:schemeClr val="phClr">
+                <a:lumMod val="105000"/>
+                <a:satMod val="109000"/>
+                <a:tint val="81000"/>
+              </a:schemeClr>
+            </a:gs>
+          </a:gsLst>
+          <a:lin ang="5400000" scaled="0"/>
+        </a:gradFill>
+        <a:gradFill rotWithShape="1">
+          <a:gsLst>
+            <a:gs pos="0">
+              <a:schemeClr val="phClr">
+                <a:satMod val="103000"/>
+                <a:lumMod val="102000"/>
+                <a:tint val="94000"/>
+              </a:schemeClr>
+            </a:gs>
+            <a:gs pos="50000">
+              <a:schemeClr val="phClr">
+                <a:satMod val="110000"/>
+                <a:lumMod val="100000"/>
+                <a:shade val="100000"/>
+              </a:schemeClr>
+            </a:gs>
+            <a:gs pos="100000">
+              <a:schemeClr val="phClr">
+                <a:lumMod val="99000"/>
+                <a:satMod val="120000"/>
+                <a:shade val="78000"/>
+              </a:schemeClr>
+            </a:gs>
+          </a:gsLst>
+          <a:lin ang="5400000" scaled="0"/>
+        </a:gradFill>
+      </a:fillStyleLst>
+      <a:lnStyleLst>
+        <a:ln w="6350" cap="flat" cmpd="sng" algn="ctr">
+          <a:solidFill>
+            <a:schemeClr val="phClr"/>
+          </a:solidFill>
+          <a:prstDash val="solid"/>
+          <a:miter lim="800000"/>
+        </a:ln>
+        <a:ln w="12700" cap="flat" cmpd="sng" algn="ctr">
+          <a:solidFill>
+            <a:schemeClr val="phClr"/>
+          </a:solidFill>
+          <a:prstDash val="solid"/>
+          <a:miter lim="800000"/>
+        </a:ln>
+        <a:ln w="19050" cap="flat" cmpd="sng" algn="ctr">
+          <a:solidFill>
+            <a:schemeClr val="phClr"/>
+          </a:solidFill>
+          <a:prstDash val="solid"/>
+          <a:miter lim="800000"/>
+        </a:ln>
+      </a:lnStyleLst>
+      <a:effectStyleLst>
+        <a:effectStyle>
+          <a:effectLst/>
+        </a:effectStyle>
+        <a:effectStyle>
+          <a:effectLst/>
+        </a:effectStyle>
+        <a:effectStyle>
+          <a:effectLst>
+            <a:outerShdw blurRad="57150" dist="19050" dir="5400000" algn="ctr" rotWithShape="0">
+              <a:srgbClr val="000000">
+                <a:alpha val="63000"/>
+              </a:srgbClr>
+            </a:outerShdw>
+          </a:effectLst>
+        </a:effectStyle>
+      </a:effectStyleLst>
+      <a:bgFillStyleLst>
+        <a:solidFill>
+          <a:schemeClr val="phClr"/>
+        </a:solidFill>
+        <a:solidFill>
+          <a:schemeClr val="phClr">
+            <a:tint val="95000"/>
+            <a:satMod val="170000"/>
+          </a:schemeClr>
+        </a:solidFill>
+        <a:gradFill rotWithShape="1">
+          <a:gsLst>
+            <a:gs pos="0">
+              <a:schemeClr val="phClr">
+                <a:tint val="93000"/>
+                <a:satMod val="150000"/>
+                <a:shade val="98000"/>
+                <a:lumMod val="102000"/>
+              </a:schemeClr>
+            </a:gs>
+            <a:gs pos="50000">
+              <a:schemeClr val="phClr">
+                <a:tint val="98000"/>
+                <a:satMod val="130000"/>
+                <a:shade val="90000"/>
+                <a:lumMod val="103000"/>
+              </a:schemeClr>
+            </a:gs>
+            <a:gs pos="100000">
+              <a:schemeClr val="phClr">
+                <a:shade val="63000"/>
+                <a:satMod val="120000"/>
+              </a:schemeClr>
+            </a:gs>
+          </a:gsLst>
+          <a:lin ang="5400000" scaled="0"/>
+        </a:gradFill>
+      </a:bgFillStyleLst>
+    </a:fmtScheme>
+  </a:themeElements>
+  <a:objectDefaults/>
+  <a:extraClrSchemeLst/>
+  <a:extLst>
+    <a:ext uri="{05A4C25C-085E-4340-85A3-A5531E510DB2}">
+      <thm15:themeFamily xmlns:thm15="http://schemas.microsoft.com/office/thememl/2012/main" name="Office Theme" id="{62F939B6-93AF-4DB8-9C6B-D6C7DFDC589F}" vid="{4A3C46E8-61CC-4603-A589-7422A47A8E4A}"/>
+    </a:ext>
+  </a:extLst>
+</a:theme>
 </file>
--- a/documentation/Yoctopuce.pptx
+++ b/documentation/Yoctopuce.pptx
@@ -211,7 +211,7 @@
           <a:p>
             <a:fld id="{72716781-9BBF-432B-A894-31F79A81B490}" type="datetimeFigureOut">
               <a:rPr lang="fr-CH" smtClean="0"/>
-              <a:t>16.03.2021</a:t>
+              <a:t>17.03.2021</a:t>
             </a:fld>
             <a:endParaRPr lang="fr-CH"/>
           </a:p>
@@ -479,6 +479,1061 @@
 </p:notesMaster>
 </file>
 
+<file path=ppt/notesSlides/notesSlide1.xml><?xml version="1.0" encoding="utf-8"?>
+<p:notes xmlns:a="http://schemas.openxmlformats.org/drawingml/2006/main" xmlns:r="http://schemas.openxmlformats.org/officeDocument/2006/relationships" xmlns:p="http://schemas.openxmlformats.org/presentationml/2006/main">
+  <p:cSld>
+    <p:spTree>
+      <p:nvGrpSpPr>
+        <p:cNvPr id="1" name=""/>
+        <p:cNvGrpSpPr/>
+        <p:nvPr/>
+      </p:nvGrpSpPr>
+      <p:grpSpPr>
+        <a:xfrm>
+          <a:off x="0" y="0"/>
+          <a:ext cx="0" cy="0"/>
+          <a:chOff x="0" y="0"/>
+          <a:chExt cx="0" cy="0"/>
+        </a:xfrm>
+      </p:grpSpPr>
+      <p:sp>
+        <p:nvSpPr>
+          <p:cNvPr id="2" name="Espace réservé de l'image des diapositives 1"/>
+          <p:cNvSpPr>
+            <a:spLocks noGrp="1" noRot="1" noChangeAspect="1"/>
+          </p:cNvSpPr>
+          <p:nvPr>
+            <p:ph type="sldImg"/>
+          </p:nvPr>
+        </p:nvSpPr>
+        <p:spPr/>
+      </p:sp>
+      <p:sp>
+        <p:nvSpPr>
+          <p:cNvPr id="3" name="Espace réservé des notes 2"/>
+          <p:cNvSpPr>
+            <a:spLocks noGrp="1"/>
+          </p:cNvSpPr>
+          <p:nvPr>
+            <p:ph type="body" idx="1"/>
+          </p:nvPr>
+        </p:nvSpPr>
+        <p:spPr/>
+        <p:txBody>
+          <a:bodyPr/>
+          <a:lstStyle/>
+          <a:p>
+            <a:r>
+              <a:rPr lang="fr-CH" dirty="0" smtClean="0"/>
+              <a:t>Nicolas</a:t>
+            </a:r>
+            <a:endParaRPr lang="fr-CH" dirty="0"/>
+          </a:p>
+        </p:txBody>
+      </p:sp>
+      <p:sp>
+        <p:nvSpPr>
+          <p:cNvPr id="4" name="Espace réservé du numéro de diapositive 3"/>
+          <p:cNvSpPr>
+            <a:spLocks noGrp="1"/>
+          </p:cNvSpPr>
+          <p:nvPr>
+            <p:ph type="sldNum" sz="quarter" idx="10"/>
+          </p:nvPr>
+        </p:nvSpPr>
+        <p:spPr/>
+        <p:txBody>
+          <a:bodyPr/>
+          <a:lstStyle/>
+          <a:p>
+            <a:fld id="{09032767-99AB-4FFB-9209-7A0BA30E3133}" type="slidenum">
+              <a:rPr lang="fr-CH" smtClean="0"/>
+              <a:t>3</a:t>
+            </a:fld>
+            <a:endParaRPr lang="fr-CH"/>
+          </a:p>
+        </p:txBody>
+      </p:sp>
+    </p:spTree>
+    <p:extLst>
+      <p:ext uri="{BB962C8B-B14F-4D97-AF65-F5344CB8AC3E}">
+        <p14:creationId xmlns:p14="http://schemas.microsoft.com/office/powerpoint/2010/main" val="4190475312"/>
+      </p:ext>
+    </p:extLst>
+  </p:cSld>
+  <p:clrMapOvr>
+    <a:masterClrMapping/>
+  </p:clrMapOvr>
+</p:notes>
+</file>
+
+<file path=ppt/notesSlides/notesSlide10.xml><?xml version="1.0" encoding="utf-8"?>
+<p:notes xmlns:a="http://schemas.openxmlformats.org/drawingml/2006/main" xmlns:r="http://schemas.openxmlformats.org/officeDocument/2006/relationships" xmlns:p="http://schemas.openxmlformats.org/presentationml/2006/main">
+  <p:cSld>
+    <p:spTree>
+      <p:nvGrpSpPr>
+        <p:cNvPr id="1" name=""/>
+        <p:cNvGrpSpPr/>
+        <p:nvPr/>
+      </p:nvGrpSpPr>
+      <p:grpSpPr>
+        <a:xfrm>
+          <a:off x="0" y="0"/>
+          <a:ext cx="0" cy="0"/>
+          <a:chOff x="0" y="0"/>
+          <a:chExt cx="0" cy="0"/>
+        </a:xfrm>
+      </p:grpSpPr>
+      <p:sp>
+        <p:nvSpPr>
+          <p:cNvPr id="2" name="Espace réservé de l'image des diapositives 1"/>
+          <p:cNvSpPr>
+            <a:spLocks noGrp="1" noRot="1" noChangeAspect="1"/>
+          </p:cNvSpPr>
+          <p:nvPr>
+            <p:ph type="sldImg"/>
+          </p:nvPr>
+        </p:nvSpPr>
+        <p:spPr/>
+      </p:sp>
+      <p:sp>
+        <p:nvSpPr>
+          <p:cNvPr id="3" name="Espace réservé des notes 2"/>
+          <p:cNvSpPr>
+            <a:spLocks noGrp="1"/>
+          </p:cNvSpPr>
+          <p:nvPr>
+            <p:ph type="body" idx="1"/>
+          </p:nvPr>
+        </p:nvSpPr>
+        <p:spPr/>
+        <p:txBody>
+          <a:bodyPr/>
+          <a:lstStyle/>
+          <a:p>
+            <a:r>
+              <a:rPr lang="fr-CH" dirty="0" smtClean="0"/>
+              <a:t>Samuel</a:t>
+            </a:r>
+            <a:endParaRPr lang="fr-CH" dirty="0"/>
+          </a:p>
+        </p:txBody>
+      </p:sp>
+      <p:sp>
+        <p:nvSpPr>
+          <p:cNvPr id="4" name="Espace réservé du numéro de diapositive 3"/>
+          <p:cNvSpPr>
+            <a:spLocks noGrp="1"/>
+          </p:cNvSpPr>
+          <p:nvPr>
+            <p:ph type="sldNum" sz="quarter" idx="10"/>
+          </p:nvPr>
+        </p:nvSpPr>
+        <p:spPr/>
+        <p:txBody>
+          <a:bodyPr/>
+          <a:lstStyle/>
+          <a:p>
+            <a:fld id="{09032767-99AB-4FFB-9209-7A0BA30E3133}" type="slidenum">
+              <a:rPr lang="fr-CH" smtClean="0"/>
+              <a:t>12</a:t>
+            </a:fld>
+            <a:endParaRPr lang="fr-CH"/>
+          </a:p>
+        </p:txBody>
+      </p:sp>
+    </p:spTree>
+    <p:extLst>
+      <p:ext uri="{BB962C8B-B14F-4D97-AF65-F5344CB8AC3E}">
+        <p14:creationId xmlns:p14="http://schemas.microsoft.com/office/powerpoint/2010/main" val="1471523600"/>
+      </p:ext>
+    </p:extLst>
+  </p:cSld>
+  <p:clrMapOvr>
+    <a:masterClrMapping/>
+  </p:clrMapOvr>
+</p:notes>
+</file>
+
+<file path=ppt/notesSlides/notesSlide11.xml><?xml version="1.0" encoding="utf-8"?>
+<p:notes xmlns:a="http://schemas.openxmlformats.org/drawingml/2006/main" xmlns:r="http://schemas.openxmlformats.org/officeDocument/2006/relationships" xmlns:p="http://schemas.openxmlformats.org/presentationml/2006/main">
+  <p:cSld>
+    <p:spTree>
+      <p:nvGrpSpPr>
+        <p:cNvPr id="1" name=""/>
+        <p:cNvGrpSpPr/>
+        <p:nvPr/>
+      </p:nvGrpSpPr>
+      <p:grpSpPr>
+        <a:xfrm>
+          <a:off x="0" y="0"/>
+          <a:ext cx="0" cy="0"/>
+          <a:chOff x="0" y="0"/>
+          <a:chExt cx="0" cy="0"/>
+        </a:xfrm>
+      </p:grpSpPr>
+      <p:sp>
+        <p:nvSpPr>
+          <p:cNvPr id="2" name="Espace réservé de l'image des diapositives 1"/>
+          <p:cNvSpPr>
+            <a:spLocks noGrp="1" noRot="1" noChangeAspect="1"/>
+          </p:cNvSpPr>
+          <p:nvPr>
+            <p:ph type="sldImg"/>
+          </p:nvPr>
+        </p:nvSpPr>
+        <p:spPr/>
+      </p:sp>
+      <p:sp>
+        <p:nvSpPr>
+          <p:cNvPr id="3" name="Espace réservé des notes 2"/>
+          <p:cNvSpPr>
+            <a:spLocks noGrp="1"/>
+          </p:cNvSpPr>
+          <p:nvPr>
+            <p:ph type="body" idx="1"/>
+          </p:nvPr>
+        </p:nvSpPr>
+        <p:spPr/>
+        <p:txBody>
+          <a:bodyPr/>
+          <a:lstStyle/>
+          <a:p>
+            <a:r>
+              <a:rPr lang="fr-CH" dirty="0" smtClean="0"/>
+              <a:t>Samuel</a:t>
+            </a:r>
+            <a:endParaRPr lang="fr-CH" dirty="0"/>
+          </a:p>
+        </p:txBody>
+      </p:sp>
+      <p:sp>
+        <p:nvSpPr>
+          <p:cNvPr id="4" name="Espace réservé du numéro de diapositive 3"/>
+          <p:cNvSpPr>
+            <a:spLocks noGrp="1"/>
+          </p:cNvSpPr>
+          <p:nvPr>
+            <p:ph type="sldNum" sz="quarter" idx="10"/>
+          </p:nvPr>
+        </p:nvSpPr>
+        <p:spPr/>
+        <p:txBody>
+          <a:bodyPr/>
+          <a:lstStyle/>
+          <a:p>
+            <a:fld id="{09032767-99AB-4FFB-9209-7A0BA30E3133}" type="slidenum">
+              <a:rPr lang="fr-CH" smtClean="0"/>
+              <a:t>13</a:t>
+            </a:fld>
+            <a:endParaRPr lang="fr-CH"/>
+          </a:p>
+        </p:txBody>
+      </p:sp>
+    </p:spTree>
+    <p:extLst>
+      <p:ext uri="{BB962C8B-B14F-4D97-AF65-F5344CB8AC3E}">
+        <p14:creationId xmlns:p14="http://schemas.microsoft.com/office/powerpoint/2010/main" val="3615095877"/>
+      </p:ext>
+    </p:extLst>
+  </p:cSld>
+  <p:clrMapOvr>
+    <a:masterClrMapping/>
+  </p:clrMapOvr>
+</p:notes>
+</file>
+
+<file path=ppt/notesSlides/notesSlide12.xml><?xml version="1.0" encoding="utf-8"?>
+<p:notes xmlns:a="http://schemas.openxmlformats.org/drawingml/2006/main" xmlns:r="http://schemas.openxmlformats.org/officeDocument/2006/relationships" xmlns:p="http://schemas.openxmlformats.org/presentationml/2006/main">
+  <p:cSld>
+    <p:spTree>
+      <p:nvGrpSpPr>
+        <p:cNvPr id="1" name=""/>
+        <p:cNvGrpSpPr/>
+        <p:nvPr/>
+      </p:nvGrpSpPr>
+      <p:grpSpPr>
+        <a:xfrm>
+          <a:off x="0" y="0"/>
+          <a:ext cx="0" cy="0"/>
+          <a:chOff x="0" y="0"/>
+          <a:chExt cx="0" cy="0"/>
+        </a:xfrm>
+      </p:grpSpPr>
+      <p:sp>
+        <p:nvSpPr>
+          <p:cNvPr id="2" name="Espace réservé de l'image des diapositives 1"/>
+          <p:cNvSpPr>
+            <a:spLocks noGrp="1" noRot="1" noChangeAspect="1"/>
+          </p:cNvSpPr>
+          <p:nvPr>
+            <p:ph type="sldImg"/>
+          </p:nvPr>
+        </p:nvSpPr>
+        <p:spPr/>
+      </p:sp>
+      <p:sp>
+        <p:nvSpPr>
+          <p:cNvPr id="3" name="Espace réservé des notes 2"/>
+          <p:cNvSpPr>
+            <a:spLocks noGrp="1"/>
+          </p:cNvSpPr>
+          <p:nvPr>
+            <p:ph type="body" idx="1"/>
+          </p:nvPr>
+        </p:nvSpPr>
+        <p:spPr/>
+        <p:txBody>
+          <a:bodyPr/>
+          <a:lstStyle/>
+          <a:p>
+            <a:r>
+              <a:rPr lang="fr-CH" dirty="0" smtClean="0"/>
+              <a:t>Samuel</a:t>
+            </a:r>
+          </a:p>
+        </p:txBody>
+      </p:sp>
+      <p:sp>
+        <p:nvSpPr>
+          <p:cNvPr id="4" name="Espace réservé du numéro de diapositive 3"/>
+          <p:cNvSpPr>
+            <a:spLocks noGrp="1"/>
+          </p:cNvSpPr>
+          <p:nvPr>
+            <p:ph type="sldNum" sz="quarter" idx="10"/>
+          </p:nvPr>
+        </p:nvSpPr>
+        <p:spPr/>
+        <p:txBody>
+          <a:bodyPr/>
+          <a:lstStyle/>
+          <a:p>
+            <a:fld id="{09032767-99AB-4FFB-9209-7A0BA30E3133}" type="slidenum">
+              <a:rPr lang="fr-CH" smtClean="0"/>
+              <a:t>14</a:t>
+            </a:fld>
+            <a:endParaRPr lang="fr-CH"/>
+          </a:p>
+        </p:txBody>
+      </p:sp>
+    </p:spTree>
+    <p:extLst>
+      <p:ext uri="{BB962C8B-B14F-4D97-AF65-F5344CB8AC3E}">
+        <p14:creationId xmlns:p14="http://schemas.microsoft.com/office/powerpoint/2010/main" val="690175403"/>
+      </p:ext>
+    </p:extLst>
+  </p:cSld>
+  <p:clrMapOvr>
+    <a:masterClrMapping/>
+  </p:clrMapOvr>
+</p:notes>
+</file>
+
+<file path=ppt/notesSlides/notesSlide2.xml><?xml version="1.0" encoding="utf-8"?>
+<p:notes xmlns:a="http://schemas.openxmlformats.org/drawingml/2006/main" xmlns:r="http://schemas.openxmlformats.org/officeDocument/2006/relationships" xmlns:p="http://schemas.openxmlformats.org/presentationml/2006/main">
+  <p:cSld>
+    <p:spTree>
+      <p:nvGrpSpPr>
+        <p:cNvPr id="1" name=""/>
+        <p:cNvGrpSpPr/>
+        <p:nvPr/>
+      </p:nvGrpSpPr>
+      <p:grpSpPr>
+        <a:xfrm>
+          <a:off x="0" y="0"/>
+          <a:ext cx="0" cy="0"/>
+          <a:chOff x="0" y="0"/>
+          <a:chExt cx="0" cy="0"/>
+        </a:xfrm>
+      </p:grpSpPr>
+      <p:sp>
+        <p:nvSpPr>
+          <p:cNvPr id="2" name="Espace réservé de l'image des diapositives 1"/>
+          <p:cNvSpPr>
+            <a:spLocks noGrp="1" noRot="1" noChangeAspect="1"/>
+          </p:cNvSpPr>
+          <p:nvPr>
+            <p:ph type="sldImg"/>
+          </p:nvPr>
+        </p:nvSpPr>
+        <p:spPr/>
+      </p:sp>
+      <p:sp>
+        <p:nvSpPr>
+          <p:cNvPr id="3" name="Espace réservé des notes 2"/>
+          <p:cNvSpPr>
+            <a:spLocks noGrp="1"/>
+          </p:cNvSpPr>
+          <p:nvPr>
+            <p:ph type="body" idx="1"/>
+          </p:nvPr>
+        </p:nvSpPr>
+        <p:spPr/>
+        <p:txBody>
+          <a:bodyPr/>
+          <a:lstStyle/>
+          <a:p>
+            <a:r>
+              <a:rPr lang="fr-CH" dirty="0" smtClean="0"/>
+              <a:t>Nicolas</a:t>
+            </a:r>
+            <a:endParaRPr lang="fr-CH" dirty="0"/>
+          </a:p>
+        </p:txBody>
+      </p:sp>
+      <p:sp>
+        <p:nvSpPr>
+          <p:cNvPr id="4" name="Espace réservé du numéro de diapositive 3"/>
+          <p:cNvSpPr>
+            <a:spLocks noGrp="1"/>
+          </p:cNvSpPr>
+          <p:nvPr>
+            <p:ph type="sldNum" sz="quarter" idx="10"/>
+          </p:nvPr>
+        </p:nvSpPr>
+        <p:spPr/>
+        <p:txBody>
+          <a:bodyPr/>
+          <a:lstStyle/>
+          <a:p>
+            <a:fld id="{09032767-99AB-4FFB-9209-7A0BA30E3133}" type="slidenum">
+              <a:rPr lang="fr-CH" smtClean="0"/>
+              <a:t>4</a:t>
+            </a:fld>
+            <a:endParaRPr lang="fr-CH"/>
+          </a:p>
+        </p:txBody>
+      </p:sp>
+    </p:spTree>
+    <p:extLst>
+      <p:ext uri="{BB962C8B-B14F-4D97-AF65-F5344CB8AC3E}">
+        <p14:creationId xmlns:p14="http://schemas.microsoft.com/office/powerpoint/2010/main" val="1675074389"/>
+      </p:ext>
+    </p:extLst>
+  </p:cSld>
+  <p:clrMapOvr>
+    <a:masterClrMapping/>
+  </p:clrMapOvr>
+</p:notes>
+</file>
+
+<file path=ppt/notesSlides/notesSlide3.xml><?xml version="1.0" encoding="utf-8"?>
+<p:notes xmlns:a="http://schemas.openxmlformats.org/drawingml/2006/main" xmlns:r="http://schemas.openxmlformats.org/officeDocument/2006/relationships" xmlns:p="http://schemas.openxmlformats.org/presentationml/2006/main">
+  <p:cSld>
+    <p:spTree>
+      <p:nvGrpSpPr>
+        <p:cNvPr id="1" name=""/>
+        <p:cNvGrpSpPr/>
+        <p:nvPr/>
+      </p:nvGrpSpPr>
+      <p:grpSpPr>
+        <a:xfrm>
+          <a:off x="0" y="0"/>
+          <a:ext cx="0" cy="0"/>
+          <a:chOff x="0" y="0"/>
+          <a:chExt cx="0" cy="0"/>
+        </a:xfrm>
+      </p:grpSpPr>
+      <p:sp>
+        <p:nvSpPr>
+          <p:cNvPr id="2" name="Espace réservé de l'image des diapositives 1"/>
+          <p:cNvSpPr>
+            <a:spLocks noGrp="1" noRot="1" noChangeAspect="1"/>
+          </p:cNvSpPr>
+          <p:nvPr>
+            <p:ph type="sldImg"/>
+          </p:nvPr>
+        </p:nvSpPr>
+        <p:spPr/>
+      </p:sp>
+      <p:sp>
+        <p:nvSpPr>
+          <p:cNvPr id="3" name="Espace réservé des notes 2"/>
+          <p:cNvSpPr>
+            <a:spLocks noGrp="1"/>
+          </p:cNvSpPr>
+          <p:nvPr>
+            <p:ph type="body" idx="1"/>
+          </p:nvPr>
+        </p:nvSpPr>
+        <p:spPr/>
+        <p:txBody>
+          <a:bodyPr/>
+          <a:lstStyle/>
+          <a:p>
+            <a:r>
+              <a:rPr lang="fr-CH" dirty="0" smtClean="0"/>
+              <a:t>Nicolas</a:t>
+            </a:r>
+            <a:endParaRPr lang="fr-CH" dirty="0"/>
+          </a:p>
+        </p:txBody>
+      </p:sp>
+      <p:sp>
+        <p:nvSpPr>
+          <p:cNvPr id="4" name="Espace réservé du numéro de diapositive 3"/>
+          <p:cNvSpPr>
+            <a:spLocks noGrp="1"/>
+          </p:cNvSpPr>
+          <p:nvPr>
+            <p:ph type="sldNum" sz="quarter" idx="10"/>
+          </p:nvPr>
+        </p:nvSpPr>
+        <p:spPr/>
+        <p:txBody>
+          <a:bodyPr/>
+          <a:lstStyle/>
+          <a:p>
+            <a:fld id="{09032767-99AB-4FFB-9209-7A0BA30E3133}" type="slidenum">
+              <a:rPr lang="fr-CH" smtClean="0"/>
+              <a:t>5</a:t>
+            </a:fld>
+            <a:endParaRPr lang="fr-CH"/>
+          </a:p>
+        </p:txBody>
+      </p:sp>
+    </p:spTree>
+    <p:extLst>
+      <p:ext uri="{BB962C8B-B14F-4D97-AF65-F5344CB8AC3E}">
+        <p14:creationId xmlns:p14="http://schemas.microsoft.com/office/powerpoint/2010/main" val="3836527501"/>
+      </p:ext>
+    </p:extLst>
+  </p:cSld>
+  <p:clrMapOvr>
+    <a:masterClrMapping/>
+  </p:clrMapOvr>
+</p:notes>
+</file>
+
+<file path=ppt/notesSlides/notesSlide4.xml><?xml version="1.0" encoding="utf-8"?>
+<p:notes xmlns:a="http://schemas.openxmlformats.org/drawingml/2006/main" xmlns:r="http://schemas.openxmlformats.org/officeDocument/2006/relationships" xmlns:p="http://schemas.openxmlformats.org/presentationml/2006/main">
+  <p:cSld>
+    <p:spTree>
+      <p:nvGrpSpPr>
+        <p:cNvPr id="1" name=""/>
+        <p:cNvGrpSpPr/>
+        <p:nvPr/>
+      </p:nvGrpSpPr>
+      <p:grpSpPr>
+        <a:xfrm>
+          <a:off x="0" y="0"/>
+          <a:ext cx="0" cy="0"/>
+          <a:chOff x="0" y="0"/>
+          <a:chExt cx="0" cy="0"/>
+        </a:xfrm>
+      </p:grpSpPr>
+      <p:sp>
+        <p:nvSpPr>
+          <p:cNvPr id="2" name="Espace réservé de l'image des diapositives 1"/>
+          <p:cNvSpPr>
+            <a:spLocks noGrp="1" noRot="1" noChangeAspect="1"/>
+          </p:cNvSpPr>
+          <p:nvPr>
+            <p:ph type="sldImg"/>
+          </p:nvPr>
+        </p:nvSpPr>
+        <p:spPr/>
+      </p:sp>
+      <p:sp>
+        <p:nvSpPr>
+          <p:cNvPr id="3" name="Espace réservé des notes 2"/>
+          <p:cNvSpPr>
+            <a:spLocks noGrp="1"/>
+          </p:cNvSpPr>
+          <p:nvPr>
+            <p:ph type="body" idx="1"/>
+          </p:nvPr>
+        </p:nvSpPr>
+        <p:spPr/>
+        <p:txBody>
+          <a:bodyPr/>
+          <a:lstStyle/>
+          <a:p>
+            <a:r>
+              <a:rPr lang="fr-CH" dirty="0" smtClean="0"/>
+              <a:t>Jules</a:t>
+            </a:r>
+            <a:endParaRPr lang="fr-CH" dirty="0"/>
+          </a:p>
+        </p:txBody>
+      </p:sp>
+      <p:sp>
+        <p:nvSpPr>
+          <p:cNvPr id="4" name="Espace réservé du numéro de diapositive 3"/>
+          <p:cNvSpPr>
+            <a:spLocks noGrp="1"/>
+          </p:cNvSpPr>
+          <p:nvPr>
+            <p:ph type="sldNum" sz="quarter" idx="10"/>
+          </p:nvPr>
+        </p:nvSpPr>
+        <p:spPr/>
+        <p:txBody>
+          <a:bodyPr/>
+          <a:lstStyle/>
+          <a:p>
+            <a:fld id="{09032767-99AB-4FFB-9209-7A0BA30E3133}" type="slidenum">
+              <a:rPr lang="fr-CH" smtClean="0"/>
+              <a:t>6</a:t>
+            </a:fld>
+            <a:endParaRPr lang="fr-CH"/>
+          </a:p>
+        </p:txBody>
+      </p:sp>
+    </p:spTree>
+    <p:extLst>
+      <p:ext uri="{BB962C8B-B14F-4D97-AF65-F5344CB8AC3E}">
+        <p14:creationId xmlns:p14="http://schemas.microsoft.com/office/powerpoint/2010/main" val="3084807942"/>
+      </p:ext>
+    </p:extLst>
+  </p:cSld>
+  <p:clrMapOvr>
+    <a:masterClrMapping/>
+  </p:clrMapOvr>
+</p:notes>
+</file>
+
+<file path=ppt/notesSlides/notesSlide5.xml><?xml version="1.0" encoding="utf-8"?>
+<p:notes xmlns:a="http://schemas.openxmlformats.org/drawingml/2006/main" xmlns:r="http://schemas.openxmlformats.org/officeDocument/2006/relationships" xmlns:p="http://schemas.openxmlformats.org/presentationml/2006/main">
+  <p:cSld>
+    <p:spTree>
+      <p:nvGrpSpPr>
+        <p:cNvPr id="1" name=""/>
+        <p:cNvGrpSpPr/>
+        <p:nvPr/>
+      </p:nvGrpSpPr>
+      <p:grpSpPr>
+        <a:xfrm>
+          <a:off x="0" y="0"/>
+          <a:ext cx="0" cy="0"/>
+          <a:chOff x="0" y="0"/>
+          <a:chExt cx="0" cy="0"/>
+        </a:xfrm>
+      </p:grpSpPr>
+      <p:sp>
+        <p:nvSpPr>
+          <p:cNvPr id="2" name="Espace réservé de l'image des diapositives 1"/>
+          <p:cNvSpPr>
+            <a:spLocks noGrp="1" noRot="1" noChangeAspect="1"/>
+          </p:cNvSpPr>
+          <p:nvPr>
+            <p:ph type="sldImg"/>
+          </p:nvPr>
+        </p:nvSpPr>
+        <p:spPr/>
+      </p:sp>
+      <p:sp>
+        <p:nvSpPr>
+          <p:cNvPr id="3" name="Espace réservé des notes 2"/>
+          <p:cNvSpPr>
+            <a:spLocks noGrp="1"/>
+          </p:cNvSpPr>
+          <p:nvPr>
+            <p:ph type="body" idx="1"/>
+          </p:nvPr>
+        </p:nvSpPr>
+        <p:spPr/>
+        <p:txBody>
+          <a:bodyPr/>
+          <a:lstStyle/>
+          <a:p>
+            <a:r>
+              <a:rPr lang="fr-CH" dirty="0" smtClean="0"/>
+              <a:t>Jules</a:t>
+            </a:r>
+            <a:endParaRPr lang="fr-CH" dirty="0"/>
+          </a:p>
+        </p:txBody>
+      </p:sp>
+      <p:sp>
+        <p:nvSpPr>
+          <p:cNvPr id="4" name="Espace réservé du numéro de diapositive 3"/>
+          <p:cNvSpPr>
+            <a:spLocks noGrp="1"/>
+          </p:cNvSpPr>
+          <p:nvPr>
+            <p:ph type="sldNum" sz="quarter" idx="10"/>
+          </p:nvPr>
+        </p:nvSpPr>
+        <p:spPr/>
+        <p:txBody>
+          <a:bodyPr/>
+          <a:lstStyle/>
+          <a:p>
+            <a:fld id="{09032767-99AB-4FFB-9209-7A0BA30E3133}" type="slidenum">
+              <a:rPr lang="fr-CH" smtClean="0"/>
+              <a:t>7</a:t>
+            </a:fld>
+            <a:endParaRPr lang="fr-CH"/>
+          </a:p>
+        </p:txBody>
+      </p:sp>
+    </p:spTree>
+    <p:extLst>
+      <p:ext uri="{BB962C8B-B14F-4D97-AF65-F5344CB8AC3E}">
+        <p14:creationId xmlns:p14="http://schemas.microsoft.com/office/powerpoint/2010/main" val="3363415921"/>
+      </p:ext>
+    </p:extLst>
+  </p:cSld>
+  <p:clrMapOvr>
+    <a:masterClrMapping/>
+  </p:clrMapOvr>
+</p:notes>
+</file>
+
+<file path=ppt/notesSlides/notesSlide6.xml><?xml version="1.0" encoding="utf-8"?>
+<p:notes xmlns:a="http://schemas.openxmlformats.org/drawingml/2006/main" xmlns:r="http://schemas.openxmlformats.org/officeDocument/2006/relationships" xmlns:p="http://schemas.openxmlformats.org/presentationml/2006/main">
+  <p:cSld>
+    <p:spTree>
+      <p:nvGrpSpPr>
+        <p:cNvPr id="1" name=""/>
+        <p:cNvGrpSpPr/>
+        <p:nvPr/>
+      </p:nvGrpSpPr>
+      <p:grpSpPr>
+        <a:xfrm>
+          <a:off x="0" y="0"/>
+          <a:ext cx="0" cy="0"/>
+          <a:chOff x="0" y="0"/>
+          <a:chExt cx="0" cy="0"/>
+        </a:xfrm>
+      </p:grpSpPr>
+      <p:sp>
+        <p:nvSpPr>
+          <p:cNvPr id="2" name="Espace réservé de l'image des diapositives 1"/>
+          <p:cNvSpPr>
+            <a:spLocks noGrp="1" noRot="1" noChangeAspect="1"/>
+          </p:cNvSpPr>
+          <p:nvPr>
+            <p:ph type="sldImg"/>
+          </p:nvPr>
+        </p:nvSpPr>
+        <p:spPr/>
+      </p:sp>
+      <p:sp>
+        <p:nvSpPr>
+          <p:cNvPr id="3" name="Espace réservé des notes 2"/>
+          <p:cNvSpPr>
+            <a:spLocks noGrp="1"/>
+          </p:cNvSpPr>
+          <p:nvPr>
+            <p:ph type="body" idx="1"/>
+          </p:nvPr>
+        </p:nvSpPr>
+        <p:spPr/>
+        <p:txBody>
+          <a:bodyPr/>
+          <a:lstStyle/>
+          <a:p>
+            <a:r>
+              <a:rPr lang="fr-CH" dirty="0" smtClean="0"/>
+              <a:t>Jules</a:t>
+            </a:r>
+            <a:endParaRPr lang="fr-CH" dirty="0"/>
+          </a:p>
+        </p:txBody>
+      </p:sp>
+      <p:sp>
+        <p:nvSpPr>
+          <p:cNvPr id="4" name="Espace réservé du numéro de diapositive 3"/>
+          <p:cNvSpPr>
+            <a:spLocks noGrp="1"/>
+          </p:cNvSpPr>
+          <p:nvPr>
+            <p:ph type="sldNum" sz="quarter" idx="10"/>
+          </p:nvPr>
+        </p:nvSpPr>
+        <p:spPr/>
+        <p:txBody>
+          <a:bodyPr/>
+          <a:lstStyle/>
+          <a:p>
+            <a:fld id="{09032767-99AB-4FFB-9209-7A0BA30E3133}" type="slidenum">
+              <a:rPr lang="fr-CH" smtClean="0"/>
+              <a:t>8</a:t>
+            </a:fld>
+            <a:endParaRPr lang="fr-CH"/>
+          </a:p>
+        </p:txBody>
+      </p:sp>
+    </p:spTree>
+    <p:extLst>
+      <p:ext uri="{BB962C8B-B14F-4D97-AF65-F5344CB8AC3E}">
+        <p14:creationId xmlns:p14="http://schemas.microsoft.com/office/powerpoint/2010/main" val="3013984708"/>
+      </p:ext>
+    </p:extLst>
+  </p:cSld>
+  <p:clrMapOvr>
+    <a:masterClrMapping/>
+  </p:clrMapOvr>
+</p:notes>
+</file>
+
+<file path=ppt/notesSlides/notesSlide7.xml><?xml version="1.0" encoding="utf-8"?>
+<p:notes xmlns:a="http://schemas.openxmlformats.org/drawingml/2006/main" xmlns:r="http://schemas.openxmlformats.org/officeDocument/2006/relationships" xmlns:p="http://schemas.openxmlformats.org/presentationml/2006/main">
+  <p:cSld>
+    <p:spTree>
+      <p:nvGrpSpPr>
+        <p:cNvPr id="1" name=""/>
+        <p:cNvGrpSpPr/>
+        <p:nvPr/>
+      </p:nvGrpSpPr>
+      <p:grpSpPr>
+        <a:xfrm>
+          <a:off x="0" y="0"/>
+          <a:ext cx="0" cy="0"/>
+          <a:chOff x="0" y="0"/>
+          <a:chExt cx="0" cy="0"/>
+        </a:xfrm>
+      </p:grpSpPr>
+      <p:sp>
+        <p:nvSpPr>
+          <p:cNvPr id="2" name="Espace réservé de l'image des diapositives 1"/>
+          <p:cNvSpPr>
+            <a:spLocks noGrp="1" noRot="1" noChangeAspect="1"/>
+          </p:cNvSpPr>
+          <p:nvPr>
+            <p:ph type="sldImg"/>
+          </p:nvPr>
+        </p:nvSpPr>
+        <p:spPr/>
+      </p:sp>
+      <p:sp>
+        <p:nvSpPr>
+          <p:cNvPr id="3" name="Espace réservé des notes 2"/>
+          <p:cNvSpPr>
+            <a:spLocks noGrp="1"/>
+          </p:cNvSpPr>
+          <p:nvPr>
+            <p:ph type="body" idx="1"/>
+          </p:nvPr>
+        </p:nvSpPr>
+        <p:spPr/>
+        <p:txBody>
+          <a:bodyPr/>
+          <a:lstStyle/>
+          <a:p>
+            <a:r>
+              <a:rPr lang="fr-CH" dirty="0" smtClean="0"/>
+              <a:t>Jeremy</a:t>
+            </a:r>
+            <a:endParaRPr lang="fr-CH" dirty="0"/>
+          </a:p>
+        </p:txBody>
+      </p:sp>
+      <p:sp>
+        <p:nvSpPr>
+          <p:cNvPr id="4" name="Espace réservé du numéro de diapositive 3"/>
+          <p:cNvSpPr>
+            <a:spLocks noGrp="1"/>
+          </p:cNvSpPr>
+          <p:nvPr>
+            <p:ph type="sldNum" sz="quarter" idx="10"/>
+          </p:nvPr>
+        </p:nvSpPr>
+        <p:spPr/>
+        <p:txBody>
+          <a:bodyPr/>
+          <a:lstStyle/>
+          <a:p>
+            <a:fld id="{09032767-99AB-4FFB-9209-7A0BA30E3133}" type="slidenum">
+              <a:rPr lang="fr-CH" smtClean="0"/>
+              <a:t>9</a:t>
+            </a:fld>
+            <a:endParaRPr lang="fr-CH"/>
+          </a:p>
+        </p:txBody>
+      </p:sp>
+    </p:spTree>
+    <p:extLst>
+      <p:ext uri="{BB962C8B-B14F-4D97-AF65-F5344CB8AC3E}">
+        <p14:creationId xmlns:p14="http://schemas.microsoft.com/office/powerpoint/2010/main" val="4005886637"/>
+      </p:ext>
+    </p:extLst>
+  </p:cSld>
+  <p:clrMapOvr>
+    <a:masterClrMapping/>
+  </p:clrMapOvr>
+</p:notes>
+</file>
+
+<file path=ppt/notesSlides/notesSlide8.xml><?xml version="1.0" encoding="utf-8"?>
+<p:notes xmlns:a="http://schemas.openxmlformats.org/drawingml/2006/main" xmlns:r="http://schemas.openxmlformats.org/officeDocument/2006/relationships" xmlns:p="http://schemas.openxmlformats.org/presentationml/2006/main">
+  <p:cSld>
+    <p:spTree>
+      <p:nvGrpSpPr>
+        <p:cNvPr id="1" name=""/>
+        <p:cNvGrpSpPr/>
+        <p:nvPr/>
+      </p:nvGrpSpPr>
+      <p:grpSpPr>
+        <a:xfrm>
+          <a:off x="0" y="0"/>
+          <a:ext cx="0" cy="0"/>
+          <a:chOff x="0" y="0"/>
+          <a:chExt cx="0" cy="0"/>
+        </a:xfrm>
+      </p:grpSpPr>
+      <p:sp>
+        <p:nvSpPr>
+          <p:cNvPr id="2" name="Espace réservé de l'image des diapositives 1"/>
+          <p:cNvSpPr>
+            <a:spLocks noGrp="1" noRot="1" noChangeAspect="1"/>
+          </p:cNvSpPr>
+          <p:nvPr>
+            <p:ph type="sldImg"/>
+          </p:nvPr>
+        </p:nvSpPr>
+        <p:spPr/>
+      </p:sp>
+      <p:sp>
+        <p:nvSpPr>
+          <p:cNvPr id="3" name="Espace réservé des notes 2"/>
+          <p:cNvSpPr>
+            <a:spLocks noGrp="1"/>
+          </p:cNvSpPr>
+          <p:nvPr>
+            <p:ph type="body" idx="1"/>
+          </p:nvPr>
+        </p:nvSpPr>
+        <p:spPr/>
+        <p:txBody>
+          <a:bodyPr/>
+          <a:lstStyle/>
+          <a:p>
+            <a:r>
+              <a:rPr lang="fr-CH" dirty="0" smtClean="0"/>
+              <a:t>Jeremy</a:t>
+            </a:r>
+            <a:endParaRPr lang="fr-CH" dirty="0"/>
+          </a:p>
+        </p:txBody>
+      </p:sp>
+      <p:sp>
+        <p:nvSpPr>
+          <p:cNvPr id="4" name="Espace réservé du numéro de diapositive 3"/>
+          <p:cNvSpPr>
+            <a:spLocks noGrp="1"/>
+          </p:cNvSpPr>
+          <p:nvPr>
+            <p:ph type="sldNum" sz="quarter" idx="10"/>
+          </p:nvPr>
+        </p:nvSpPr>
+        <p:spPr/>
+        <p:txBody>
+          <a:bodyPr/>
+          <a:lstStyle/>
+          <a:p>
+            <a:fld id="{09032767-99AB-4FFB-9209-7A0BA30E3133}" type="slidenum">
+              <a:rPr lang="fr-CH" smtClean="0"/>
+              <a:t>10</a:t>
+            </a:fld>
+            <a:endParaRPr lang="fr-CH"/>
+          </a:p>
+        </p:txBody>
+      </p:sp>
+    </p:spTree>
+    <p:extLst>
+      <p:ext uri="{BB962C8B-B14F-4D97-AF65-F5344CB8AC3E}">
+        <p14:creationId xmlns:p14="http://schemas.microsoft.com/office/powerpoint/2010/main" val="3413154485"/>
+      </p:ext>
+    </p:extLst>
+  </p:cSld>
+  <p:clrMapOvr>
+    <a:masterClrMapping/>
+  </p:clrMapOvr>
+</p:notes>
+</file>
+
+<file path=ppt/notesSlides/notesSlide9.xml><?xml version="1.0" encoding="utf-8"?>
+<p:notes xmlns:a="http://schemas.openxmlformats.org/drawingml/2006/main" xmlns:r="http://schemas.openxmlformats.org/officeDocument/2006/relationships" xmlns:p="http://schemas.openxmlformats.org/presentationml/2006/main">
+  <p:cSld>
+    <p:spTree>
+      <p:nvGrpSpPr>
+        <p:cNvPr id="1" name=""/>
+        <p:cNvGrpSpPr/>
+        <p:nvPr/>
+      </p:nvGrpSpPr>
+      <p:grpSpPr>
+        <a:xfrm>
+          <a:off x="0" y="0"/>
+          <a:ext cx="0" cy="0"/>
+          <a:chOff x="0" y="0"/>
+          <a:chExt cx="0" cy="0"/>
+        </a:xfrm>
+      </p:grpSpPr>
+      <p:sp>
+        <p:nvSpPr>
+          <p:cNvPr id="2" name="Espace réservé de l'image des diapositives 1"/>
+          <p:cNvSpPr>
+            <a:spLocks noGrp="1" noRot="1" noChangeAspect="1"/>
+          </p:cNvSpPr>
+          <p:nvPr>
+            <p:ph type="sldImg"/>
+          </p:nvPr>
+        </p:nvSpPr>
+        <p:spPr/>
+      </p:sp>
+      <p:sp>
+        <p:nvSpPr>
+          <p:cNvPr id="3" name="Espace réservé des notes 2"/>
+          <p:cNvSpPr>
+            <a:spLocks noGrp="1"/>
+          </p:cNvSpPr>
+          <p:nvPr>
+            <p:ph type="body" idx="1"/>
+          </p:nvPr>
+        </p:nvSpPr>
+        <p:spPr/>
+        <p:txBody>
+          <a:bodyPr/>
+          <a:lstStyle/>
+          <a:p>
+            <a:r>
+              <a:rPr lang="fr-CH" dirty="0" smtClean="0"/>
+              <a:t>Jeremy</a:t>
+            </a:r>
+            <a:endParaRPr lang="fr-CH" dirty="0"/>
+          </a:p>
+        </p:txBody>
+      </p:sp>
+      <p:sp>
+        <p:nvSpPr>
+          <p:cNvPr id="4" name="Espace réservé du numéro de diapositive 3"/>
+          <p:cNvSpPr>
+            <a:spLocks noGrp="1"/>
+          </p:cNvSpPr>
+          <p:nvPr>
+            <p:ph type="sldNum" sz="quarter" idx="10"/>
+          </p:nvPr>
+        </p:nvSpPr>
+        <p:spPr/>
+        <p:txBody>
+          <a:bodyPr/>
+          <a:lstStyle/>
+          <a:p>
+            <a:fld id="{09032767-99AB-4FFB-9209-7A0BA30E3133}" type="slidenum">
+              <a:rPr lang="fr-CH" smtClean="0"/>
+              <a:t>11</a:t>
+            </a:fld>
+            <a:endParaRPr lang="fr-CH"/>
+          </a:p>
+        </p:txBody>
+      </p:sp>
+    </p:spTree>
+    <p:extLst>
+      <p:ext uri="{BB962C8B-B14F-4D97-AF65-F5344CB8AC3E}">
+        <p14:creationId xmlns:p14="http://schemas.microsoft.com/office/powerpoint/2010/main" val="1247421250"/>
+      </p:ext>
+    </p:extLst>
+  </p:cSld>
+  <p:clrMapOvr>
+    <a:masterClrMapping/>
+  </p:clrMapOvr>
+</p:notes>
+</file>
+
 <file path=ppt/slideLayouts/slideLayout1.xml><?xml version="1.0" encoding="utf-8"?>
 <p:sldLayout xmlns:a="http://schemas.openxmlformats.org/drawingml/2006/main" xmlns:r="http://schemas.openxmlformats.org/officeDocument/2006/relationships" xmlns:p="http://schemas.openxmlformats.org/presentationml/2006/main" type="title" preserve="1">
   <p:cSld name="Diapositive de titre">
@@ -610,7 +1665,7 @@
           <a:p>
             <a:fld id="{23E6F7FF-B075-4979-AD20-A9101D0FB70B}" type="datetime1">
               <a:rPr lang="fr-CH" smtClean="0"/>
-              <a:t>16.03.2021</a:t>
+              <a:t>17.03.2021</a:t>
             </a:fld>
             <a:endParaRPr lang="en-US" dirty="0"/>
           </a:p>
@@ -784,7 +1839,7 @@
           <a:p>
             <a:fld id="{9CD7D1AF-78D3-4865-A506-AE67B8F843BD}" type="datetime1">
               <a:rPr lang="fr-CH" smtClean="0"/>
-              <a:t>16.03.2021</a:t>
+              <a:t>17.03.2021</a:t>
             </a:fld>
             <a:endParaRPr lang="en-US" dirty="0"/>
           </a:p>
@@ -968,7 +2023,7 @@
           <a:p>
             <a:fld id="{628DBB64-5C50-46CB-AAC3-8D2412B367B4}" type="datetime1">
               <a:rPr lang="fr-CH" smtClean="0"/>
-              <a:t>16.03.2021</a:t>
+              <a:t>17.03.2021</a:t>
             </a:fld>
             <a:endParaRPr lang="en-US" dirty="0"/>
           </a:p>
@@ -1142,7 +2197,7 @@
           <a:p>
             <a:fld id="{185EBD5E-7583-4A18-BD25-43DFA19EEB8A}" type="datetime1">
               <a:rPr lang="fr-CH" smtClean="0"/>
-              <a:t>16.03.2021</a:t>
+              <a:t>17.03.2021</a:t>
             </a:fld>
             <a:endParaRPr lang="en-US" dirty="0"/>
           </a:p>
@@ -1392,7 +2447,7 @@
           <a:p>
             <a:fld id="{8DF499E0-77DC-47B2-93EE-7B8C11E260D6}" type="datetime1">
               <a:rPr lang="fr-CH" smtClean="0"/>
-              <a:t>16.03.2021</a:t>
+              <a:t>17.03.2021</a:t>
             </a:fld>
             <a:endParaRPr lang="en-US" dirty="0"/>
           </a:p>
@@ -1628,7 +2683,7 @@
           <a:p>
             <a:fld id="{A2C35E05-D377-4E4C-9F53-C37341B6DF9E}" type="datetime1">
               <a:rPr lang="fr-CH" smtClean="0"/>
-              <a:t>16.03.2021</a:t>
+              <a:t>17.03.2021</a:t>
             </a:fld>
             <a:endParaRPr lang="en-US" dirty="0"/>
           </a:p>
@@ -1999,7 +3054,7 @@
           <a:p>
             <a:fld id="{FC97BE0F-3B14-4C78-A970-2E52249036BA}" type="datetime1">
               <a:rPr lang="fr-CH" smtClean="0"/>
-              <a:t>16.03.2021</a:t>
+              <a:t>17.03.2021</a:t>
             </a:fld>
             <a:endParaRPr lang="en-US" dirty="0"/>
           </a:p>
@@ -2121,7 +3176,7 @@
           <a:p>
             <a:fld id="{7C942747-8F1C-45DC-9070-B06A2F9CA93B}" type="datetime1">
               <a:rPr lang="fr-CH" smtClean="0"/>
-              <a:t>16.03.2021</a:t>
+              <a:t>17.03.2021</a:t>
             </a:fld>
             <a:endParaRPr lang="en-US" dirty="0"/>
           </a:p>
@@ -2220,7 +3275,7 @@
           <a:p>
             <a:fld id="{B8BC87D6-75C3-48AD-9C07-1310A0E4C7D0}" type="datetime1">
               <a:rPr lang="fr-CH" smtClean="0"/>
-              <a:t>16.03.2021</a:t>
+              <a:t>17.03.2021</a:t>
             </a:fld>
             <a:endParaRPr lang="en-US" dirty="0"/>
           </a:p>
@@ -2501,7 +3556,7 @@
           <a:p>
             <a:fld id="{9F5171D8-8FB1-4248-B498-705BFDA3AB38}" type="datetime1">
               <a:rPr lang="fr-CH" smtClean="0"/>
-              <a:t>16.03.2021</a:t>
+              <a:t>17.03.2021</a:t>
             </a:fld>
             <a:endParaRPr lang="en-US" dirty="0"/>
           </a:p>
@@ -2762,7 +3817,7 @@
           <a:p>
             <a:fld id="{FE3ADC60-4F15-4587-85CE-E27E55071E9C}" type="datetime1">
               <a:rPr lang="fr-CH" smtClean="0"/>
-              <a:t>16.03.2021</a:t>
+              <a:t>17.03.2021</a:t>
             </a:fld>
             <a:endParaRPr lang="en-US" dirty="0"/>
           </a:p>
@@ -2979,7 +4034,7 @@
           <a:p>
             <a:fld id="{1B670566-021D-4089-BBEA-9CF41C04FCED}" type="datetime1">
               <a:rPr lang="fr-CH" smtClean="0"/>
-              <a:t>16.03.2021</a:t>
+              <a:t>17.03.2021</a:t>
             </a:fld>
             <a:endParaRPr lang="en-US" dirty="0"/>
           </a:p>
@@ -3406,7 +4461,7 @@
           <a:p>
             <a:fld id="{4A195399-D9D0-4564-809D-7583D7951C67}" type="datetime1">
               <a:rPr lang="fr-CH" smtClean="0"/>
-              <a:t>16.03.2021</a:t>
+              <a:t>17.03.2021</a:t>
             </a:fld>
             <a:endParaRPr lang="en-US" dirty="0"/>
           </a:p>
@@ -3468,6 +4523,13 @@
   <p:clrMapOvr>
     <a:masterClrMapping/>
   </p:clrMapOvr>
+  <p:timing>
+    <p:tnLst>
+      <p:par>
+        <p:cTn id="1" dur="indefinite" restart="never" nodeType="tmRoot"/>
+      </p:par>
+    </p:tnLst>
+  </p:timing>
 </p:sld>
 </file>
 
@@ -3597,7 +4659,7 @@
           <a:p>
             <a:fld id="{07354494-7846-4E12-9D93-11EA4226ED36}" type="datetime1">
               <a:rPr lang="fr-CH" smtClean="0"/>
-              <a:t>16.03.2021</a:t>
+              <a:t>17.03.2021</a:t>
             </a:fld>
             <a:endParaRPr lang="en-US" dirty="0"/>
           </a:p>
@@ -3659,6 +4721,13 @@
   <p:clrMapOvr>
     <a:masterClrMapping/>
   </p:clrMapOvr>
+  <p:timing>
+    <p:tnLst>
+      <p:par>
+        <p:cTn id="1" dur="indefinite" restart="never" nodeType="tmRoot"/>
+      </p:par>
+    </p:tnLst>
+  </p:timing>
 </p:sld>
 </file>
 
@@ -3769,7 +4838,7 @@
           <a:p>
             <a:fld id="{01770AD0-4011-4351-9F66-2A80B37BFA13}" type="datetime1">
               <a:rPr lang="fr-CH" smtClean="0"/>
-              <a:t>16.03.2021</a:t>
+              <a:t>17.03.2021</a:t>
             </a:fld>
             <a:endParaRPr lang="en-US" dirty="0"/>
           </a:p>
@@ -3831,6 +4900,13 @@
   <p:clrMapOvr>
     <a:masterClrMapping/>
   </p:clrMapOvr>
+  <p:timing>
+    <p:tnLst>
+      <p:par>
+        <p:cTn id="1" dur="indefinite" restart="never" nodeType="tmRoot"/>
+      </p:par>
+    </p:tnLst>
+  </p:timing>
 </p:sld>
 </file>
 
@@ -3873,11 +4949,7 @@
           <a:p>
             <a:r>
               <a:rPr lang="fr-CH" dirty="0" smtClean="0"/>
-              <a:t>Difficultés</a:t>
-            </a:r>
-            <a:r>
-              <a:rPr lang="fr-CH" dirty="0" smtClean="0"/>
-              <a:t> rencontrées</a:t>
+              <a:t>Difficultés rencontrées</a:t>
             </a:r>
             <a:endParaRPr lang="fr-CH" dirty="0"/>
           </a:p>
@@ -3906,20 +4978,23 @@
           <a:p>
             <a:r>
               <a:rPr lang="fr-CH" dirty="0" smtClean="0"/>
-              <a:t>Détection des capteurs</a:t>
-            </a:r>
-          </a:p>
-          <a:p>
+              <a:t>Détection des </a:t>
+            </a:r>
+            <a:r>
+              <a:rPr lang="fr-CH" dirty="0" smtClean="0"/>
+              <a:t>capteurs</a:t>
+            </a:r>
             <a:endParaRPr lang="fr-CH" dirty="0"/>
           </a:p>
           <a:p>
             <a:r>
               <a:rPr lang="fr-CH" dirty="0" smtClean="0"/>
-              <a:t>Prise en main de Lumen</a:t>
-            </a:r>
-            <a:endParaRPr lang="fr-CH" dirty="0" smtClean="0"/>
-          </a:p>
-          <a:p>
+              <a:t>Prise en main de </a:t>
+            </a:r>
+            <a:r>
+              <a:rPr lang="fr-CH" dirty="0" smtClean="0"/>
+              <a:t>Lumen</a:t>
+            </a:r>
             <a:endParaRPr lang="fr-CH" dirty="0"/>
           </a:p>
           <a:p>
@@ -3930,6 +5005,18 @@
             <a:endParaRPr lang="fr-CH" dirty="0"/>
           </a:p>
           <a:p>
+            <a:r>
+              <a:rPr lang="fr-CH" dirty="0" smtClean="0"/>
+              <a:t>Choix du </a:t>
+            </a:r>
+            <a:r>
+              <a:rPr lang="fr-CH" dirty="0" err="1" smtClean="0"/>
+              <a:t>framework</a:t>
+            </a:r>
+            <a:r>
+              <a:rPr lang="fr-CH" dirty="0" smtClean="0"/>
+              <a:t> front-end</a:t>
+            </a:r>
             <a:endParaRPr lang="fr-CH" dirty="0"/>
           </a:p>
           <a:p>
@@ -3958,7 +5045,7 @@
           <a:p>
             <a:fld id="{0008262B-42AA-463D-BC45-A3F382999202}" type="datetime1">
               <a:rPr lang="fr-CH" smtClean="0"/>
-              <a:t>16.03.2021</a:t>
+              <a:t>17.03.2021</a:t>
             </a:fld>
             <a:endParaRPr lang="en-US" dirty="0"/>
           </a:p>
@@ -4020,6 +5107,13 @@
   <p:clrMapOvr>
     <a:masterClrMapping/>
   </p:clrMapOvr>
+  <p:timing>
+    <p:tnLst>
+      <p:par>
+        <p:cTn id="1" dur="indefinite" restart="never" nodeType="tmRoot"/>
+      </p:par>
+    </p:tnLst>
+  </p:timing>
 </p:sld>
 </file>
 
@@ -4136,7 +5230,7 @@
           <a:p>
             <a:fld id="{08203CA6-1074-422C-89EB-1391B73CCDB7}" type="datetime1">
               <a:rPr lang="fr-CH" smtClean="0"/>
-              <a:t>16.03.2021</a:t>
+              <a:t>17.03.2021</a:t>
             </a:fld>
             <a:endParaRPr lang="en-US" dirty="0"/>
           </a:p>
@@ -4198,6 +5292,13 @@
   <p:clrMapOvr>
     <a:masterClrMapping/>
   </p:clrMapOvr>
+  <p:timing>
+    <p:tnLst>
+      <p:par>
+        <p:cTn id="1" dur="indefinite" restart="never" nodeType="tmRoot"/>
+      </p:par>
+    </p:tnLst>
+  </p:timing>
 </p:sld>
 </file>
 
@@ -4263,7 +5364,7 @@
           <a:p>
             <a:fld id="{1668B992-B740-4549-8388-C4DB319B8012}" type="datetime1">
               <a:rPr lang="fr-CH" smtClean="0"/>
-              <a:t>16.03.2021</a:t>
+              <a:t>17.03.2021</a:t>
             </a:fld>
             <a:endParaRPr lang="en-US" dirty="0"/>
           </a:p>
@@ -4325,6 +5426,13 @@
   <p:clrMapOvr>
     <a:masterClrMapping/>
   </p:clrMapOvr>
+  <p:timing>
+    <p:tnLst>
+      <p:par>
+        <p:cTn id="1" dur="indefinite" restart="never" nodeType="tmRoot"/>
+      </p:par>
+    </p:tnLst>
+  </p:timing>
 </p:sld>
 </file>
 
@@ -4362,7 +5470,7 @@
           <a:p>
             <a:fld id="{F9287B6E-ED2D-4BC8-89EB-85CCE5047210}" type="datetime1">
               <a:rPr lang="fr-CH" smtClean="0"/>
-              <a:t>16.03.2021</a:t>
+              <a:t>17.03.2021</a:t>
             </a:fld>
             <a:endParaRPr lang="en-US" dirty="0"/>
           </a:p>
@@ -4424,6 +5532,13 @@
   <p:clrMapOvr>
     <a:masterClrMapping/>
   </p:clrMapOvr>
+  <p:timing>
+    <p:tnLst>
+      <p:par>
+        <p:cTn id="1" dur="indefinite" restart="never" nodeType="tmRoot"/>
+      </p:par>
+    </p:tnLst>
+  </p:timing>
 </p:sld>
 </file>
 
@@ -4517,7 +5632,7 @@
           <a:p>
             <a:fld id="{FB5E997D-2F0B-4B26-9BB8-CA7B7B37AFFE}" type="datetime1">
               <a:rPr lang="fr-CH" smtClean="0"/>
-              <a:t>16.03.2021</a:t>
+              <a:t>17.03.2021</a:t>
             </a:fld>
             <a:endParaRPr lang="en-US" dirty="0"/>
           </a:p>
@@ -4579,6 +5694,13 @@
   <p:clrMapOvr>
     <a:masterClrMapping/>
   </p:clrMapOvr>
+  <p:timing>
+    <p:tnLst>
+      <p:par>
+        <p:cTn id="1" dur="indefinite" restart="never" nodeType="tmRoot"/>
+      </p:par>
+    </p:tnLst>
+  </p:timing>
 </p:sld>
 </file>
 
@@ -4703,7 +5825,7 @@
           <a:p>
             <a:fld id="{D8B82756-515F-428F-B927-816FC0681BE9}" type="datetime1">
               <a:rPr lang="fr-CH" smtClean="0"/>
-              <a:t>16.03.2021</a:t>
+              <a:t>17.03.2021</a:t>
             </a:fld>
             <a:endParaRPr lang="en-US" dirty="0"/>
           </a:p>
@@ -4765,6 +5887,13 @@
   <p:clrMapOvr>
     <a:masterClrMapping/>
   </p:clrMapOvr>
+  <p:timing>
+    <p:tnLst>
+      <p:par>
+        <p:cTn id="1" dur="indefinite" restart="never" nodeType="tmRoot"/>
+      </p:par>
+    </p:tnLst>
+  </p:timing>
 </p:sld>
 </file>
 
@@ -5656,7 +6785,7 @@
           <a:p>
             <a:fld id="{F4A15294-26EE-446F-B23A-41CD9CE5F2E5}" type="datetime1">
               <a:rPr lang="fr-CH" smtClean="0"/>
-              <a:t>16.03.2021</a:t>
+              <a:t>17.03.2021</a:t>
             </a:fld>
             <a:endParaRPr lang="en-US" dirty="0"/>
           </a:p>
@@ -5718,6 +6847,13 @@
   <p:clrMapOvr>
     <a:masterClrMapping/>
   </p:clrMapOvr>
+  <p:timing>
+    <p:tnLst>
+      <p:par>
+        <p:cTn id="1" dur="indefinite" restart="never" nodeType="tmRoot"/>
+      </p:par>
+    </p:tnLst>
+  </p:timing>
 </p:sld>
 </file>
 
@@ -5783,7 +6919,7 @@
           <a:p>
             <a:fld id="{DA97F77B-0DE9-43CD-B10A-75B86430BEFC}" type="datetime1">
               <a:rPr lang="fr-CH" smtClean="0"/>
-              <a:t>16.03.2021</a:t>
+              <a:t>17.03.2021</a:t>
             </a:fld>
             <a:endParaRPr lang="en-US" dirty="0"/>
           </a:p>
@@ -5845,6 +6981,13 @@
   <p:clrMapOvr>
     <a:masterClrMapping/>
   </p:clrMapOvr>
+  <p:timing>
+    <p:tnLst>
+      <p:par>
+        <p:cTn id="1" dur="indefinite" restart="never" nodeType="tmRoot"/>
+      </p:par>
+    </p:tnLst>
+  </p:timing>
 </p:sld>
 </file>
 
@@ -6031,7 +7174,7 @@
           <a:p>
             <a:fld id="{5165153D-EC2E-4365-80BF-C9682DEA56C1}" type="datetime1">
               <a:rPr lang="fr-CH" smtClean="0"/>
-              <a:t>16.03.2021</a:t>
+              <a:t>17.03.2021</a:t>
             </a:fld>
             <a:endParaRPr lang="en-US" dirty="0"/>
           </a:p>
@@ -6093,6 +7236,13 @@
   <p:clrMapOvr>
     <a:masterClrMapping/>
   </p:clrMapOvr>
+  <p:timing>
+    <p:tnLst>
+      <p:par>
+        <p:cTn id="1" dur="indefinite" restart="never" nodeType="tmRoot"/>
+      </p:par>
+    </p:tnLst>
+  </p:timing>
 </p:sld>
 </file>
 
@@ -6151,7 +7301,7 @@
           </p:nvPr>
         </p:nvPicPr>
         <p:blipFill>
-          <a:blip r:embed="rId2"/>
+          <a:blip r:embed="rId3"/>
           <a:stretch>
             <a:fillRect/>
           </a:stretch>
@@ -6362,7 +7512,7 @@
           <p:nvPr/>
         </p:nvPicPr>
         <p:blipFill>
-          <a:blip r:embed="rId3">
+          <a:blip r:embed="rId4">
             <a:extLst>
               <a:ext uri="{28A0092B-C50C-407E-A947-70E740481C1C}">
                 <a14:useLocalDpi xmlns:a14="http://schemas.microsoft.com/office/drawing/2010/main" val="0"/>
@@ -6690,7 +7840,7 @@
           <p:nvPr/>
         </p:nvPicPr>
         <p:blipFill>
-          <a:blip r:embed="rId4">
+          <a:blip r:embed="rId5">
             <a:extLst>
               <a:ext uri="{28A0092B-C50C-407E-A947-70E740481C1C}">
                 <a14:useLocalDpi xmlns:a14="http://schemas.microsoft.com/office/drawing/2010/main" val="0"/>
@@ -6731,7 +7881,7 @@
           <p:nvPr/>
         </p:nvPicPr>
         <p:blipFill>
-          <a:blip r:embed="rId5">
+          <a:blip r:embed="rId6">
             <a:extLst>
               <a:ext uri="{28A0092B-C50C-407E-A947-70E740481C1C}">
                 <a14:useLocalDpi xmlns:a14="http://schemas.microsoft.com/office/drawing/2010/main" val="0"/>
@@ -6952,7 +8102,7 @@
           <a:p>
             <a:fld id="{239DC089-C9CD-4620-8366-FD6A032A413F}" type="datetime1">
               <a:rPr lang="fr-CH" smtClean="0"/>
-              <a:t>16.03.2021</a:t>
+              <a:t>17.03.2021</a:t>
             </a:fld>
             <a:endParaRPr lang="en-US" dirty="0"/>
           </a:p>
@@ -7014,6 +8164,13 @@
   <p:clrMapOvr>
     <a:masterClrMapping/>
   </p:clrMapOvr>
+  <p:timing>
+    <p:tnLst>
+      <p:par>
+        <p:cTn id="1" dur="indefinite" restart="never" nodeType="tmRoot"/>
+      </p:par>
+    </p:tnLst>
+  </p:timing>
 </p:sld>
 </file>
 
@@ -7068,7 +8225,7 @@
           </p:nvPr>
         </p:nvPicPr>
         <p:blipFill>
-          <a:blip r:embed="rId2">
+          <a:blip r:embed="rId3">
             <a:extLst>
               <a:ext uri="{28A0092B-C50C-407E-A947-70E740481C1C}">
                 <a14:useLocalDpi xmlns:a14="http://schemas.microsoft.com/office/drawing/2010/main" val="0"/>
@@ -7103,7 +8260,7 @@
           <a:p>
             <a:fld id="{185EBD5E-7583-4A18-BD25-43DFA19EEB8A}" type="datetime1">
               <a:rPr lang="fr-CH" smtClean="0"/>
-              <a:t>16.03.2021</a:t>
+              <a:t>17.03.2021</a:t>
             </a:fld>
             <a:endParaRPr lang="en-US" dirty="0"/>
           </a:p>
@@ -7165,6 +8322,13 @@
   <p:clrMapOvr>
     <a:masterClrMapping/>
   </p:clrMapOvr>
+  <p:timing>
+    <p:tnLst>
+      <p:par>
+        <p:cTn id="1" dur="indefinite" restart="never" nodeType="tmRoot"/>
+      </p:par>
+    </p:tnLst>
+  </p:timing>
 </p:sld>
 </file>
 
@@ -7247,16 +8411,38 @@
           <a:p>
             <a:pPr lvl="1"/>
             <a:r>
+              <a:rPr lang="fr-CH" dirty="0" smtClean="0"/>
+              <a:t>Stock </a:t>
+            </a:r>
+            <a:r>
               <a:rPr lang="fr-CH" dirty="0"/>
-              <a:t>Stock la moyenne des mesures par heure</a:t>
-            </a:r>
+              <a:t>la moyenne des mesures par </a:t>
+            </a:r>
+            <a:r>
+              <a:rPr lang="fr-CH" dirty="0" smtClean="0"/>
+              <a:t>jour</a:t>
+            </a:r>
+            <a:endParaRPr lang="fr-CH" dirty="0"/>
           </a:p>
           <a:p>
             <a:pPr lvl="1"/>
             <a:r>
               <a:rPr lang="fr-CH" dirty="0"/>
-              <a:t>Efface les mesures vieille de plus de 30 jour</a:t>
-            </a:r>
+              <a:t>Efface </a:t>
+            </a:r>
+            <a:r>
+              <a:rPr lang="fr-CH" dirty="0" smtClean="0"/>
+              <a:t>les mesures de </a:t>
+            </a:r>
+            <a:r>
+              <a:rPr lang="fr-CH" dirty="0"/>
+              <a:t>plus de 30 </a:t>
+            </a:r>
+            <a:r>
+              <a:rPr lang="fr-CH" dirty="0" smtClean="0"/>
+              <a:t>jours</a:t>
+            </a:r>
+            <a:endParaRPr lang="fr-CH" dirty="0"/>
           </a:p>
           <a:p>
             <a:endParaRPr lang="fr-CH" dirty="0"/>
@@ -8084,7 +9270,7 @@
           <a:p>
             <a:fld id="{ED4143AD-9665-407F-9B2D-739A94DE4170}" type="datetime1">
               <a:rPr lang="fr-CH" smtClean="0"/>
-              <a:t>16.03.2021</a:t>
+              <a:t>17.03.2021</a:t>
             </a:fld>
             <a:endParaRPr lang="en-US" dirty="0"/>
           </a:p>
@@ -8146,6 +9332,13 @@
   <p:clrMapOvr>
     <a:masterClrMapping/>
   </p:clrMapOvr>
+  <p:timing>
+    <p:tnLst>
+      <p:par>
+        <p:cTn id="1" dur="indefinite" restart="never" nodeType="tmRoot"/>
+      </p:par>
+    </p:tnLst>
+  </p:timing>
 </p:sld>
 </file>
 

--- a/documentation/Yoctopuce.pptx
+++ b/documentation/Yoctopuce.pptx
@@ -4483,7 +4483,7 @@
           <a:lstStyle/>
           <a:p>
             <a:r>
-              <a:rPr lang="en-US" smtClean="0"/>
+              <a:rPr lang="en-US" dirty="0" err="1" smtClean="0"/>
               <a:t>Yoctopuce</a:t>
             </a:r>
             <a:endParaRPr lang="en-US" dirty="0"/>
@@ -4978,22 +4978,14 @@
           <a:p>
             <a:r>
               <a:rPr lang="fr-CH" dirty="0" smtClean="0"/>
-              <a:t>Détection des </a:t>
-            </a:r>
+              <a:t>Détection des capteurs</a:t>
+            </a:r>
+            <a:endParaRPr lang="fr-CH" dirty="0"/>
+          </a:p>
+          <a:p>
             <a:r>
               <a:rPr lang="fr-CH" dirty="0" smtClean="0"/>
-              <a:t>capteurs</a:t>
-            </a:r>
-            <a:endParaRPr lang="fr-CH" dirty="0"/>
-          </a:p>
-          <a:p>
-            <a:r>
-              <a:rPr lang="fr-CH" dirty="0" smtClean="0"/>
-              <a:t>Prise en main de </a:t>
-            </a:r>
-            <a:r>
-              <a:rPr lang="fr-CH" dirty="0" smtClean="0"/>
-              <a:t>Lumen</a:t>
+              <a:t>Prise en main de Lumen</a:t>
             </a:r>
             <a:endParaRPr lang="fr-CH" dirty="0"/>
           </a:p>
@@ -5610,8 +5602,21 @@
           <a:p>
             <a:r>
               <a:rPr lang="fr-CH" sz="1400" dirty="0"/>
-              <a:t>Charneco, meissner, Oliveira, stähli</a:t>
-            </a:r>
+              <a:t>Charneco, </a:t>
+            </a:r>
+            <a:r>
+              <a:rPr lang="fr-CH" sz="1400" dirty="0" smtClean="0"/>
+              <a:t>Meissner</a:t>
+            </a:r>
+            <a:r>
+              <a:rPr lang="fr-CH" sz="1400" dirty="0"/>
+              <a:t>, Oliveira, </a:t>
+            </a:r>
+            <a:r>
+              <a:rPr lang="fr-CH" sz="1400" dirty="0" err="1" smtClean="0"/>
+              <a:t>Stähli</a:t>
+            </a:r>
+            <a:endParaRPr lang="fr-CH" sz="1400" dirty="0"/>
           </a:p>
         </p:txBody>
       </p:sp>
@@ -8930,7 +8935,7 @@
           <p:nvPr>
             <p:extLst>
               <p:ext uri="{D42A27DB-BD31-4B8C-83A1-F6EECF244321}">
-                <p14:modId xmlns:p14="http://schemas.microsoft.com/office/powerpoint/2010/main" val="263025134"/>
+                <p14:modId xmlns:p14="http://schemas.microsoft.com/office/powerpoint/2010/main" val="3215631701"/>
               </p:ext>
             </p:extLst>
           </p:nvPr>
@@ -9116,8 +9121,13 @@
                     <a:p>
                       <a:r>
                         <a:rPr lang="fr-CH" dirty="0"/>
-                        <a:t>2020-01-27 14:00:00</a:t>
+                        <a:t>2020-01-27 </a:t>
                       </a:r>
+                      <a:r>
+                        <a:rPr lang="fr-CH" dirty="0" smtClean="0"/>
+                        <a:t>00:00:00</a:t>
+                      </a:r>
+                      <a:endParaRPr lang="fr-CH" dirty="0"/>
                     </a:p>
                   </a:txBody>
                   <a:tcPr/>

--- a/documentation/Yoctopuce.pptx
+++ b/documentation/Yoctopuce.pptx
@@ -5986,7 +5986,7 @@
           <p:nvPr>
             <p:extLst>
               <p:ext uri="{D42A27DB-BD31-4B8C-83A1-F6EECF244321}">
-                <p14:modId xmlns:p14="http://schemas.microsoft.com/office/powerpoint/2010/main" val="1997523746"/>
+                <p14:modId xmlns:p14="http://schemas.microsoft.com/office/powerpoint/2010/main" val="401606270"/>
               </p:ext>
             </p:extLst>
           </p:nvPr>
@@ -6223,9 +6223,14 @@
                     <a:lstStyle/>
                     <a:p>
                       <a:r>
-                        <a:rPr lang="fr-CH" dirty="0"/>
+                        <a:rPr lang="fr-CH" dirty="0" err="1" smtClean="0"/>
                         <a:t>Backend</a:t>
                       </a:r>
+                      <a:r>
+                        <a:rPr lang="fr-CH" dirty="0" smtClean="0"/>
+                        <a:t> (C#)</a:t>
+                      </a:r>
+                      <a:endParaRPr lang="fr-CH" dirty="0"/>
                     </a:p>
                   </a:txBody>
                   <a:tcPr/>
@@ -6470,7 +6475,11 @@
                       </a:r>
                       <a:r>
                         <a:rPr lang="fr-CH" baseline="0" dirty="0"/>
-                        <a:t> tech</a:t>
+                        <a:t> </a:t>
+                      </a:r>
+                      <a:r>
+                        <a:rPr lang="fr-CH" baseline="0" dirty="0" smtClean="0"/>
+                        <a:t>technique</a:t>
                       </a:r>
                       <a:endParaRPr lang="fr-CH" dirty="0"/>
                     </a:p>
@@ -6554,8 +6563,13 @@
                     <a:p>
                       <a:r>
                         <a:rPr lang="fr-CH" dirty="0"/>
-                        <a:t>Doc Utilisateur</a:t>
+                        <a:t>Doc </a:t>
                       </a:r>
+                      <a:r>
+                        <a:rPr lang="fr-CH" dirty="0" smtClean="0"/>
+                        <a:t>utilisateur</a:t>
+                      </a:r>
+                      <a:endParaRPr lang="fr-CH" dirty="0"/>
                     </a:p>
                   </a:txBody>
                   <a:tcPr/>
@@ -7066,9 +7080,14 @@
               <a:buNone/>
             </a:pPr>
             <a:r>
-              <a:rPr lang="fr-CH" dirty="0"/>
-              <a:t>Backend:</a:t>
-            </a:r>
+              <a:rPr lang="fr-CH" dirty="0" err="1" smtClean="0"/>
+              <a:t>Backend</a:t>
+            </a:r>
+            <a:r>
+              <a:rPr lang="fr-CH" dirty="0" smtClean="0"/>
+              <a:t> :</a:t>
+            </a:r>
+            <a:endParaRPr lang="fr-CH" dirty="0"/>
           </a:p>
           <a:p>
             <a:r>
@@ -7118,9 +7137,14 @@
               <a:buNone/>
             </a:pPr>
             <a:r>
-              <a:rPr lang="fr-CH" dirty="0"/>
-              <a:t>Frontend:</a:t>
-            </a:r>
+              <a:rPr lang="fr-CH" dirty="0" err="1" smtClean="0"/>
+              <a:t>Frontend</a:t>
+            </a:r>
+            <a:r>
+              <a:rPr lang="fr-CH" dirty="0" smtClean="0"/>
+              <a:t> :</a:t>
+            </a:r>
+            <a:endParaRPr lang="fr-CH" dirty="0"/>
           </a:p>
           <a:p>
             <a:r>
@@ -7143,9 +7167,10 @@
               <a:buNone/>
             </a:pPr>
             <a:r>
-              <a:rPr lang="fr-CH" dirty="0"/>
-              <a:t>Documentation</a:t>
-            </a:r>
+              <a:rPr lang="fr-CH" dirty="0" smtClean="0"/>
+              <a:t>Documentation :</a:t>
+            </a:r>
+            <a:endParaRPr lang="fr-CH" dirty="0"/>
           </a:p>
           <a:p>
             <a:r>
@@ -8006,19 +8031,88 @@
       </p:sp>
       <p:sp>
         <p:nvSpPr>
-          <p:cNvPr id="27" name="Flèche gauche 26"/>
+          <p:cNvPr id="6" name="Espace réservé de la date 5"/>
+          <p:cNvSpPr>
+            <a:spLocks noGrp="1"/>
+          </p:cNvSpPr>
+          <p:nvPr>
+            <p:ph type="dt" sz="half" idx="10"/>
+          </p:nvPr>
+        </p:nvSpPr>
+        <p:spPr/>
+        <p:txBody>
+          <a:bodyPr/>
+          <a:lstStyle/>
+          <a:p>
+            <a:fld id="{239DC089-C9CD-4620-8366-FD6A032A413F}" type="datetime1">
+              <a:rPr lang="fr-CH" smtClean="0"/>
+              <a:t>17.03.2021</a:t>
+            </a:fld>
+            <a:endParaRPr lang="en-US" dirty="0"/>
+          </a:p>
+        </p:txBody>
+      </p:sp>
+      <p:sp>
+        <p:nvSpPr>
+          <p:cNvPr id="17" name="Espace réservé du pied de page 16"/>
+          <p:cNvSpPr>
+            <a:spLocks noGrp="1"/>
+          </p:cNvSpPr>
+          <p:nvPr>
+            <p:ph type="ftr" sz="quarter" idx="11"/>
+          </p:nvPr>
+        </p:nvSpPr>
+        <p:spPr/>
+        <p:txBody>
+          <a:bodyPr/>
+          <a:lstStyle/>
+          <a:p>
+            <a:r>
+              <a:rPr lang="en-US" smtClean="0"/>
+              <a:t>Yoctopuce</a:t>
+            </a:r>
+            <a:endParaRPr lang="en-US" dirty="0"/>
+          </a:p>
+        </p:txBody>
+      </p:sp>
+      <p:sp>
+        <p:nvSpPr>
+          <p:cNvPr id="20" name="Espace réservé du numéro de diapositive 19"/>
+          <p:cNvSpPr>
+            <a:spLocks noGrp="1"/>
+          </p:cNvSpPr>
+          <p:nvPr>
+            <p:ph type="sldNum" sz="quarter" idx="12"/>
+          </p:nvPr>
+        </p:nvSpPr>
+        <p:spPr/>
+        <p:txBody>
+          <a:bodyPr/>
+          <a:lstStyle/>
+          <a:p>
+            <a:fld id="{D57F1E4F-1CFF-5643-939E-02111984F565}" type="slidenum">
+              <a:rPr lang="en-US" smtClean="0"/>
+              <a:t>7</a:t>
+            </a:fld>
+            <a:endParaRPr lang="en-US" dirty="0"/>
+          </a:p>
+        </p:txBody>
+      </p:sp>
+      <p:sp>
+        <p:nvSpPr>
+          <p:cNvPr id="24" name="Double flèche horizontale 23"/>
           <p:cNvSpPr/>
           <p:nvPr/>
         </p:nvSpPr>
         <p:spPr>
-          <a:xfrm rot="11906302">
-            <a:off x="3273066" y="4776175"/>
-            <a:ext cx="1368871" cy="311202"/>
+          <a:xfrm rot="1512843">
+            <a:off x="3090859" y="4600790"/>
+            <a:ext cx="1802204" cy="316597"/>
           </a:xfrm>
-          <a:prstGeom prst="leftArrow">
+          <a:prstGeom prst="leftRightArrow">
             <a:avLst>
-              <a:gd name="adj1" fmla="val 44123"/>
-              <a:gd name="adj2" fmla="val 123457"/>
+              <a:gd name="adj1" fmla="val 50000"/>
+              <a:gd name="adj2" fmla="val 113372"/>
             </a:avLst>
           </a:prstGeom>
         </p:spPr>
@@ -8049,19 +8143,19 @@
       </p:sp>
       <p:sp>
         <p:nvSpPr>
-          <p:cNvPr id="28" name="Flèche gauche 27"/>
+          <p:cNvPr id="30" name="Double flèche horizontale 29"/>
           <p:cNvSpPr/>
           <p:nvPr/>
         </p:nvSpPr>
         <p:spPr>
-          <a:xfrm rot="10800000">
-            <a:off x="6578423" y="5061243"/>
-            <a:ext cx="1560174" cy="311202"/>
+          <a:xfrm>
+            <a:off x="6462741" y="5032755"/>
+            <a:ext cx="1690659" cy="316597"/>
           </a:xfrm>
-          <a:prstGeom prst="leftArrow">
+          <a:prstGeom prst="leftRightArrow">
             <a:avLst>
-              <a:gd name="adj1" fmla="val 44123"/>
-              <a:gd name="adj2" fmla="val 123457"/>
+              <a:gd name="adj1" fmla="val 50000"/>
+              <a:gd name="adj2" fmla="val 113372"/>
             </a:avLst>
           </a:prstGeom>
         </p:spPr>
@@ -8087,75 +8181,6 @@
           <a:p>
             <a:pPr algn="ctr"/>
             <a:endParaRPr lang="fr-CH"/>
-          </a:p>
-        </p:txBody>
-      </p:sp>
-      <p:sp>
-        <p:nvSpPr>
-          <p:cNvPr id="6" name="Espace réservé de la date 5"/>
-          <p:cNvSpPr>
-            <a:spLocks noGrp="1"/>
-          </p:cNvSpPr>
-          <p:nvPr>
-            <p:ph type="dt" sz="half" idx="10"/>
-          </p:nvPr>
-        </p:nvSpPr>
-        <p:spPr/>
-        <p:txBody>
-          <a:bodyPr/>
-          <a:lstStyle/>
-          <a:p>
-            <a:fld id="{239DC089-C9CD-4620-8366-FD6A032A413F}" type="datetime1">
-              <a:rPr lang="fr-CH" smtClean="0"/>
-              <a:t>17.03.2021</a:t>
-            </a:fld>
-            <a:endParaRPr lang="en-US" dirty="0"/>
-          </a:p>
-        </p:txBody>
-      </p:sp>
-      <p:sp>
-        <p:nvSpPr>
-          <p:cNvPr id="17" name="Espace réservé du pied de page 16"/>
-          <p:cNvSpPr>
-            <a:spLocks noGrp="1"/>
-          </p:cNvSpPr>
-          <p:nvPr>
-            <p:ph type="ftr" sz="quarter" idx="11"/>
-          </p:nvPr>
-        </p:nvSpPr>
-        <p:spPr/>
-        <p:txBody>
-          <a:bodyPr/>
-          <a:lstStyle/>
-          <a:p>
-            <a:r>
-              <a:rPr lang="en-US" smtClean="0"/>
-              <a:t>Yoctopuce</a:t>
-            </a:r>
-            <a:endParaRPr lang="en-US" dirty="0"/>
-          </a:p>
-        </p:txBody>
-      </p:sp>
-      <p:sp>
-        <p:nvSpPr>
-          <p:cNvPr id="20" name="Espace réservé du numéro de diapositive 19"/>
-          <p:cNvSpPr>
-            <a:spLocks noGrp="1"/>
-          </p:cNvSpPr>
-          <p:nvPr>
-            <p:ph type="sldNum" sz="quarter" idx="12"/>
-          </p:nvPr>
-        </p:nvSpPr>
-        <p:spPr/>
-        <p:txBody>
-          <a:bodyPr/>
-          <a:lstStyle/>
-          <a:p>
-            <a:fld id="{D57F1E4F-1CFF-5643-939E-02111984F565}" type="slidenum">
-              <a:rPr lang="en-US" smtClean="0"/>
-              <a:t>7</a:t>
-            </a:fld>
-            <a:endParaRPr lang="en-US" dirty="0"/>
           </a:p>
         </p:txBody>
       </p:sp>
